--- a/reports/preliminary_design_report.pptx
+++ b/reports/preliminary_design_report.pptx
@@ -113,6 +113,11 @@
       </a:defRPr>
     </a:lvl9pPr>
   </p:defaultTextStyle>
+  <p:extLst>
+    <p:ext uri="{EFAFB233-063F-42B5-8137-9DF3F51BA10A}">
+      <p15:sldGuideLst xmlns:p15="http://schemas.microsoft.com/office/powerpoint/2012/main"/>
+    </p:ext>
+  </p:extLst>
 </p:presentation>
 </file>
 
@@ -198,7 +203,7 @@
           <a:p>
             <a:fld id="{F957D08C-12C4-471F-817E-F5FC90950A2A}" type="datetimeFigureOut">
               <a:rPr lang="en-US" smtClean="0"/>
-              <a:t>2/14/2022</a:t>
+              <a:t>2/15/2022</a:t>
             </a:fld>
             <a:endParaRPr lang="en-US"/>
           </a:p>
@@ -815,7 +820,7 @@
           <a:p>
             <a:fld id="{6F8803D4-76D4-4500-9DEE-182D5C2E3524}" type="datetimeFigureOut">
               <a:rPr lang="en-US" smtClean="0"/>
-              <a:t>2/14/2022</a:t>
+              <a:t>2/15/2022</a:t>
             </a:fld>
             <a:endParaRPr lang="en-US"/>
           </a:p>
@@ -1013,7 +1018,7 @@
           <a:p>
             <a:fld id="{6F8803D4-76D4-4500-9DEE-182D5C2E3524}" type="datetimeFigureOut">
               <a:rPr lang="en-US" smtClean="0"/>
-              <a:t>2/14/2022</a:t>
+              <a:t>2/15/2022</a:t>
             </a:fld>
             <a:endParaRPr lang="en-US"/>
           </a:p>
@@ -1221,7 +1226,7 @@
           <a:p>
             <a:fld id="{6F8803D4-76D4-4500-9DEE-182D5C2E3524}" type="datetimeFigureOut">
               <a:rPr lang="en-US" smtClean="0"/>
-              <a:t>2/14/2022</a:t>
+              <a:t>2/15/2022</a:t>
             </a:fld>
             <a:endParaRPr lang="en-US"/>
           </a:p>
@@ -1419,7 +1424,7 @@
           <a:p>
             <a:fld id="{6F8803D4-76D4-4500-9DEE-182D5C2E3524}" type="datetimeFigureOut">
               <a:rPr lang="en-US" smtClean="0"/>
-              <a:t>2/14/2022</a:t>
+              <a:t>2/15/2022</a:t>
             </a:fld>
             <a:endParaRPr lang="en-US"/>
           </a:p>
@@ -1694,7 +1699,7 @@
           <a:p>
             <a:fld id="{6F8803D4-76D4-4500-9DEE-182D5C2E3524}" type="datetimeFigureOut">
               <a:rPr lang="en-US" smtClean="0"/>
-              <a:t>2/14/2022</a:t>
+              <a:t>2/15/2022</a:t>
             </a:fld>
             <a:endParaRPr lang="en-US"/>
           </a:p>
@@ -1959,7 +1964,7 @@
           <a:p>
             <a:fld id="{6F8803D4-76D4-4500-9DEE-182D5C2E3524}" type="datetimeFigureOut">
               <a:rPr lang="en-US" smtClean="0"/>
-              <a:t>2/14/2022</a:t>
+              <a:t>2/15/2022</a:t>
             </a:fld>
             <a:endParaRPr lang="en-US"/>
           </a:p>
@@ -2371,7 +2376,7 @@
           <a:p>
             <a:fld id="{6F8803D4-76D4-4500-9DEE-182D5C2E3524}" type="datetimeFigureOut">
               <a:rPr lang="en-US" smtClean="0"/>
-              <a:t>2/14/2022</a:t>
+              <a:t>2/15/2022</a:t>
             </a:fld>
             <a:endParaRPr lang="en-US"/>
           </a:p>
@@ -2512,7 +2517,7 @@
           <a:p>
             <a:fld id="{6F8803D4-76D4-4500-9DEE-182D5C2E3524}" type="datetimeFigureOut">
               <a:rPr lang="en-US" smtClean="0"/>
-              <a:t>2/14/2022</a:t>
+              <a:t>2/15/2022</a:t>
             </a:fld>
             <a:endParaRPr lang="en-US"/>
           </a:p>
@@ -2625,7 +2630,7 @@
           <a:p>
             <a:fld id="{6F8803D4-76D4-4500-9DEE-182D5C2E3524}" type="datetimeFigureOut">
               <a:rPr lang="en-US" smtClean="0"/>
-              <a:t>2/14/2022</a:t>
+              <a:t>2/15/2022</a:t>
             </a:fld>
             <a:endParaRPr lang="en-US"/>
           </a:p>
@@ -2936,7 +2941,7 @@
           <a:p>
             <a:fld id="{6F8803D4-76D4-4500-9DEE-182D5C2E3524}" type="datetimeFigureOut">
               <a:rPr lang="en-US" smtClean="0"/>
-              <a:t>2/14/2022</a:t>
+              <a:t>2/15/2022</a:t>
             </a:fld>
             <a:endParaRPr lang="en-US"/>
           </a:p>
@@ -3224,7 +3229,7 @@
           <a:p>
             <a:fld id="{6F8803D4-76D4-4500-9DEE-182D5C2E3524}" type="datetimeFigureOut">
               <a:rPr lang="en-US" smtClean="0"/>
-              <a:t>2/14/2022</a:t>
+              <a:t>2/15/2022</a:t>
             </a:fld>
             <a:endParaRPr lang="en-US"/>
           </a:p>
@@ -3465,7 +3470,7 @@
           <a:p>
             <a:fld id="{6F8803D4-76D4-4500-9DEE-182D5C2E3524}" type="datetimeFigureOut">
               <a:rPr lang="en-US" smtClean="0"/>
-              <a:t>2/14/2022</a:t>
+              <a:t>2/15/2022</a:t>
             </a:fld>
             <a:endParaRPr lang="en-US"/>
           </a:p>
@@ -5543,9 +5548,10 @@
           <a:lstStyle/>
           <a:p>
             <a:r>
-              <a:rPr lang="en-US" dirty="0"/>
-              <a:t>Preliminary Analysis</a:t>
-            </a:r>
+              <a:rPr lang="en-US"/>
+              <a:t>Preliminary Thermal Analysis</a:t>
+            </a:r>
+            <a:endParaRPr lang="en-US" dirty="0"/>
           </a:p>
         </p:txBody>
       </p:sp>

--- a/reports/preliminary_design_report.pptx
+++ b/reports/preliminary_design_report.pptx
@@ -1,6 +1,6 @@
 
 <file path=ppt/presentation.xml><?xml version="1.0" encoding="utf-8"?>
-<p:presentation xmlns:a="http://schemas.openxmlformats.org/drawingml/2006/main" xmlns:r="http://schemas.openxmlformats.org/officeDocument/2006/relationships" xmlns:p="http://schemas.openxmlformats.org/presentationml/2006/main" saveSubsetFonts="1">
+<p:presentation xmlns:a="http://schemas.openxmlformats.org/drawingml/2006/main" xmlns:r="http://schemas.openxmlformats.org/officeDocument/2006/relationships" xmlns:p="http://schemas.openxmlformats.org/presentationml/2006/main" showSpecialPlsOnTitleSld="0" saveSubsetFonts="1">
   <p:sldMasterIdLst>
     <p:sldMasterId id="2147483648" r:id="rId1"/>
   </p:sldMasterIdLst>
@@ -516,39 +516,34 @@
           <a:p>
             <a:r>
               <a:rPr lang="en-US" dirty="0"/>
-              <a:t>Average of </a:t>
-            </a:r>
-            <a:r>
-              <a:rPr lang="en-US" dirty="0" err="1"/>
-              <a:t>comerically</a:t>
-            </a:r>
+              <a:t>Talk about niche in the market</a:t>
+            </a:r>
+          </a:p>
+          <a:p>
             <a:r>
               <a:rPr lang="en-US" dirty="0"/>
-              <a:t> available printers</a:t>
-            </a:r>
-          </a:p>
-          <a:p>
-            <a:r>
-              <a:rPr lang="en-US" dirty="0" err="1"/>
-              <a:t>Intamsys</a:t>
-            </a:r>
+              <a:t>Our design requirements</a:t>
+            </a:r>
+          </a:p>
+          <a:p>
             <a:r>
               <a:rPr lang="en-US" dirty="0"/>
-              <a:t> </a:t>
-            </a:r>
-            <a:r>
-              <a:rPr lang="en-US" dirty="0" err="1"/>
-              <a:t>Funmat</a:t>
-            </a:r>
+              <a:t>Initial concepts</a:t>
+            </a:r>
+          </a:p>
+          <a:p>
             <a:r>
               <a:rPr lang="en-US" dirty="0"/>
-              <a:t> HT is the most like ours in terms of price, but note the build volume is 10x smaller</a:t>
-            </a:r>
+              <a:t>Some analysis</a:t>
+            </a:r>
+          </a:p>
+          <a:p>
+            <a:endParaRPr lang="en-US" dirty="0"/>
           </a:p>
           <a:p>
             <a:r>
               <a:rPr lang="en-US" dirty="0"/>
-              <a:t>Aon-M2+ is most like ours in terms of size, but not the price</a:t>
+              <a:t>Caleb</a:t>
             </a:r>
           </a:p>
         </p:txBody>
@@ -570,7 +565,7 @@
           <a:p>
             <a:fld id="{C1CC6545-C1D9-497B-A330-3AF4DB0BA0F3}" type="slidenum">
               <a:rPr lang="en-US" smtClean="0"/>
-              <a:t>3</a:t>
+              <a:t>1</a:t>
             </a:fld>
             <a:endParaRPr lang="en-US"/>
           </a:p>
@@ -579,7 +574,7 @@
     </p:spTree>
     <p:extLst>
       <p:ext uri="{BB962C8B-B14F-4D97-AF65-F5344CB8AC3E}">
-        <p14:creationId xmlns:p14="http://schemas.microsoft.com/office/powerpoint/2010/main" val="1798594628"/>
+        <p14:creationId xmlns:p14="http://schemas.microsoft.com/office/powerpoint/2010/main" val="4215875716"/>
       </p:ext>
     </p:extLst>
   </p:cSld>
@@ -633,7 +628,225 @@
           <a:bodyPr/>
           <a:lstStyle/>
           <a:p>
+            <a:r>
+              <a:rPr lang="en-US" dirty="0"/>
+              <a:t>Josh</a:t>
+            </a:r>
+          </a:p>
+        </p:txBody>
+      </p:sp>
+      <p:sp>
+        <p:nvSpPr>
+          <p:cNvPr id="4" name="Slide Number Placeholder 3"/>
+          <p:cNvSpPr>
+            <a:spLocks noGrp="1"/>
+          </p:cNvSpPr>
+          <p:nvPr>
+            <p:ph type="sldNum" sz="quarter" idx="5"/>
+          </p:nvPr>
+        </p:nvSpPr>
+        <p:spPr/>
+        <p:txBody>
+          <a:bodyPr/>
+          <a:lstStyle/>
+          <a:p>
+            <a:fld id="{C1CC6545-C1D9-497B-A330-3AF4DB0BA0F3}" type="slidenum">
+              <a:rPr lang="en-US" smtClean="0"/>
+              <a:t>2</a:t>
+            </a:fld>
+            <a:endParaRPr lang="en-US"/>
+          </a:p>
+        </p:txBody>
+      </p:sp>
+    </p:spTree>
+    <p:extLst>
+      <p:ext uri="{BB962C8B-B14F-4D97-AF65-F5344CB8AC3E}">
+        <p14:creationId xmlns:p14="http://schemas.microsoft.com/office/powerpoint/2010/main" val="3325394476"/>
+      </p:ext>
+    </p:extLst>
+  </p:cSld>
+  <p:clrMapOvr>
+    <a:masterClrMapping/>
+  </p:clrMapOvr>
+</p:notes>
+</file>
+
+<file path=ppt/notesSlides/notesSlide3.xml><?xml version="1.0" encoding="utf-8"?>
+<p:notes xmlns:a="http://schemas.openxmlformats.org/drawingml/2006/main" xmlns:r="http://schemas.openxmlformats.org/officeDocument/2006/relationships" xmlns:p="http://schemas.openxmlformats.org/presentationml/2006/main">
+  <p:cSld>
+    <p:spTree>
+      <p:nvGrpSpPr>
+        <p:cNvPr id="1" name=""/>
+        <p:cNvGrpSpPr/>
+        <p:nvPr/>
+      </p:nvGrpSpPr>
+      <p:grpSpPr>
+        <a:xfrm>
+          <a:off x="0" y="0"/>
+          <a:ext cx="0" cy="0"/>
+          <a:chOff x="0" y="0"/>
+          <a:chExt cx="0" cy="0"/>
+        </a:xfrm>
+      </p:grpSpPr>
+      <p:sp>
+        <p:nvSpPr>
+          <p:cNvPr id="2" name="Slide Image Placeholder 1"/>
+          <p:cNvSpPr>
+            <a:spLocks noGrp="1" noRot="1" noChangeAspect="1"/>
+          </p:cNvSpPr>
+          <p:nvPr>
+            <p:ph type="sldImg"/>
+          </p:nvPr>
+        </p:nvSpPr>
+        <p:spPr/>
+      </p:sp>
+      <p:sp>
+        <p:nvSpPr>
+          <p:cNvPr id="3" name="Notes Placeholder 2"/>
+          <p:cNvSpPr>
+            <a:spLocks noGrp="1"/>
+          </p:cNvSpPr>
+          <p:nvPr>
+            <p:ph type="body" idx="1"/>
+          </p:nvPr>
+        </p:nvSpPr>
+        <p:spPr/>
+        <p:txBody>
+          <a:bodyPr/>
+          <a:lstStyle/>
+          <a:p>
+            <a:r>
+              <a:rPr lang="en-US" dirty="0"/>
+              <a:t>Average of </a:t>
+            </a:r>
+            <a:r>
+              <a:rPr lang="en-US" dirty="0" err="1"/>
+              <a:t>comerically</a:t>
+            </a:r>
+            <a:r>
+              <a:rPr lang="en-US" dirty="0"/>
+              <a:t> available printers</a:t>
+            </a:r>
+          </a:p>
+          <a:p>
+            <a:r>
+              <a:rPr lang="en-US" dirty="0" err="1"/>
+              <a:t>Intamsys</a:t>
+            </a:r>
+            <a:r>
+              <a:rPr lang="en-US" dirty="0"/>
+              <a:t> </a:t>
+            </a:r>
+            <a:r>
+              <a:rPr lang="en-US" dirty="0" err="1"/>
+              <a:t>Funmat</a:t>
+            </a:r>
+            <a:r>
+              <a:rPr lang="en-US" dirty="0"/>
+              <a:t> HT is the most like ours in terms of price, but note the build volume is 10x smaller</a:t>
+            </a:r>
+          </a:p>
+          <a:p>
+            <a:r>
+              <a:rPr lang="en-US" dirty="0"/>
+              <a:t>Aon-M2+ is most like ours in terms of size, but not the price</a:t>
+            </a:r>
+          </a:p>
+          <a:p>
             <a:endParaRPr lang="en-US" dirty="0"/>
+          </a:p>
+          <a:p>
+            <a:r>
+              <a:rPr lang="en-US" dirty="0"/>
+              <a:t>Josh</a:t>
+            </a:r>
+          </a:p>
+        </p:txBody>
+      </p:sp>
+      <p:sp>
+        <p:nvSpPr>
+          <p:cNvPr id="4" name="Slide Number Placeholder 3"/>
+          <p:cNvSpPr>
+            <a:spLocks noGrp="1"/>
+          </p:cNvSpPr>
+          <p:nvPr>
+            <p:ph type="sldNum" sz="quarter" idx="5"/>
+          </p:nvPr>
+        </p:nvSpPr>
+        <p:spPr/>
+        <p:txBody>
+          <a:bodyPr/>
+          <a:lstStyle/>
+          <a:p>
+            <a:fld id="{C1CC6545-C1D9-497B-A330-3AF4DB0BA0F3}" type="slidenum">
+              <a:rPr lang="en-US" smtClean="0"/>
+              <a:t>3</a:t>
+            </a:fld>
+            <a:endParaRPr lang="en-US"/>
+          </a:p>
+        </p:txBody>
+      </p:sp>
+    </p:spTree>
+    <p:extLst>
+      <p:ext uri="{BB962C8B-B14F-4D97-AF65-F5344CB8AC3E}">
+        <p14:creationId xmlns:p14="http://schemas.microsoft.com/office/powerpoint/2010/main" val="1798594628"/>
+      </p:ext>
+    </p:extLst>
+  </p:cSld>
+  <p:clrMapOvr>
+    <a:masterClrMapping/>
+  </p:clrMapOvr>
+</p:notes>
+</file>
+
+<file path=ppt/notesSlides/notesSlide4.xml><?xml version="1.0" encoding="utf-8"?>
+<p:notes xmlns:a="http://schemas.openxmlformats.org/drawingml/2006/main" xmlns:r="http://schemas.openxmlformats.org/officeDocument/2006/relationships" xmlns:p="http://schemas.openxmlformats.org/presentationml/2006/main">
+  <p:cSld>
+    <p:spTree>
+      <p:nvGrpSpPr>
+        <p:cNvPr id="1" name=""/>
+        <p:cNvGrpSpPr/>
+        <p:nvPr/>
+      </p:nvGrpSpPr>
+      <p:grpSpPr>
+        <a:xfrm>
+          <a:off x="0" y="0"/>
+          <a:ext cx="0" cy="0"/>
+          <a:chOff x="0" y="0"/>
+          <a:chExt cx="0" cy="0"/>
+        </a:xfrm>
+      </p:grpSpPr>
+      <p:sp>
+        <p:nvSpPr>
+          <p:cNvPr id="2" name="Slide Image Placeholder 1"/>
+          <p:cNvSpPr>
+            <a:spLocks noGrp="1" noRot="1" noChangeAspect="1"/>
+          </p:cNvSpPr>
+          <p:nvPr>
+            <p:ph type="sldImg"/>
+          </p:nvPr>
+        </p:nvSpPr>
+        <p:spPr/>
+      </p:sp>
+      <p:sp>
+        <p:nvSpPr>
+          <p:cNvPr id="3" name="Notes Placeholder 2"/>
+          <p:cNvSpPr>
+            <a:spLocks noGrp="1"/>
+          </p:cNvSpPr>
+          <p:nvPr>
+            <p:ph type="body" idx="1"/>
+          </p:nvPr>
+        </p:nvSpPr>
+        <p:spPr/>
+        <p:txBody>
+          <a:bodyPr/>
+          <a:lstStyle/>
+          <a:p>
+            <a:r>
+              <a:rPr lang="en-US" dirty="0"/>
+              <a:t>Dillon</a:t>
+            </a:r>
           </a:p>
         </p:txBody>
       </p:sp>
@@ -664,6 +877,267 @@
     <p:extLst>
       <p:ext uri="{BB962C8B-B14F-4D97-AF65-F5344CB8AC3E}">
         <p14:creationId xmlns:p14="http://schemas.microsoft.com/office/powerpoint/2010/main" val="3999200604"/>
+      </p:ext>
+    </p:extLst>
+  </p:cSld>
+  <p:clrMapOvr>
+    <a:masterClrMapping/>
+  </p:clrMapOvr>
+</p:notes>
+</file>
+
+<file path=ppt/notesSlides/notesSlide5.xml><?xml version="1.0" encoding="utf-8"?>
+<p:notes xmlns:a="http://schemas.openxmlformats.org/drawingml/2006/main" xmlns:r="http://schemas.openxmlformats.org/officeDocument/2006/relationships" xmlns:p="http://schemas.openxmlformats.org/presentationml/2006/main">
+  <p:cSld>
+    <p:spTree>
+      <p:nvGrpSpPr>
+        <p:cNvPr id="1" name=""/>
+        <p:cNvGrpSpPr/>
+        <p:nvPr/>
+      </p:nvGrpSpPr>
+      <p:grpSpPr>
+        <a:xfrm>
+          <a:off x="0" y="0"/>
+          <a:ext cx="0" cy="0"/>
+          <a:chOff x="0" y="0"/>
+          <a:chExt cx="0" cy="0"/>
+        </a:xfrm>
+      </p:grpSpPr>
+      <p:sp>
+        <p:nvSpPr>
+          <p:cNvPr id="2" name="Slide Image Placeholder 1"/>
+          <p:cNvSpPr>
+            <a:spLocks noGrp="1" noRot="1" noChangeAspect="1"/>
+          </p:cNvSpPr>
+          <p:nvPr>
+            <p:ph type="sldImg"/>
+          </p:nvPr>
+        </p:nvSpPr>
+        <p:spPr/>
+      </p:sp>
+      <p:sp>
+        <p:nvSpPr>
+          <p:cNvPr id="3" name="Notes Placeholder 2"/>
+          <p:cNvSpPr>
+            <a:spLocks noGrp="1"/>
+          </p:cNvSpPr>
+          <p:nvPr>
+            <p:ph type="body" idx="1"/>
+          </p:nvPr>
+        </p:nvSpPr>
+        <p:spPr/>
+        <p:txBody>
+          <a:bodyPr/>
+          <a:lstStyle/>
+          <a:p>
+            <a:r>
+              <a:rPr lang="en-US" dirty="0"/>
+              <a:t>Josh</a:t>
+            </a:r>
+          </a:p>
+        </p:txBody>
+      </p:sp>
+      <p:sp>
+        <p:nvSpPr>
+          <p:cNvPr id="4" name="Slide Number Placeholder 3"/>
+          <p:cNvSpPr>
+            <a:spLocks noGrp="1"/>
+          </p:cNvSpPr>
+          <p:nvPr>
+            <p:ph type="sldNum" sz="quarter" idx="5"/>
+          </p:nvPr>
+        </p:nvSpPr>
+        <p:spPr/>
+        <p:txBody>
+          <a:bodyPr/>
+          <a:lstStyle/>
+          <a:p>
+            <a:fld id="{C1CC6545-C1D9-497B-A330-3AF4DB0BA0F3}" type="slidenum">
+              <a:rPr lang="en-US" smtClean="0"/>
+              <a:t>5</a:t>
+            </a:fld>
+            <a:endParaRPr lang="en-US"/>
+          </a:p>
+        </p:txBody>
+      </p:sp>
+    </p:spTree>
+    <p:extLst>
+      <p:ext uri="{BB962C8B-B14F-4D97-AF65-F5344CB8AC3E}">
+        <p14:creationId xmlns:p14="http://schemas.microsoft.com/office/powerpoint/2010/main" val="575393077"/>
+      </p:ext>
+    </p:extLst>
+  </p:cSld>
+  <p:clrMapOvr>
+    <a:masterClrMapping/>
+  </p:clrMapOvr>
+</p:notes>
+</file>
+
+<file path=ppt/notesSlides/notesSlide6.xml><?xml version="1.0" encoding="utf-8"?>
+<p:notes xmlns:a="http://schemas.openxmlformats.org/drawingml/2006/main" xmlns:r="http://schemas.openxmlformats.org/officeDocument/2006/relationships" xmlns:p="http://schemas.openxmlformats.org/presentationml/2006/main">
+  <p:cSld>
+    <p:spTree>
+      <p:nvGrpSpPr>
+        <p:cNvPr id="1" name=""/>
+        <p:cNvGrpSpPr/>
+        <p:nvPr/>
+      </p:nvGrpSpPr>
+      <p:grpSpPr>
+        <a:xfrm>
+          <a:off x="0" y="0"/>
+          <a:ext cx="0" cy="0"/>
+          <a:chOff x="0" y="0"/>
+          <a:chExt cx="0" cy="0"/>
+        </a:xfrm>
+      </p:grpSpPr>
+      <p:sp>
+        <p:nvSpPr>
+          <p:cNvPr id="2" name="Slide Image Placeholder 1"/>
+          <p:cNvSpPr>
+            <a:spLocks noGrp="1" noRot="1" noChangeAspect="1"/>
+          </p:cNvSpPr>
+          <p:nvPr>
+            <p:ph type="sldImg"/>
+          </p:nvPr>
+        </p:nvSpPr>
+        <p:spPr/>
+      </p:sp>
+      <p:sp>
+        <p:nvSpPr>
+          <p:cNvPr id="3" name="Notes Placeholder 2"/>
+          <p:cNvSpPr>
+            <a:spLocks noGrp="1"/>
+          </p:cNvSpPr>
+          <p:nvPr>
+            <p:ph type="body" idx="1"/>
+          </p:nvPr>
+        </p:nvSpPr>
+        <p:spPr/>
+        <p:txBody>
+          <a:bodyPr/>
+          <a:lstStyle/>
+          <a:p>
+            <a:r>
+              <a:rPr lang="en-US" dirty="0"/>
+              <a:t>Dillon u can take this slide. Modify it if u think there’s too much/too little information</a:t>
+            </a:r>
+          </a:p>
+        </p:txBody>
+      </p:sp>
+      <p:sp>
+        <p:nvSpPr>
+          <p:cNvPr id="4" name="Slide Number Placeholder 3"/>
+          <p:cNvSpPr>
+            <a:spLocks noGrp="1"/>
+          </p:cNvSpPr>
+          <p:nvPr>
+            <p:ph type="sldNum" sz="quarter" idx="5"/>
+          </p:nvPr>
+        </p:nvSpPr>
+        <p:spPr/>
+        <p:txBody>
+          <a:bodyPr/>
+          <a:lstStyle/>
+          <a:p>
+            <a:fld id="{C1CC6545-C1D9-497B-A330-3AF4DB0BA0F3}" type="slidenum">
+              <a:rPr lang="en-US" smtClean="0"/>
+              <a:t>6</a:t>
+            </a:fld>
+            <a:endParaRPr lang="en-US"/>
+          </a:p>
+        </p:txBody>
+      </p:sp>
+    </p:spTree>
+    <p:extLst>
+      <p:ext uri="{BB962C8B-B14F-4D97-AF65-F5344CB8AC3E}">
+        <p14:creationId xmlns:p14="http://schemas.microsoft.com/office/powerpoint/2010/main" val="3999002618"/>
+      </p:ext>
+    </p:extLst>
+  </p:cSld>
+  <p:clrMapOvr>
+    <a:masterClrMapping/>
+  </p:clrMapOvr>
+</p:notes>
+</file>
+
+<file path=ppt/notesSlides/notesSlide7.xml><?xml version="1.0" encoding="utf-8"?>
+<p:notes xmlns:a="http://schemas.openxmlformats.org/drawingml/2006/main" xmlns:r="http://schemas.openxmlformats.org/officeDocument/2006/relationships" xmlns:p="http://schemas.openxmlformats.org/presentationml/2006/main">
+  <p:cSld>
+    <p:spTree>
+      <p:nvGrpSpPr>
+        <p:cNvPr id="1" name=""/>
+        <p:cNvGrpSpPr/>
+        <p:nvPr/>
+      </p:nvGrpSpPr>
+      <p:grpSpPr>
+        <a:xfrm>
+          <a:off x="0" y="0"/>
+          <a:ext cx="0" cy="0"/>
+          <a:chOff x="0" y="0"/>
+          <a:chExt cx="0" cy="0"/>
+        </a:xfrm>
+      </p:grpSpPr>
+      <p:sp>
+        <p:nvSpPr>
+          <p:cNvPr id="2" name="Slide Image Placeholder 1"/>
+          <p:cNvSpPr>
+            <a:spLocks noGrp="1" noRot="1" noChangeAspect="1"/>
+          </p:cNvSpPr>
+          <p:nvPr>
+            <p:ph type="sldImg"/>
+          </p:nvPr>
+        </p:nvSpPr>
+        <p:spPr/>
+      </p:sp>
+      <p:sp>
+        <p:nvSpPr>
+          <p:cNvPr id="3" name="Notes Placeholder 2"/>
+          <p:cNvSpPr>
+            <a:spLocks noGrp="1"/>
+          </p:cNvSpPr>
+          <p:nvPr>
+            <p:ph type="body" idx="1"/>
+          </p:nvPr>
+        </p:nvSpPr>
+        <p:spPr/>
+        <p:txBody>
+          <a:bodyPr/>
+          <a:lstStyle/>
+          <a:p>
+            <a:r>
+              <a:rPr lang="en-US" dirty="0"/>
+              <a:t>Caleb</a:t>
+            </a:r>
+          </a:p>
+        </p:txBody>
+      </p:sp>
+      <p:sp>
+        <p:nvSpPr>
+          <p:cNvPr id="4" name="Slide Number Placeholder 3"/>
+          <p:cNvSpPr>
+            <a:spLocks noGrp="1"/>
+          </p:cNvSpPr>
+          <p:nvPr>
+            <p:ph type="sldNum" sz="quarter" idx="5"/>
+          </p:nvPr>
+        </p:nvSpPr>
+        <p:spPr/>
+        <p:txBody>
+          <a:bodyPr/>
+          <a:lstStyle/>
+          <a:p>
+            <a:fld id="{C1CC6545-C1D9-497B-A330-3AF4DB0BA0F3}" type="slidenum">
+              <a:rPr lang="en-US" smtClean="0"/>
+              <a:t>7</a:t>
+            </a:fld>
+            <a:endParaRPr lang="en-US"/>
+          </a:p>
+        </p:txBody>
+      </p:sp>
+    </p:spTree>
+    <p:extLst>
+      <p:ext uri="{BB962C8B-B14F-4D97-AF65-F5344CB8AC3E}">
+        <p14:creationId xmlns:p14="http://schemas.microsoft.com/office/powerpoint/2010/main" val="4119723272"/>
       </p:ext>
     </p:extLst>
   </p:cSld>
@@ -818,7 +1292,7 @@
           <a:bodyPr/>
           <a:lstStyle/>
           <a:p>
-            <a:fld id="{6F8803D4-76D4-4500-9DEE-182D5C2E3524}" type="datetimeFigureOut">
+            <a:fld id="{28262F63-4C64-4187-9F81-27D8466A07F5}" type="datetime1">
               <a:rPr lang="en-US" smtClean="0"/>
               <a:t>2/15/2022</a:t>
             </a:fld>
@@ -1016,7 +1490,7 @@
           <a:bodyPr/>
           <a:lstStyle/>
           <a:p>
-            <a:fld id="{6F8803D4-76D4-4500-9DEE-182D5C2E3524}" type="datetimeFigureOut">
+            <a:fld id="{CBF93EA0-F8F2-4F4E-B5CD-5607802314F1}" type="datetime1">
               <a:rPr lang="en-US" smtClean="0"/>
               <a:t>2/15/2022</a:t>
             </a:fld>
@@ -1224,7 +1698,7 @@
           <a:bodyPr/>
           <a:lstStyle/>
           <a:p>
-            <a:fld id="{6F8803D4-76D4-4500-9DEE-182D5C2E3524}" type="datetimeFigureOut">
+            <a:fld id="{45150398-3458-4600-A576-952B1583B25F}" type="datetime1">
               <a:rPr lang="en-US" smtClean="0"/>
               <a:t>2/15/2022</a:t>
             </a:fld>
@@ -1422,7 +1896,7 @@
           <a:bodyPr/>
           <a:lstStyle/>
           <a:p>
-            <a:fld id="{6F8803D4-76D4-4500-9DEE-182D5C2E3524}" type="datetimeFigureOut">
+            <a:fld id="{7036D99B-1D84-4FD7-B07A-15C5DB513DE2}" type="datetime1">
               <a:rPr lang="en-US" smtClean="0"/>
               <a:t>2/15/2022</a:t>
             </a:fld>
@@ -1697,7 +2171,7 @@
           <a:bodyPr/>
           <a:lstStyle/>
           <a:p>
-            <a:fld id="{6F8803D4-76D4-4500-9DEE-182D5C2E3524}" type="datetimeFigureOut">
+            <a:fld id="{B54A5030-ECF8-4864-A383-44EDDF0CE566}" type="datetime1">
               <a:rPr lang="en-US" smtClean="0"/>
               <a:t>2/15/2022</a:t>
             </a:fld>
@@ -1962,7 +2436,7 @@
           <a:bodyPr/>
           <a:lstStyle/>
           <a:p>
-            <a:fld id="{6F8803D4-76D4-4500-9DEE-182D5C2E3524}" type="datetimeFigureOut">
+            <a:fld id="{7E418523-1E44-4568-93CA-E60F3A02AB22}" type="datetime1">
               <a:rPr lang="en-US" smtClean="0"/>
               <a:t>2/15/2022</a:t>
             </a:fld>
@@ -2374,7 +2848,7 @@
           <a:bodyPr/>
           <a:lstStyle/>
           <a:p>
-            <a:fld id="{6F8803D4-76D4-4500-9DEE-182D5C2E3524}" type="datetimeFigureOut">
+            <a:fld id="{2D33E39F-B9BE-45D4-BA2A-52BDC129B619}" type="datetime1">
               <a:rPr lang="en-US" smtClean="0"/>
               <a:t>2/15/2022</a:t>
             </a:fld>
@@ -2515,7 +2989,7 @@
           <a:bodyPr/>
           <a:lstStyle/>
           <a:p>
-            <a:fld id="{6F8803D4-76D4-4500-9DEE-182D5C2E3524}" type="datetimeFigureOut">
+            <a:fld id="{6ECC3E20-FAEB-46EB-A56C-F7443ACF2D26}" type="datetime1">
               <a:rPr lang="en-US" smtClean="0"/>
               <a:t>2/15/2022</a:t>
             </a:fld>
@@ -2628,7 +3102,7 @@
           <a:bodyPr/>
           <a:lstStyle/>
           <a:p>
-            <a:fld id="{6F8803D4-76D4-4500-9DEE-182D5C2E3524}" type="datetimeFigureOut">
+            <a:fld id="{A35F36BC-2BAE-4310-90E0-7DAF47F0804C}" type="datetime1">
               <a:rPr lang="en-US" smtClean="0"/>
               <a:t>2/15/2022</a:t>
             </a:fld>
@@ -2939,7 +3413,7 @@
           <a:bodyPr/>
           <a:lstStyle/>
           <a:p>
-            <a:fld id="{6F8803D4-76D4-4500-9DEE-182D5C2E3524}" type="datetimeFigureOut">
+            <a:fld id="{14D517A5-05CD-4B93-8F77-7E5C4632D711}" type="datetime1">
               <a:rPr lang="en-US" smtClean="0"/>
               <a:t>2/15/2022</a:t>
             </a:fld>
@@ -3227,7 +3701,7 @@
           <a:bodyPr/>
           <a:lstStyle/>
           <a:p>
-            <a:fld id="{6F8803D4-76D4-4500-9DEE-182D5C2E3524}" type="datetimeFigureOut">
+            <a:fld id="{694D14D1-754F-484F-A3E9-25D3CDC1B5D5}" type="datetime1">
               <a:rPr lang="en-US" smtClean="0"/>
               <a:t>2/15/2022</a:t>
             </a:fld>
@@ -3468,7 +3942,7 @@
             </a:lvl1pPr>
           </a:lstStyle>
           <a:p>
-            <a:fld id="{6F8803D4-76D4-4500-9DEE-182D5C2E3524}" type="datetimeFigureOut">
+            <a:fld id="{3FA4C92B-44AF-4727-9A6B-D36B7E4645B2}" type="datetime1">
               <a:rPr lang="en-US" smtClean="0"/>
               <a:t>2/15/2022</a:t>
             </a:fld>
@@ -3587,6 +4061,7 @@
     <p:sldLayoutId id="2147483658" r:id="rId10"/>
     <p:sldLayoutId id="2147483659" r:id="rId11"/>
   </p:sldLayoutIdLst>
+  <p:hf hdr="0" ftr="0"/>
   <p:txStyles>
     <p:titleStyle>
       <a:lvl1pPr algn="l" defTabSz="914400" rtl="0" eaLnBrk="1" latinLnBrk="0" hangingPunct="1">
@@ -4213,6 +4688,67 @@
             <a:r>
               <a:rPr lang="en-US" sz="2800" dirty="0"/>
               <a:t>Low temperature</a:t>
+            </a:r>
+          </a:p>
+        </p:txBody>
+      </p:sp>
+      <p:sp>
+        <p:nvSpPr>
+          <p:cNvPr id="8" name="Date Placeholder 7">
+            <a:extLst>
+              <a:ext uri="{FF2B5EF4-FFF2-40B4-BE49-F238E27FC236}">
+                <a16:creationId xmlns:a16="http://schemas.microsoft.com/office/drawing/2014/main" id="{A92053EA-E935-4D52-B350-2E9A6B778A95}"/>
+              </a:ext>
+            </a:extLst>
+          </p:cNvPr>
+          <p:cNvSpPr>
+            <a:spLocks noGrp="1"/>
+          </p:cNvSpPr>
+          <p:nvPr>
+            <p:ph type="dt" sz="half" idx="10"/>
+          </p:nvPr>
+        </p:nvSpPr>
+        <p:spPr/>
+        <p:txBody>
+          <a:bodyPr/>
+          <a:lstStyle/>
+          <a:p>
+            <a:fld id="{7762C7DC-4AB3-46DC-AD15-619BD237F69A}" type="datetime1">
+              <a:rPr lang="en-US" smtClean="0"/>
+              <a:t>2/15/2022</a:t>
+            </a:fld>
+            <a:endParaRPr lang="en-US"/>
+          </a:p>
+        </p:txBody>
+      </p:sp>
+      <p:sp>
+        <p:nvSpPr>
+          <p:cNvPr id="9" name="Slide Number Placeholder 8">
+            <a:extLst>
+              <a:ext uri="{FF2B5EF4-FFF2-40B4-BE49-F238E27FC236}">
+                <a16:creationId xmlns:a16="http://schemas.microsoft.com/office/drawing/2014/main" id="{4095AA9E-32E6-4F87-BFFC-B2B0C0F5CD82}"/>
+              </a:ext>
+            </a:extLst>
+          </p:cNvPr>
+          <p:cNvSpPr>
+            <a:spLocks noGrp="1"/>
+          </p:cNvSpPr>
+          <p:nvPr>
+            <p:ph type="sldNum" sz="quarter" idx="12"/>
+          </p:nvPr>
+        </p:nvSpPr>
+        <p:spPr/>
+        <p:txBody>
+          <a:bodyPr/>
+          <a:lstStyle/>
+          <a:p>
+            <a:fld id="{3D3065AE-6497-4D5A-BB02-EC962F7C9276}" type="slidenum">
+              <a:rPr lang="en-US" smtClean="0"/>
+              <a:t>2</a:t>
+            </a:fld>
+            <a:r>
+              <a:rPr lang="en-US" dirty="0"/>
+              <a:t>/7</a:t>
             </a:r>
           </a:p>
         </p:txBody>
@@ -5052,6 +5588,67 @@
           </a:p>
         </p:txBody>
       </p:sp>
+      <p:sp>
+        <p:nvSpPr>
+          <p:cNvPr id="3" name="Date Placeholder 2">
+            <a:extLst>
+              <a:ext uri="{FF2B5EF4-FFF2-40B4-BE49-F238E27FC236}">
+                <a16:creationId xmlns:a16="http://schemas.microsoft.com/office/drawing/2014/main" id="{5BF8CCAD-F573-4E1F-B4FB-AA0C1A131107}"/>
+              </a:ext>
+            </a:extLst>
+          </p:cNvPr>
+          <p:cNvSpPr>
+            <a:spLocks noGrp="1"/>
+          </p:cNvSpPr>
+          <p:nvPr>
+            <p:ph type="dt" sz="half" idx="10"/>
+          </p:nvPr>
+        </p:nvSpPr>
+        <p:spPr/>
+        <p:txBody>
+          <a:bodyPr/>
+          <a:lstStyle/>
+          <a:p>
+            <a:fld id="{7B88FDFB-1457-434F-ACDD-5D0EB1FF037D}" type="datetime1">
+              <a:rPr lang="en-US" smtClean="0"/>
+              <a:t>2/15/2022</a:t>
+            </a:fld>
+            <a:endParaRPr lang="en-US"/>
+          </a:p>
+        </p:txBody>
+      </p:sp>
+      <p:sp>
+        <p:nvSpPr>
+          <p:cNvPr id="4" name="Slide Number Placeholder 3">
+            <a:extLst>
+              <a:ext uri="{FF2B5EF4-FFF2-40B4-BE49-F238E27FC236}">
+                <a16:creationId xmlns:a16="http://schemas.microsoft.com/office/drawing/2014/main" id="{CE8712B0-1153-42A8-BC15-435E1EC5875B}"/>
+              </a:ext>
+            </a:extLst>
+          </p:cNvPr>
+          <p:cNvSpPr>
+            <a:spLocks noGrp="1"/>
+          </p:cNvSpPr>
+          <p:nvPr>
+            <p:ph type="sldNum" sz="quarter" idx="12"/>
+          </p:nvPr>
+        </p:nvSpPr>
+        <p:spPr/>
+        <p:txBody>
+          <a:bodyPr/>
+          <a:lstStyle/>
+          <a:p>
+            <a:fld id="{3D3065AE-6497-4D5A-BB02-EC962F7C9276}" type="slidenum">
+              <a:rPr lang="en-US" smtClean="0"/>
+              <a:t>3</a:t>
+            </a:fld>
+            <a:r>
+              <a:rPr lang="en-US" dirty="0"/>
+              <a:t>/7</a:t>
+            </a:r>
+          </a:p>
+        </p:txBody>
+      </p:sp>
     </p:spTree>
     <p:extLst>
       <p:ext uri="{BB962C8B-B14F-4D97-AF65-F5344CB8AC3E}">
@@ -5413,6 +6010,67 @@
           </a:p>
         </p:txBody>
       </p:sp>
+      <p:sp>
+        <p:nvSpPr>
+          <p:cNvPr id="8" name="Date Placeholder 7">
+            <a:extLst>
+              <a:ext uri="{FF2B5EF4-FFF2-40B4-BE49-F238E27FC236}">
+                <a16:creationId xmlns:a16="http://schemas.microsoft.com/office/drawing/2014/main" id="{7A2339A9-CF06-43B8-A789-172C929D8F01}"/>
+              </a:ext>
+            </a:extLst>
+          </p:cNvPr>
+          <p:cNvSpPr>
+            <a:spLocks noGrp="1"/>
+          </p:cNvSpPr>
+          <p:nvPr>
+            <p:ph type="dt" sz="half" idx="10"/>
+          </p:nvPr>
+        </p:nvSpPr>
+        <p:spPr/>
+        <p:txBody>
+          <a:bodyPr/>
+          <a:lstStyle/>
+          <a:p>
+            <a:fld id="{B606DC24-28F9-46B7-B37A-6A28CABF76AB}" type="datetime1">
+              <a:rPr lang="en-US" smtClean="0"/>
+              <a:t>2/15/2022</a:t>
+            </a:fld>
+            <a:endParaRPr lang="en-US"/>
+          </a:p>
+        </p:txBody>
+      </p:sp>
+      <p:sp>
+        <p:nvSpPr>
+          <p:cNvPr id="9" name="Slide Number Placeholder 8">
+            <a:extLst>
+              <a:ext uri="{FF2B5EF4-FFF2-40B4-BE49-F238E27FC236}">
+                <a16:creationId xmlns:a16="http://schemas.microsoft.com/office/drawing/2014/main" id="{40E3E0CF-E9D3-437C-B81E-8D1ABF54EC03}"/>
+              </a:ext>
+            </a:extLst>
+          </p:cNvPr>
+          <p:cNvSpPr>
+            <a:spLocks noGrp="1"/>
+          </p:cNvSpPr>
+          <p:nvPr>
+            <p:ph type="sldNum" sz="quarter" idx="12"/>
+          </p:nvPr>
+        </p:nvSpPr>
+        <p:spPr/>
+        <p:txBody>
+          <a:bodyPr/>
+          <a:lstStyle/>
+          <a:p>
+            <a:fld id="{3D3065AE-6497-4D5A-BB02-EC962F7C9276}" type="slidenum">
+              <a:rPr lang="en-US" smtClean="0"/>
+              <a:t>4</a:t>
+            </a:fld>
+            <a:r>
+              <a:rPr lang="en-US" dirty="0"/>
+              <a:t>/7</a:t>
+            </a:r>
+          </a:p>
+        </p:txBody>
+      </p:sp>
     </p:spTree>
     <p:extLst>
       <p:ext uri="{BB962C8B-B14F-4D97-AF65-F5344CB8AC3E}">
@@ -5429,6 +6087,14 @@
 <file path=ppt/slides/slide5.xml><?xml version="1.0" encoding="utf-8"?>
 <p:sld xmlns:a="http://schemas.openxmlformats.org/drawingml/2006/main" xmlns:r="http://schemas.openxmlformats.org/officeDocument/2006/relationships" xmlns:p="http://schemas.openxmlformats.org/presentationml/2006/main">
   <p:cSld>
+    <p:bg>
+      <p:bgPr>
+        <a:solidFill>
+          <a:schemeClr val="bg1"/>
+        </a:solidFill>
+        <a:effectLst/>
+      </p:bgPr>
+    </p:bg>
     <p:spTree>
       <p:nvGrpSpPr>
         <p:cNvPr id="1" name=""/>
@@ -5443,6 +6109,66 @@
           <a:chExt cx="0" cy="0"/>
         </a:xfrm>
       </p:grpSpPr>
+      <p:sp useBgFill="1">
+        <p:nvSpPr>
+          <p:cNvPr id="12" name="Rectangle 11">
+            <a:extLst>
+              <a:ext uri="{FF2B5EF4-FFF2-40B4-BE49-F238E27FC236}">
+                <a16:creationId xmlns:a16="http://schemas.microsoft.com/office/drawing/2014/main" id="{21516CB1-E8C8-4751-B6A6-46B2D1E72A61}"/>
+              </a:ext>
+              <a:ext uri="{C183D7F6-B498-43B3-948B-1728B52AA6E4}">
+                <adec:decorative xmlns:adec="http://schemas.microsoft.com/office/drawing/2017/decorative" val="1"/>
+              </a:ext>
+            </a:extLst>
+          </p:cNvPr>
+          <p:cNvSpPr>
+            <a:spLocks noGrp="1" noRot="1" noChangeAspect="1" noMove="1" noResize="1" noEditPoints="1" noAdjustHandles="1" noChangeArrowheads="1" noChangeShapeType="1" noTextEdit="1"/>
+          </p:cNvSpPr>
+          <p:nvPr>
+            <p:extLst>
+              <p:ext uri="{386F3935-93C4-4BCD-93E2-E3B085C9AB24}">
+                <p16:designElem xmlns:p16="http://schemas.microsoft.com/office/powerpoint/2015/main" val="1"/>
+              </p:ext>
+            </p:extLst>
+          </p:nvPr>
+        </p:nvSpPr>
+        <p:spPr>
+          <a:xfrm>
+            <a:off x="0" y="0"/>
+            <a:ext cx="12192000" cy="6858000"/>
+          </a:xfrm>
+          <a:prstGeom prst="rect">
+            <a:avLst/>
+          </a:prstGeom>
+          <a:ln>
+            <a:noFill/>
+          </a:ln>
+        </p:spPr>
+        <p:style>
+          <a:lnRef idx="2">
+            <a:schemeClr val="accent1">
+              <a:shade val="50000"/>
+            </a:schemeClr>
+          </a:lnRef>
+          <a:fillRef idx="1">
+            <a:schemeClr val="accent1"/>
+          </a:fillRef>
+          <a:effectRef idx="0">
+            <a:schemeClr val="accent1"/>
+          </a:effectRef>
+          <a:fontRef idx="minor">
+            <a:schemeClr val="lt1"/>
+          </a:fontRef>
+        </p:style>
+        <p:txBody>
+          <a:bodyPr rtlCol="0" anchor="ctr"/>
+          <a:lstStyle/>
+          <a:p>
+            <a:pPr algn="ctr"/>
+            <a:endParaRPr lang="en-US"/>
+          </a:p>
+        </p:txBody>
+      </p:sp>
       <p:sp>
         <p:nvSpPr>
           <p:cNvPr id="2" name="Title 1">
@@ -5459,24 +6185,386 @@
             <p:ph type="title"/>
           </p:nvPr>
         </p:nvSpPr>
+        <p:spPr>
+          <a:xfrm>
+            <a:off x="429768" y="411480"/>
+            <a:ext cx="11131298" cy="1106424"/>
+          </a:xfrm>
+        </p:spPr>
+        <p:txBody>
+          <a:bodyPr>
+            <a:normAutofit/>
+          </a:bodyPr>
+          <a:lstStyle/>
+          <a:p>
+            <a:r>
+              <a:rPr lang="en-US" sz="3600" dirty="0"/>
+              <a:t>Initial Concept Generation</a:t>
+            </a:r>
+          </a:p>
+        </p:txBody>
+      </p:sp>
+      <p:sp>
+        <p:nvSpPr>
+          <p:cNvPr id="14" name="Rectangle 13">
+            <a:extLst>
+              <a:ext uri="{FF2B5EF4-FFF2-40B4-BE49-F238E27FC236}">
+                <a16:creationId xmlns:a16="http://schemas.microsoft.com/office/drawing/2014/main" id="{90C0C0D1-E79A-41FF-8322-256F6DD1499B}"/>
+              </a:ext>
+              <a:ext uri="{C183D7F6-B498-43B3-948B-1728B52AA6E4}">
+                <adec:decorative xmlns:adec="http://schemas.microsoft.com/office/drawing/2017/decorative" val="1"/>
+              </a:ext>
+            </a:extLst>
+          </p:cNvPr>
+          <p:cNvSpPr>
+            <a:spLocks noGrp="1" noRot="1" noChangeAspect="1" noMove="1" noResize="1" noEditPoints="1" noAdjustHandles="1" noChangeArrowheads="1" noChangeShapeType="1" noTextEdit="1"/>
+          </p:cNvSpPr>
+          <p:nvPr>
+            <p:extLst>
+              <p:ext uri="{386F3935-93C4-4BCD-93E2-E3B085C9AB24}">
+                <p16:designElem xmlns:p16="http://schemas.microsoft.com/office/powerpoint/2015/main" val="1"/>
+              </p:ext>
+            </p:extLst>
+          </p:nvPr>
+        </p:nvSpPr>
+        <p:spPr>
+          <a:xfrm>
+            <a:off x="0" y="585216"/>
+            <a:ext cx="128016" cy="704088"/>
+          </a:xfrm>
+          <a:prstGeom prst="rect">
+            <a:avLst/>
+          </a:prstGeom>
+          <a:solidFill>
+            <a:schemeClr val="accent2"/>
+          </a:solidFill>
+          <a:ln>
+            <a:noFill/>
+          </a:ln>
+        </p:spPr>
+        <p:style>
+          <a:lnRef idx="2">
+            <a:schemeClr val="accent1">
+              <a:shade val="50000"/>
+            </a:schemeClr>
+          </a:lnRef>
+          <a:fillRef idx="1">
+            <a:schemeClr val="accent1"/>
+          </a:fillRef>
+          <a:effectRef idx="0">
+            <a:schemeClr val="accent1"/>
+          </a:effectRef>
+          <a:fontRef idx="minor">
+            <a:schemeClr val="lt1"/>
+          </a:fontRef>
+        </p:style>
+        <p:txBody>
+          <a:bodyPr rtlCol="0" anchor="ctr"/>
+          <a:lstStyle/>
+          <a:p>
+            <a:pPr marL="0" marR="0" lvl="0" indent="0" algn="ctr" defTabSz="914400" rtl="0" eaLnBrk="1" fontAlgn="auto" latinLnBrk="0" hangingPunct="1">
+              <a:lnSpc>
+                <a:spcPct val="100000"/>
+              </a:lnSpc>
+              <a:spcBef>
+                <a:spcPts val="0"/>
+              </a:spcBef>
+              <a:spcAft>
+                <a:spcPts val="0"/>
+              </a:spcAft>
+              <a:buClrTx/>
+              <a:buSzTx/>
+              <a:buFontTx/>
+              <a:buNone/>
+              <a:tabLst/>
+              <a:defRPr/>
+            </a:pPr>
+            <a:endParaRPr kumimoji="0" lang="en-US" sz="1800" b="0" i="0" u="none" strike="noStrike" kern="1200" cap="none" spc="0" normalizeH="0" baseline="0" noProof="0">
+              <a:ln>
+                <a:noFill/>
+              </a:ln>
+              <a:solidFill>
+                <a:prstClr val="white"/>
+              </a:solidFill>
+              <a:effectLst/>
+              <a:uLnTx/>
+              <a:uFillTx/>
+              <a:latin typeface="Calibri" panose="020F0502020204030204"/>
+              <a:ea typeface="+mn-ea"/>
+              <a:cs typeface="+mn-cs"/>
+            </a:endParaRPr>
+          </a:p>
+        </p:txBody>
+      </p:sp>
+      <p:pic>
+        <p:nvPicPr>
+          <p:cNvPr id="7" name="Picture 6">
+            <a:extLst>
+              <a:ext uri="{FF2B5EF4-FFF2-40B4-BE49-F238E27FC236}">
+                <a16:creationId xmlns:a16="http://schemas.microsoft.com/office/drawing/2014/main" id="{0C285FDC-1CAD-4E7D-8C8D-1BD6A480F76A}"/>
+              </a:ext>
+            </a:extLst>
+          </p:cNvPr>
+          <p:cNvPicPr>
+            <a:picLocks noChangeAspect="1"/>
+          </p:cNvPicPr>
+          <p:nvPr/>
+        </p:nvPicPr>
+        <p:blipFill rotWithShape="1">
+          <a:blip r:embed="rId3">
+            <a:extLst>
+              <a:ext uri="{28A0092B-C50C-407E-A947-70E740481C1C}">
+                <a14:useLocalDpi xmlns:a14="http://schemas.microsoft.com/office/drawing/2010/main" val="0"/>
+              </a:ext>
+            </a:extLst>
+          </a:blip>
+          <a:srcRect t="19808" r="-4" b="4539"/>
+          <a:stretch/>
+        </p:blipFill>
+        <p:spPr>
+          <a:xfrm rot="5400000">
+            <a:off x="3735137" y="2272273"/>
+            <a:ext cx="4520560" cy="3419856"/>
+          </a:xfrm>
+          <a:prstGeom prst="rect">
+            <a:avLst/>
+          </a:prstGeom>
+        </p:spPr>
+      </p:pic>
+      <p:pic>
+        <p:nvPicPr>
+          <p:cNvPr id="5" name="Picture 4" descr="A picture containing indoor, cluttered&#10;&#10;Description automatically generated">
+            <a:extLst>
+              <a:ext uri="{FF2B5EF4-FFF2-40B4-BE49-F238E27FC236}">
+                <a16:creationId xmlns:a16="http://schemas.microsoft.com/office/drawing/2014/main" id="{9CA70447-A3BF-44F6-8B66-32E49660C3F4}"/>
+              </a:ext>
+            </a:extLst>
+          </p:cNvPr>
+          <p:cNvPicPr>
+            <a:picLocks noChangeAspect="1"/>
+          </p:cNvPicPr>
+          <p:nvPr/>
+        </p:nvPicPr>
+        <p:blipFill rotWithShape="1">
+          <a:blip r:embed="rId4">
+            <a:extLst>
+              <a:ext uri="{28A0092B-C50C-407E-A947-70E740481C1C}">
+                <a14:useLocalDpi xmlns:a14="http://schemas.microsoft.com/office/drawing/2010/main" val="0"/>
+              </a:ext>
+            </a:extLst>
+          </a:blip>
+          <a:srcRect l="697" t="15903" r="-701" b="7639"/>
+          <a:stretch/>
+        </p:blipFill>
+        <p:spPr>
+          <a:xfrm rot="5400000">
+            <a:off x="-102441" y="2254131"/>
+            <a:ext cx="4520560" cy="3456142"/>
+          </a:xfrm>
+          <a:prstGeom prst="rect">
+            <a:avLst/>
+          </a:prstGeom>
+        </p:spPr>
+      </p:pic>
+      <p:sp useBgFill="1">
+        <p:nvSpPr>
+          <p:cNvPr id="16" name="Rectangle 15">
+            <a:extLst>
+              <a:ext uri="{FF2B5EF4-FFF2-40B4-BE49-F238E27FC236}">
+                <a16:creationId xmlns:a16="http://schemas.microsoft.com/office/drawing/2014/main" id="{395FA420-5595-49D1-9D5F-79EC43B55574}"/>
+              </a:ext>
+              <a:ext uri="{C183D7F6-B498-43B3-948B-1728B52AA6E4}">
+                <adec:decorative xmlns:adec="http://schemas.microsoft.com/office/drawing/2017/decorative" val="1"/>
+              </a:ext>
+            </a:extLst>
+          </p:cNvPr>
+          <p:cNvSpPr>
+            <a:spLocks noGrp="1" noRot="1" noChangeAspect="1" noMove="1" noResize="1" noEditPoints="1" noAdjustHandles="1" noChangeArrowheads="1" noChangeShapeType="1" noTextEdit="1"/>
+          </p:cNvSpPr>
+          <p:nvPr>
+            <p:extLst>
+              <p:ext uri="{386F3935-93C4-4BCD-93E2-E3B085C9AB24}">
+                <p16:designElem xmlns:p16="http://schemas.microsoft.com/office/powerpoint/2015/main" val="1"/>
+              </p:ext>
+            </p:extLst>
+          </p:nvPr>
+        </p:nvSpPr>
+        <p:spPr>
+          <a:xfrm>
+            <a:off x="8024648" y="1721922"/>
+            <a:ext cx="3609143" cy="4520560"/>
+          </a:xfrm>
+          <a:prstGeom prst="rect">
+            <a:avLst/>
+          </a:prstGeom>
+          <a:ln w="9525">
+            <a:solidFill>
+              <a:srgbClr val="E1E1E1"/>
+            </a:solidFill>
+          </a:ln>
+          <a:effectLst>
+            <a:outerShdw blurRad="50800" dist="38100" dir="2700000" algn="tl" rotWithShape="0">
+              <a:schemeClr val="bg1">
+                <a:lumMod val="85000"/>
+                <a:alpha val="50000"/>
+              </a:schemeClr>
+            </a:outerShdw>
+          </a:effectLst>
+        </p:spPr>
+        <p:style>
+          <a:lnRef idx="2">
+            <a:schemeClr val="accent1">
+              <a:shade val="50000"/>
+            </a:schemeClr>
+          </a:lnRef>
+          <a:fillRef idx="1">
+            <a:schemeClr val="accent1"/>
+          </a:fillRef>
+          <a:effectRef idx="0">
+            <a:schemeClr val="accent1"/>
+          </a:effectRef>
+          <a:fontRef idx="minor">
+            <a:schemeClr val="lt1"/>
+          </a:fontRef>
+        </p:style>
+        <p:txBody>
+          <a:bodyPr rtlCol="0" anchor="ctr"/>
+          <a:lstStyle/>
+          <a:p>
+            <a:pPr marL="0" marR="0" lvl="0" indent="0" algn="ctr" defTabSz="914400" rtl="0" eaLnBrk="1" fontAlgn="auto" latinLnBrk="0" hangingPunct="1">
+              <a:lnSpc>
+                <a:spcPct val="100000"/>
+              </a:lnSpc>
+              <a:spcBef>
+                <a:spcPts val="0"/>
+              </a:spcBef>
+              <a:spcAft>
+                <a:spcPts val="0"/>
+              </a:spcAft>
+              <a:buClrTx/>
+              <a:buSzTx/>
+              <a:buFontTx/>
+              <a:buNone/>
+              <a:tabLst/>
+              <a:defRPr/>
+            </a:pPr>
+            <a:endParaRPr kumimoji="0" lang="en-US" sz="1800" b="0" i="0" u="none" strike="noStrike" kern="1200" cap="none" spc="0" normalizeH="0" baseline="0" noProof="0">
+              <a:ln>
+                <a:noFill/>
+              </a:ln>
+              <a:solidFill>
+                <a:prstClr val="white"/>
+              </a:solidFill>
+              <a:effectLst/>
+              <a:uLnTx/>
+              <a:uFillTx/>
+              <a:latin typeface="Calibri" panose="020F0502020204030204"/>
+              <a:ea typeface="+mn-ea"/>
+              <a:cs typeface="+mn-cs"/>
+            </a:endParaRPr>
+          </a:p>
+        </p:txBody>
+      </p:sp>
+      <p:sp>
+        <p:nvSpPr>
+          <p:cNvPr id="3" name="Content Placeholder 2">
+            <a:extLst>
+              <a:ext uri="{FF2B5EF4-FFF2-40B4-BE49-F238E27FC236}">
+                <a16:creationId xmlns:a16="http://schemas.microsoft.com/office/drawing/2014/main" id="{F9A7A0A8-8EF8-43AF-BB98-C0CB730AEFF2}"/>
+              </a:ext>
+            </a:extLst>
+          </p:cNvPr>
+          <p:cNvSpPr>
+            <a:spLocks noGrp="1"/>
+          </p:cNvSpPr>
+          <p:nvPr>
+            <p:ph idx="1"/>
+          </p:nvPr>
+        </p:nvSpPr>
+        <p:spPr>
+          <a:xfrm>
+            <a:off x="8309348" y="2020824"/>
+            <a:ext cx="2956060" cy="3959352"/>
+          </a:xfrm>
+        </p:spPr>
+        <p:txBody>
+          <a:bodyPr anchor="ctr">
+            <a:normAutofit lnSpcReduction="10000"/>
+          </a:bodyPr>
+          <a:lstStyle/>
+          <a:p>
+            <a:r>
+              <a:rPr lang="en-US" sz="1800" dirty="0"/>
+              <a:t>Cartesian system</a:t>
+            </a:r>
+          </a:p>
+          <a:p>
+            <a:r>
+              <a:rPr lang="en-US" sz="1800" dirty="0"/>
+              <a:t>Belt/pulley combination with counterweight for Z-axis</a:t>
+            </a:r>
+          </a:p>
+          <a:p>
+            <a:r>
+              <a:rPr lang="en-US" sz="1800" dirty="0"/>
+              <a:t>Fail-safe latches at top and bottom of printer to prevent bottoming-out</a:t>
+            </a:r>
+          </a:p>
+          <a:p>
+            <a:r>
+              <a:rPr lang="en-US" sz="1800" dirty="0"/>
+              <a:t>Mount motors outside heated chamber, cool other motors with Peltier Plates</a:t>
+            </a:r>
+          </a:p>
+          <a:p>
+            <a:r>
+              <a:rPr lang="en-US" sz="1800" dirty="0"/>
+              <a:t>Space heater heating element</a:t>
+            </a:r>
+          </a:p>
+          <a:p>
+            <a:r>
+              <a:rPr lang="en-US" sz="1800" dirty="0"/>
+              <a:t>Surrounded by insulation</a:t>
+            </a:r>
+          </a:p>
+        </p:txBody>
+      </p:sp>
+      <p:sp>
+        <p:nvSpPr>
+          <p:cNvPr id="8" name="Date Placeholder 7">
+            <a:extLst>
+              <a:ext uri="{FF2B5EF4-FFF2-40B4-BE49-F238E27FC236}">
+                <a16:creationId xmlns:a16="http://schemas.microsoft.com/office/drawing/2014/main" id="{02D6B1E4-6D1F-4733-825B-D0183D8C6424}"/>
+              </a:ext>
+            </a:extLst>
+          </p:cNvPr>
+          <p:cNvSpPr>
+            <a:spLocks noGrp="1"/>
+          </p:cNvSpPr>
+          <p:nvPr>
+            <p:ph type="dt" sz="half" idx="10"/>
+          </p:nvPr>
+        </p:nvSpPr>
         <p:spPr/>
         <p:txBody>
           <a:bodyPr/>
           <a:lstStyle/>
           <a:p>
-            <a:r>
-              <a:rPr lang="en-US" dirty="0"/>
-              <a:t>Initial Concept Generation</a:t>
-            </a:r>
-          </a:p>
-        </p:txBody>
-      </p:sp>
-      <p:sp>
-        <p:nvSpPr>
-          <p:cNvPr id="3" name="Content Placeholder 2">
+            <a:fld id="{1FEF8B1B-E727-4B08-A385-47C0CBC0ABB2}" type="datetime1">
+              <a:rPr lang="en-US" smtClean="0"/>
+              <a:t>2/15/2022</a:t>
+            </a:fld>
+            <a:endParaRPr lang="en-US"/>
+          </a:p>
+        </p:txBody>
+      </p:sp>
+      <p:sp>
+        <p:nvSpPr>
+          <p:cNvPr id="9" name="Slide Number Placeholder 8">
             <a:extLst>
               <a:ext uri="{FF2B5EF4-FFF2-40B4-BE49-F238E27FC236}">
-                <a16:creationId xmlns:a16="http://schemas.microsoft.com/office/drawing/2014/main" id="{F9A7A0A8-8EF8-43AF-BB98-C0CB730AEFF2}"/>
+                <a16:creationId xmlns:a16="http://schemas.microsoft.com/office/drawing/2014/main" id="{116FA878-4424-48DC-A2B6-EA09E7BB1044}"/>
               </a:ext>
             </a:extLst>
           </p:cNvPr>
@@ -5484,7 +6572,7 @@
             <a:spLocks noGrp="1"/>
           </p:cNvSpPr>
           <p:nvPr>
-            <p:ph idx="1"/>
+            <p:ph type="sldNum" sz="quarter" idx="12"/>
           </p:nvPr>
         </p:nvSpPr>
         <p:spPr/>
@@ -5492,7 +6580,14 @@
           <a:bodyPr/>
           <a:lstStyle/>
           <a:p>
-            <a:endParaRPr lang="en-US"/>
+            <a:fld id="{3D3065AE-6497-4D5A-BB02-EC962F7C9276}" type="slidenum">
+              <a:rPr lang="en-US" smtClean="0"/>
+              <a:t>5</a:t>
+            </a:fld>
+            <a:r>
+              <a:rPr lang="en-US" dirty="0"/>
+              <a:t>/7</a:t>
+            </a:r>
           </a:p>
         </p:txBody>
       </p:sp>
@@ -5542,25 +6637,3516 @@
             <p:ph type="title"/>
           </p:nvPr>
         </p:nvSpPr>
+        <p:spPr>
+          <a:xfrm>
+            <a:off x="838200" y="365125"/>
+            <a:ext cx="10515600" cy="434075"/>
+          </a:xfrm>
+        </p:spPr>
+        <p:txBody>
+          <a:bodyPr>
+            <a:normAutofit fontScale="90000"/>
+          </a:bodyPr>
+          <a:lstStyle/>
+          <a:p>
+            <a:r>
+              <a:rPr lang="en-US" sz="2800" dirty="0"/>
+              <a:t>Preliminary Thermal Analysis</a:t>
+            </a:r>
+          </a:p>
+        </p:txBody>
+      </p:sp>
+      <p:pic>
+        <p:nvPicPr>
+          <p:cNvPr id="5" name="Picture 4" descr="Chart&#10;&#10;Description automatically generated with medium confidence">
+            <a:extLst>
+              <a:ext uri="{FF2B5EF4-FFF2-40B4-BE49-F238E27FC236}">
+                <a16:creationId xmlns:a16="http://schemas.microsoft.com/office/drawing/2014/main" id="{9E4C22E1-E853-434F-85EE-762BEF078D99}"/>
+              </a:ext>
+            </a:extLst>
+          </p:cNvPr>
+          <p:cNvPicPr>
+            <a:picLocks noChangeAspect="1"/>
+          </p:cNvPicPr>
+          <p:nvPr/>
+        </p:nvPicPr>
+        <p:blipFill>
+          <a:blip r:embed="rId3">
+            <a:extLst>
+              <a:ext uri="{28A0092B-C50C-407E-A947-70E740481C1C}">
+                <a14:useLocalDpi xmlns:a14="http://schemas.microsoft.com/office/drawing/2010/main" val="0"/>
+              </a:ext>
+            </a:extLst>
+          </a:blip>
+          <a:stretch>
+            <a:fillRect/>
+          </a:stretch>
+        </p:blipFill>
+        <p:spPr>
+          <a:xfrm>
+            <a:off x="8781594" y="1442988"/>
+            <a:ext cx="3410406" cy="1986012"/>
+          </a:xfrm>
+          <a:prstGeom prst="rect">
+            <a:avLst/>
+          </a:prstGeom>
+        </p:spPr>
+      </p:pic>
+      <p:pic>
+        <p:nvPicPr>
+          <p:cNvPr id="7" name="Picture 6" descr="Diagram&#10;&#10;Description automatically generated with medium confidence">
+            <a:extLst>
+              <a:ext uri="{FF2B5EF4-FFF2-40B4-BE49-F238E27FC236}">
+                <a16:creationId xmlns:a16="http://schemas.microsoft.com/office/drawing/2014/main" id="{E660CD06-56DC-4D51-A783-A9A1073D7DAD}"/>
+              </a:ext>
+            </a:extLst>
+          </p:cNvPr>
+          <p:cNvPicPr>
+            <a:picLocks noChangeAspect="1"/>
+          </p:cNvPicPr>
+          <p:nvPr/>
+        </p:nvPicPr>
+        <p:blipFill>
+          <a:blip r:embed="rId4">
+            <a:extLst>
+              <a:ext uri="{28A0092B-C50C-407E-A947-70E740481C1C}">
+                <a14:useLocalDpi xmlns:a14="http://schemas.microsoft.com/office/drawing/2010/main" val="0"/>
+              </a:ext>
+            </a:extLst>
+          </a:blip>
+          <a:stretch>
+            <a:fillRect/>
+          </a:stretch>
+        </p:blipFill>
+        <p:spPr>
+          <a:xfrm>
+            <a:off x="6166068" y="1442988"/>
+            <a:ext cx="2615525" cy="1986012"/>
+          </a:xfrm>
+          <a:prstGeom prst="rect">
+            <a:avLst/>
+          </a:prstGeom>
+        </p:spPr>
+      </p:pic>
+      <mc:AlternateContent xmlns:mc="http://schemas.openxmlformats.org/markup-compatibility/2006">
+        <mc:Choice xmlns:a14="http://schemas.microsoft.com/office/drawing/2010/main" Requires="a14">
+          <p:sp>
+            <p:nvSpPr>
+              <p:cNvPr id="9" name="TextBox 8">
+                <a:extLst>
+                  <a:ext uri="{FF2B5EF4-FFF2-40B4-BE49-F238E27FC236}">
+                    <a16:creationId xmlns:a16="http://schemas.microsoft.com/office/drawing/2014/main" id="{D63E50A4-99B0-4A63-A558-4C28867D4F7B}"/>
+                  </a:ext>
+                </a:extLst>
+              </p:cNvPr>
+              <p:cNvSpPr txBox="1"/>
+              <p:nvPr/>
+            </p:nvSpPr>
+            <p:spPr>
+              <a:xfrm>
+                <a:off x="1164684" y="4272314"/>
+                <a:ext cx="10002768" cy="1548886"/>
+              </a:xfrm>
+              <a:prstGeom prst="rect">
+                <a:avLst/>
+              </a:prstGeom>
+              <a:noFill/>
+            </p:spPr>
+            <p:txBody>
+              <a:bodyPr wrap="square">
+                <a:spAutoFit/>
+              </a:bodyPr>
+              <a:lstStyle/>
+              <a:p>
+                <a:pPr/>
+                <a14:m>
+                  <m:oMathPara xmlns:m="http://schemas.openxmlformats.org/officeDocument/2006/math">
+                    <m:oMathParaPr>
+                      <m:jc m:val="centerGroup"/>
+                    </m:oMathParaPr>
+                    <m:oMath xmlns:m="http://schemas.openxmlformats.org/officeDocument/2006/math">
+                      <m:sSub>
+                        <m:sSubPr>
+                          <m:ctrlPr>
+                            <a:rPr lang="en-US" b="1" i="1"/>
+                          </m:ctrlPr>
+                        </m:sSubPr>
+                        <m:e>
+                          <m:r>
+                            <m:rPr>
+                              <m:sty m:val="p"/>
+                            </m:rPr>
+                            <a:rPr lang="en-US"/>
+                            <m:t>Q</m:t>
+                          </m:r>
+                        </m:e>
+                        <m:sub>
+                          <m:r>
+                            <a:rPr lang="en-US" b="1" i="1"/>
+                            <m:t>𝐟𝐨𝐚𝐦</m:t>
+                          </m:r>
+                        </m:sub>
+                      </m:sSub>
+                      <m:r>
+                        <a:rPr lang="en-US" i="0">
+                          <a:latin typeface="Cambria Math" panose="02040503050406030204" pitchFamily="18" charset="0"/>
+                        </a:rPr>
+                        <m:t>=</m:t>
+                      </m:r>
+                      <m:sSub>
+                        <m:sSubPr>
+                          <m:ctrlPr>
+                            <a:rPr lang="en-US" i="1">
+                              <a:solidFill>
+                                <a:srgbClr val="836967"/>
+                              </a:solidFill>
+                              <a:latin typeface="Cambria Math" panose="02040503050406030204" pitchFamily="18" charset="0"/>
+                            </a:rPr>
+                          </m:ctrlPr>
+                        </m:sSubPr>
+                        <m:e>
+                          <m:r>
+                            <m:rPr>
+                              <m:sty m:val="p"/>
+                            </m:rPr>
+                            <a:rPr lang="en-US" i="0">
+                              <a:latin typeface="Cambria Math" panose="02040503050406030204" pitchFamily="18" charset="0"/>
+                            </a:rPr>
+                            <m:t>R</m:t>
+                          </m:r>
+                        </m:e>
+                        <m:sub>
+                          <m:r>
+                            <m:rPr>
+                              <m:sty m:val="p"/>
+                            </m:rPr>
+                            <a:rPr lang="en-US" i="0">
+                              <a:latin typeface="Cambria Math" panose="02040503050406030204" pitchFamily="18" charset="0"/>
+                            </a:rPr>
+                            <m:t>i</m:t>
+                          </m:r>
+                        </m:sub>
+                      </m:sSub>
+                      <m:r>
+                        <a:rPr lang="en-US" i="0">
+                          <a:latin typeface="Cambria Math" panose="02040503050406030204" pitchFamily="18" charset="0"/>
+                        </a:rPr>
+                        <m:t>+</m:t>
+                      </m:r>
+                      <m:sSub>
+                        <m:sSubPr>
+                          <m:ctrlPr>
+                            <a:rPr lang="en-US" i="1">
+                              <a:solidFill>
+                                <a:srgbClr val="836967"/>
+                              </a:solidFill>
+                              <a:latin typeface="Cambria Math" panose="02040503050406030204" pitchFamily="18" charset="0"/>
+                            </a:rPr>
+                          </m:ctrlPr>
+                        </m:sSubPr>
+                        <m:e>
+                          <m:r>
+                            <m:rPr>
+                              <m:sty m:val="p"/>
+                            </m:rPr>
+                            <a:rPr lang="en-US" i="0">
+                              <a:latin typeface="Cambria Math" panose="02040503050406030204" pitchFamily="18" charset="0"/>
+                            </a:rPr>
+                            <m:t>R</m:t>
+                          </m:r>
+                        </m:e>
+                        <m:sub>
+                          <m:r>
+                            <m:rPr>
+                              <m:sty m:val="p"/>
+                            </m:rPr>
+                            <a:rPr lang="en-US" i="0">
+                              <a:latin typeface="Cambria Math" panose="02040503050406030204" pitchFamily="18" charset="0"/>
+                            </a:rPr>
+                            <m:t>foam</m:t>
+                          </m:r>
+                        </m:sub>
+                      </m:sSub>
+                      <m:r>
+                        <a:rPr lang="en-US" i="0">
+                          <a:latin typeface="Cambria Math" panose="02040503050406030204" pitchFamily="18" charset="0"/>
+                        </a:rPr>
+                        <m:t>+</m:t>
+                      </m:r>
+                      <m:sSub>
+                        <m:sSubPr>
+                          <m:ctrlPr>
+                            <a:rPr lang="en-US" i="1">
+                              <a:solidFill>
+                                <a:srgbClr val="836967"/>
+                              </a:solidFill>
+                              <a:latin typeface="Cambria Math" panose="02040503050406030204" pitchFamily="18" charset="0"/>
+                            </a:rPr>
+                          </m:ctrlPr>
+                        </m:sSubPr>
+                        <m:e>
+                          <m:r>
+                            <m:rPr>
+                              <m:sty m:val="p"/>
+                            </m:rPr>
+                            <a:rPr lang="en-US" i="0">
+                              <a:latin typeface="Cambria Math" panose="02040503050406030204" pitchFamily="18" charset="0"/>
+                            </a:rPr>
+                            <m:t>R</m:t>
+                          </m:r>
+                        </m:e>
+                        <m:sub>
+                          <m:r>
+                            <m:rPr>
+                              <m:sty m:val="p"/>
+                            </m:rPr>
+                            <a:rPr lang="en-US" i="0">
+                              <a:latin typeface="Cambria Math" panose="02040503050406030204" pitchFamily="18" charset="0"/>
+                            </a:rPr>
+                            <m:t>o</m:t>
+                          </m:r>
+                        </m:sub>
+                      </m:sSub>
+                      <m:r>
+                        <a:rPr lang="en-US" i="0">
+                          <a:latin typeface="Cambria Math" panose="02040503050406030204" pitchFamily="18" charset="0"/>
+                        </a:rPr>
+                        <m:t>=</m:t>
+                      </m:r>
+                      <m:f>
+                        <m:fPr>
+                          <m:ctrlPr>
+                            <a:rPr lang="en-US" i="1">
+                              <a:solidFill>
+                                <a:srgbClr val="836967"/>
+                              </a:solidFill>
+                              <a:latin typeface="Cambria Math" panose="02040503050406030204" pitchFamily="18" charset="0"/>
+                            </a:rPr>
+                          </m:ctrlPr>
+                        </m:fPr>
+                        <m:num>
+                          <m:r>
+                            <a:rPr lang="en-US" i="0">
+                              <a:latin typeface="Cambria Math" panose="02040503050406030204" pitchFamily="18" charset="0"/>
+                            </a:rPr>
+                            <m:t>1</m:t>
+                          </m:r>
+                        </m:num>
+                        <m:den>
+                          <m:sSub>
+                            <m:sSubPr>
+                              <m:ctrlPr>
+                                <a:rPr lang="en-US" i="1">
+                                  <a:solidFill>
+                                    <a:srgbClr val="836967"/>
+                                  </a:solidFill>
+                                  <a:latin typeface="Cambria Math" panose="02040503050406030204" pitchFamily="18" charset="0"/>
+                                </a:rPr>
+                              </m:ctrlPr>
+                            </m:sSubPr>
+                            <m:e>
+                              <m:r>
+                                <m:rPr>
+                                  <m:sty m:val="p"/>
+                                </m:rPr>
+                                <a:rPr lang="en-US" i="0">
+                                  <a:latin typeface="Cambria Math" panose="02040503050406030204" pitchFamily="18" charset="0"/>
+                                </a:rPr>
+                                <m:t>h</m:t>
+                              </m:r>
+                            </m:e>
+                            <m:sub>
+                              <m:r>
+                                <m:rPr>
+                                  <m:sty m:val="p"/>
+                                </m:rPr>
+                                <a:rPr lang="en-US" i="0">
+                                  <a:latin typeface="Cambria Math" panose="02040503050406030204" pitchFamily="18" charset="0"/>
+                                </a:rPr>
+                                <m:t>i</m:t>
+                              </m:r>
+                            </m:sub>
+                          </m:sSub>
+                          <m:r>
+                            <a:rPr lang="en-US" i="0">
+                              <a:latin typeface="Cambria Math" panose="02040503050406030204" pitchFamily="18" charset="0"/>
+                            </a:rPr>
+                            <m:t>∗</m:t>
+                          </m:r>
+                          <m:r>
+                            <m:rPr>
+                              <m:sty m:val="p"/>
+                            </m:rPr>
+                            <a:rPr lang="en-US" i="0">
+                              <a:latin typeface="Cambria Math" panose="02040503050406030204" pitchFamily="18" charset="0"/>
+                            </a:rPr>
+                            <m:t>A</m:t>
+                          </m:r>
+                        </m:den>
+                      </m:f>
+                      <m:r>
+                        <a:rPr lang="en-US" i="0">
+                          <a:latin typeface="Cambria Math" panose="02040503050406030204" pitchFamily="18" charset="0"/>
+                        </a:rPr>
+                        <m:t>+</m:t>
+                      </m:r>
+                      <m:f>
+                        <m:fPr>
+                          <m:ctrlPr>
+                            <a:rPr lang="en-US" i="1">
+                              <a:solidFill>
+                                <a:srgbClr val="836967"/>
+                              </a:solidFill>
+                              <a:latin typeface="Cambria Math" panose="02040503050406030204" pitchFamily="18" charset="0"/>
+                            </a:rPr>
+                          </m:ctrlPr>
+                        </m:fPr>
+                        <m:num>
+                          <m:sSub>
+                            <m:sSubPr>
+                              <m:ctrlPr>
+                                <a:rPr lang="en-US" i="1">
+                                  <a:solidFill>
+                                    <a:srgbClr val="836967"/>
+                                  </a:solidFill>
+                                  <a:latin typeface="Cambria Math" panose="02040503050406030204" pitchFamily="18" charset="0"/>
+                                </a:rPr>
+                              </m:ctrlPr>
+                            </m:sSubPr>
+                            <m:e>
+                              <m:r>
+                                <m:rPr>
+                                  <m:sty m:val="p"/>
+                                </m:rPr>
+                                <a:rPr lang="en-US" i="0">
+                                  <a:latin typeface="Cambria Math" panose="02040503050406030204" pitchFamily="18" charset="0"/>
+                                </a:rPr>
+                                <m:t>L</m:t>
+                              </m:r>
+                            </m:e>
+                            <m:sub>
+                              <m:r>
+                                <m:rPr>
+                                  <m:sty m:val="p"/>
+                                </m:rPr>
+                                <a:rPr lang="en-US" i="0">
+                                  <a:latin typeface="Cambria Math" panose="02040503050406030204" pitchFamily="18" charset="0"/>
+                                </a:rPr>
+                                <m:t>foam</m:t>
+                              </m:r>
+                            </m:sub>
+                          </m:sSub>
+                        </m:num>
+                        <m:den>
+                          <m:sSub>
+                            <m:sSubPr>
+                              <m:ctrlPr>
+                                <a:rPr lang="en-US" i="1">
+                                  <a:solidFill>
+                                    <a:srgbClr val="836967"/>
+                                  </a:solidFill>
+                                  <a:latin typeface="Cambria Math" panose="02040503050406030204" pitchFamily="18" charset="0"/>
+                                </a:rPr>
+                              </m:ctrlPr>
+                            </m:sSubPr>
+                            <m:e>
+                              <m:r>
+                                <m:rPr>
+                                  <m:sty m:val="p"/>
+                                </m:rPr>
+                                <a:rPr lang="en-US" i="0">
+                                  <a:latin typeface="Cambria Math" panose="02040503050406030204" pitchFamily="18" charset="0"/>
+                                </a:rPr>
+                                <m:t>K</m:t>
+                              </m:r>
+                            </m:e>
+                            <m:sub>
+                              <m:r>
+                                <m:rPr>
+                                  <m:sty m:val="p"/>
+                                </m:rPr>
+                                <a:rPr lang="en-US" i="0">
+                                  <a:latin typeface="Cambria Math" panose="02040503050406030204" pitchFamily="18" charset="0"/>
+                                </a:rPr>
+                                <m:t>foam</m:t>
+                              </m:r>
+                            </m:sub>
+                          </m:sSub>
+                          <m:r>
+                            <a:rPr lang="en-US" i="0">
+                              <a:latin typeface="Cambria Math" panose="02040503050406030204" pitchFamily="18" charset="0"/>
+                            </a:rPr>
+                            <m:t>∗</m:t>
+                          </m:r>
+                          <m:r>
+                            <m:rPr>
+                              <m:sty m:val="p"/>
+                            </m:rPr>
+                            <a:rPr lang="en-US" i="0">
+                              <a:latin typeface="Cambria Math" panose="02040503050406030204" pitchFamily="18" charset="0"/>
+                            </a:rPr>
+                            <m:t>A</m:t>
+                          </m:r>
+                        </m:den>
+                      </m:f>
+                      <m:r>
+                        <a:rPr lang="en-US" i="0">
+                          <a:latin typeface="Cambria Math" panose="02040503050406030204" pitchFamily="18" charset="0"/>
+                        </a:rPr>
+                        <m:t>+</m:t>
+                      </m:r>
+                      <m:f>
+                        <m:fPr>
+                          <m:ctrlPr>
+                            <a:rPr lang="en-US" i="1">
+                              <a:solidFill>
+                                <a:srgbClr val="836967"/>
+                              </a:solidFill>
+                              <a:latin typeface="Cambria Math" panose="02040503050406030204" pitchFamily="18" charset="0"/>
+                            </a:rPr>
+                          </m:ctrlPr>
+                        </m:fPr>
+                        <m:num>
+                          <m:r>
+                            <a:rPr lang="en-US" i="0">
+                              <a:latin typeface="Cambria Math" panose="02040503050406030204" pitchFamily="18" charset="0"/>
+                            </a:rPr>
+                            <m:t>1</m:t>
+                          </m:r>
+                        </m:num>
+                        <m:den>
+                          <m:sSub>
+                            <m:sSubPr>
+                              <m:ctrlPr>
+                                <a:rPr lang="en-US" i="1">
+                                  <a:solidFill>
+                                    <a:srgbClr val="836967"/>
+                                  </a:solidFill>
+                                  <a:latin typeface="Cambria Math" panose="02040503050406030204" pitchFamily="18" charset="0"/>
+                                </a:rPr>
+                              </m:ctrlPr>
+                            </m:sSubPr>
+                            <m:e>
+                              <m:r>
+                                <m:rPr>
+                                  <m:sty m:val="p"/>
+                                </m:rPr>
+                                <a:rPr lang="en-US" i="0">
+                                  <a:latin typeface="Cambria Math" panose="02040503050406030204" pitchFamily="18" charset="0"/>
+                                </a:rPr>
+                                <m:t>h</m:t>
+                              </m:r>
+                            </m:e>
+                            <m:sub>
+                              <m:r>
+                                <m:rPr>
+                                  <m:sty m:val="p"/>
+                                </m:rPr>
+                                <a:rPr lang="en-US" i="0">
+                                  <a:latin typeface="Cambria Math" panose="02040503050406030204" pitchFamily="18" charset="0"/>
+                                </a:rPr>
+                                <m:t>o</m:t>
+                              </m:r>
+                            </m:sub>
+                          </m:sSub>
+                          <m:r>
+                            <a:rPr lang="en-US" i="0">
+                              <a:latin typeface="Cambria Math" panose="02040503050406030204" pitchFamily="18" charset="0"/>
+                            </a:rPr>
+                            <m:t>∗</m:t>
+                          </m:r>
+                          <m:r>
+                            <m:rPr>
+                              <m:sty m:val="p"/>
+                            </m:rPr>
+                            <a:rPr lang="en-US" i="0">
+                              <a:latin typeface="Cambria Math" panose="02040503050406030204" pitchFamily="18" charset="0"/>
+                            </a:rPr>
+                            <m:t>A</m:t>
+                          </m:r>
+                        </m:den>
+                      </m:f>
+                      <m:r>
+                        <a:rPr lang="en-US" i="0">
+                          <a:latin typeface="Cambria Math" panose="02040503050406030204" pitchFamily="18" charset="0"/>
+                        </a:rPr>
+                        <m:t>=10.38</m:t>
+                      </m:r>
+                    </m:oMath>
+                  </m:oMathPara>
+                </a14:m>
+                <a:endParaRPr lang="en-US" dirty="0"/>
+              </a:p>
+              <a:p>
+                <a14:m>
+                  <m:oMathPara xmlns:m="http://schemas.openxmlformats.org/officeDocument/2006/math">
+                    <m:oMathParaPr>
+                      <m:jc m:val="centerGroup"/>
+                    </m:oMathParaPr>
+                    <m:oMath xmlns:m="http://schemas.openxmlformats.org/officeDocument/2006/math">
+                      <m:sSub>
+                        <m:sSubPr>
+                          <m:ctrlPr>
+                            <a:rPr lang="en-US" b="1" i="1"/>
+                          </m:ctrlPr>
+                        </m:sSubPr>
+                        <m:e>
+                          <m:r>
+                            <m:rPr>
+                              <m:sty m:val="p"/>
+                            </m:rPr>
+                            <a:rPr lang="en-US"/>
+                            <m:t>Q</m:t>
+                          </m:r>
+                        </m:e>
+                        <m:sub>
+                          <m:r>
+                            <a:rPr lang="en-US" b="1" i="1"/>
+                            <m:t>𝐟𝐢𝐛𝐞𝐫𝐠𝐥𝐚𝐬𝐬</m:t>
+                          </m:r>
+                        </m:sub>
+                      </m:sSub>
+                      <m:r>
+                        <a:rPr lang="en-US" sz="1800" b="0">
+                          <a:effectLst/>
+                          <a:latin typeface="Cambria Math" panose="02040503050406030204" pitchFamily="18" charset="0"/>
+                          <a:ea typeface="Calibri" panose="020F0502020204030204" pitchFamily="34" charset="0"/>
+                          <a:cs typeface="Times New Roman" panose="02020603050405020304" pitchFamily="18" charset="0"/>
+                        </a:rPr>
+                        <m:t>=</m:t>
+                      </m:r>
+                      <m:sSub>
+                        <m:sSubPr>
+                          <m:ctrlPr>
+                            <a:rPr lang="en-US" sz="1800" i="1">
+                              <a:effectLst/>
+                              <a:latin typeface="Cambria Math" panose="02040503050406030204" pitchFamily="18" charset="0"/>
+                              <a:ea typeface="Calibri" panose="020F0502020204030204" pitchFamily="34" charset="0"/>
+                              <a:cs typeface="Times New Roman" panose="02020603050405020304" pitchFamily="18" charset="0"/>
+                            </a:rPr>
+                          </m:ctrlPr>
+                        </m:sSubPr>
+                        <m:e>
+                          <m:r>
+                            <m:rPr>
+                              <m:sty m:val="p"/>
+                            </m:rPr>
+                            <a:rPr lang="en-US" sz="1800" b="0">
+                              <a:effectLst/>
+                              <a:latin typeface="Cambria Math" panose="02040503050406030204" pitchFamily="18" charset="0"/>
+                              <a:ea typeface="Calibri" panose="020F0502020204030204" pitchFamily="34" charset="0"/>
+                              <a:cs typeface="Times New Roman" panose="02020603050405020304" pitchFamily="18" charset="0"/>
+                            </a:rPr>
+                            <m:t>R</m:t>
+                          </m:r>
+                        </m:e>
+                        <m:sub>
+                          <m:r>
+                            <m:rPr>
+                              <m:sty m:val="p"/>
+                            </m:rPr>
+                            <a:rPr lang="en-US" sz="1800" b="0">
+                              <a:effectLst/>
+                              <a:latin typeface="Cambria Math" panose="02040503050406030204" pitchFamily="18" charset="0"/>
+                              <a:ea typeface="Calibri" panose="020F0502020204030204" pitchFamily="34" charset="0"/>
+                              <a:cs typeface="Times New Roman" panose="02020603050405020304" pitchFamily="18" charset="0"/>
+                            </a:rPr>
+                            <m:t>i</m:t>
+                          </m:r>
+                        </m:sub>
+                      </m:sSub>
+                      <m:r>
+                        <a:rPr lang="en-US" sz="1800" b="0">
+                          <a:effectLst/>
+                          <a:latin typeface="Cambria Math" panose="02040503050406030204" pitchFamily="18" charset="0"/>
+                          <a:ea typeface="Calibri" panose="020F0502020204030204" pitchFamily="34" charset="0"/>
+                          <a:cs typeface="Times New Roman" panose="02020603050405020304" pitchFamily="18" charset="0"/>
+                        </a:rPr>
+                        <m:t>+</m:t>
+                      </m:r>
+                      <m:sSub>
+                        <m:sSubPr>
+                          <m:ctrlPr>
+                            <a:rPr lang="en-US" sz="1800" i="1">
+                              <a:effectLst/>
+                              <a:latin typeface="Cambria Math" panose="02040503050406030204" pitchFamily="18" charset="0"/>
+                              <a:ea typeface="Calibri" panose="020F0502020204030204" pitchFamily="34" charset="0"/>
+                              <a:cs typeface="Times New Roman" panose="02020603050405020304" pitchFamily="18" charset="0"/>
+                            </a:rPr>
+                          </m:ctrlPr>
+                        </m:sSubPr>
+                        <m:e>
+                          <m:r>
+                            <m:rPr>
+                              <m:sty m:val="p"/>
+                            </m:rPr>
+                            <a:rPr lang="en-US" sz="1800" b="0">
+                              <a:effectLst/>
+                              <a:latin typeface="Cambria Math" panose="02040503050406030204" pitchFamily="18" charset="0"/>
+                              <a:ea typeface="Calibri" panose="020F0502020204030204" pitchFamily="34" charset="0"/>
+                              <a:cs typeface="Times New Roman" panose="02020603050405020304" pitchFamily="18" charset="0"/>
+                            </a:rPr>
+                            <m:t>R</m:t>
+                          </m:r>
+                        </m:e>
+                        <m:sub>
+                          <m:r>
+                            <m:rPr>
+                              <m:sty m:val="p"/>
+                            </m:rPr>
+                            <a:rPr lang="en-US" sz="1800" b="0">
+                              <a:effectLst/>
+                              <a:latin typeface="Cambria Math" panose="02040503050406030204" pitchFamily="18" charset="0"/>
+                              <a:ea typeface="Calibri" panose="020F0502020204030204" pitchFamily="34" charset="0"/>
+                              <a:cs typeface="Times New Roman" panose="02020603050405020304" pitchFamily="18" charset="0"/>
+                            </a:rPr>
+                            <m:t>fiberglass</m:t>
+                          </m:r>
+                        </m:sub>
+                      </m:sSub>
+                      <m:r>
+                        <a:rPr lang="en-US" sz="1800" b="0">
+                          <a:effectLst/>
+                          <a:latin typeface="Cambria Math" panose="02040503050406030204" pitchFamily="18" charset="0"/>
+                          <a:ea typeface="Calibri" panose="020F0502020204030204" pitchFamily="34" charset="0"/>
+                          <a:cs typeface="Times New Roman" panose="02020603050405020304" pitchFamily="18" charset="0"/>
+                        </a:rPr>
+                        <m:t>+</m:t>
+                      </m:r>
+                      <m:sSub>
+                        <m:sSubPr>
+                          <m:ctrlPr>
+                            <a:rPr lang="en-US" sz="1800" i="1">
+                              <a:effectLst/>
+                              <a:latin typeface="Cambria Math" panose="02040503050406030204" pitchFamily="18" charset="0"/>
+                              <a:ea typeface="Calibri" panose="020F0502020204030204" pitchFamily="34" charset="0"/>
+                              <a:cs typeface="Times New Roman" panose="02020603050405020304" pitchFamily="18" charset="0"/>
+                            </a:rPr>
+                          </m:ctrlPr>
+                        </m:sSubPr>
+                        <m:e>
+                          <m:r>
+                            <m:rPr>
+                              <m:sty m:val="p"/>
+                            </m:rPr>
+                            <a:rPr lang="en-US" sz="1800" b="0">
+                              <a:effectLst/>
+                              <a:latin typeface="Cambria Math" panose="02040503050406030204" pitchFamily="18" charset="0"/>
+                              <a:ea typeface="Calibri" panose="020F0502020204030204" pitchFamily="34" charset="0"/>
+                              <a:cs typeface="Times New Roman" panose="02020603050405020304" pitchFamily="18" charset="0"/>
+                            </a:rPr>
+                            <m:t>R</m:t>
+                          </m:r>
+                        </m:e>
+                        <m:sub>
+                          <m:r>
+                            <m:rPr>
+                              <m:sty m:val="p"/>
+                            </m:rPr>
+                            <a:rPr lang="en-US" sz="1800" b="0">
+                              <a:effectLst/>
+                              <a:latin typeface="Cambria Math" panose="02040503050406030204" pitchFamily="18" charset="0"/>
+                              <a:ea typeface="Calibri" panose="020F0502020204030204" pitchFamily="34" charset="0"/>
+                              <a:cs typeface="Times New Roman" panose="02020603050405020304" pitchFamily="18" charset="0"/>
+                            </a:rPr>
+                            <m:t>wood</m:t>
+                          </m:r>
+                        </m:sub>
+                      </m:sSub>
+                      <m:r>
+                        <a:rPr lang="en-US" sz="1800" b="0">
+                          <a:effectLst/>
+                          <a:latin typeface="Cambria Math" panose="02040503050406030204" pitchFamily="18" charset="0"/>
+                          <a:ea typeface="Calibri" panose="020F0502020204030204" pitchFamily="34" charset="0"/>
+                          <a:cs typeface="Times New Roman" panose="02020603050405020304" pitchFamily="18" charset="0"/>
+                        </a:rPr>
+                        <m:t>+</m:t>
+                      </m:r>
+                      <m:sSub>
+                        <m:sSubPr>
+                          <m:ctrlPr>
+                            <a:rPr lang="en-US" sz="1800" i="1">
+                              <a:effectLst/>
+                              <a:latin typeface="Cambria Math" panose="02040503050406030204" pitchFamily="18" charset="0"/>
+                              <a:ea typeface="Calibri" panose="020F0502020204030204" pitchFamily="34" charset="0"/>
+                              <a:cs typeface="Times New Roman" panose="02020603050405020304" pitchFamily="18" charset="0"/>
+                            </a:rPr>
+                          </m:ctrlPr>
+                        </m:sSubPr>
+                        <m:e>
+                          <m:r>
+                            <m:rPr>
+                              <m:sty m:val="p"/>
+                            </m:rPr>
+                            <a:rPr lang="en-US" sz="1800" b="0">
+                              <a:effectLst/>
+                              <a:latin typeface="Cambria Math" panose="02040503050406030204" pitchFamily="18" charset="0"/>
+                              <a:ea typeface="Calibri" panose="020F0502020204030204" pitchFamily="34" charset="0"/>
+                              <a:cs typeface="Times New Roman" panose="02020603050405020304" pitchFamily="18" charset="0"/>
+                            </a:rPr>
+                            <m:t>R</m:t>
+                          </m:r>
+                        </m:e>
+                        <m:sub>
+                          <m:r>
+                            <m:rPr>
+                              <m:sty m:val="p"/>
+                            </m:rPr>
+                            <a:rPr lang="en-US" sz="1800" b="0">
+                              <a:effectLst/>
+                              <a:latin typeface="Cambria Math" panose="02040503050406030204" pitchFamily="18" charset="0"/>
+                              <a:ea typeface="Calibri" panose="020F0502020204030204" pitchFamily="34" charset="0"/>
+                              <a:cs typeface="Times New Roman" panose="02020603050405020304" pitchFamily="18" charset="0"/>
+                            </a:rPr>
+                            <m:t>o</m:t>
+                          </m:r>
+                        </m:sub>
+                      </m:sSub>
+                      <m:r>
+                        <a:rPr lang="en-US" sz="1800" b="0">
+                          <a:effectLst/>
+                          <a:latin typeface="Cambria Math" panose="02040503050406030204" pitchFamily="18" charset="0"/>
+                          <a:ea typeface="Calibri" panose="020F0502020204030204" pitchFamily="34" charset="0"/>
+                          <a:cs typeface="Times New Roman" panose="02020603050405020304" pitchFamily="18" charset="0"/>
+                        </a:rPr>
+                        <m:t>=</m:t>
+                      </m:r>
+                      <m:f>
+                        <m:fPr>
+                          <m:ctrlPr>
+                            <a:rPr lang="en-US" sz="1800" i="1">
+                              <a:effectLst/>
+                              <a:latin typeface="Cambria Math" panose="02040503050406030204" pitchFamily="18" charset="0"/>
+                              <a:ea typeface="Calibri" panose="020F0502020204030204" pitchFamily="34" charset="0"/>
+                              <a:cs typeface="Times New Roman" panose="02020603050405020304" pitchFamily="18" charset="0"/>
+                            </a:rPr>
+                          </m:ctrlPr>
+                        </m:fPr>
+                        <m:num>
+                          <m:r>
+                            <a:rPr lang="en-US" sz="1800" b="0">
+                              <a:effectLst/>
+                              <a:latin typeface="Cambria Math" panose="02040503050406030204" pitchFamily="18" charset="0"/>
+                              <a:ea typeface="Calibri" panose="020F0502020204030204" pitchFamily="34" charset="0"/>
+                              <a:cs typeface="Times New Roman" panose="02020603050405020304" pitchFamily="18" charset="0"/>
+                            </a:rPr>
+                            <m:t>1</m:t>
+                          </m:r>
+                        </m:num>
+                        <m:den>
+                          <m:sSub>
+                            <m:sSubPr>
+                              <m:ctrlPr>
+                                <a:rPr lang="en-US" sz="1800" i="1">
+                                  <a:effectLst/>
+                                  <a:latin typeface="Cambria Math" panose="02040503050406030204" pitchFamily="18" charset="0"/>
+                                  <a:ea typeface="Calibri" panose="020F0502020204030204" pitchFamily="34" charset="0"/>
+                                  <a:cs typeface="Times New Roman" panose="02020603050405020304" pitchFamily="18" charset="0"/>
+                                </a:rPr>
+                              </m:ctrlPr>
+                            </m:sSubPr>
+                            <m:e>
+                              <m:r>
+                                <m:rPr>
+                                  <m:sty m:val="p"/>
+                                </m:rPr>
+                                <a:rPr lang="en-US" sz="1800" b="0">
+                                  <a:effectLst/>
+                                  <a:latin typeface="Cambria Math" panose="02040503050406030204" pitchFamily="18" charset="0"/>
+                                  <a:ea typeface="Calibri" panose="020F0502020204030204" pitchFamily="34" charset="0"/>
+                                  <a:cs typeface="Times New Roman" panose="02020603050405020304" pitchFamily="18" charset="0"/>
+                                </a:rPr>
+                                <m:t>h</m:t>
+                              </m:r>
+                            </m:e>
+                            <m:sub>
+                              <m:r>
+                                <m:rPr>
+                                  <m:sty m:val="p"/>
+                                </m:rPr>
+                                <a:rPr lang="en-US" sz="1800" b="0">
+                                  <a:effectLst/>
+                                  <a:latin typeface="Cambria Math" panose="02040503050406030204" pitchFamily="18" charset="0"/>
+                                  <a:ea typeface="Calibri" panose="020F0502020204030204" pitchFamily="34" charset="0"/>
+                                  <a:cs typeface="Times New Roman" panose="02020603050405020304" pitchFamily="18" charset="0"/>
+                                </a:rPr>
+                                <m:t>i</m:t>
+                              </m:r>
+                            </m:sub>
+                          </m:sSub>
+                          <m:r>
+                            <a:rPr lang="en-US" sz="1800" b="0" i="1">
+                              <a:effectLst/>
+                              <a:latin typeface="Cambria Math" panose="02040503050406030204" pitchFamily="18" charset="0"/>
+                              <a:ea typeface="Calibri" panose="020F0502020204030204" pitchFamily="34" charset="0"/>
+                              <a:cs typeface="Times New Roman" panose="02020603050405020304" pitchFamily="18" charset="0"/>
+                            </a:rPr>
+                            <m:t>∗</m:t>
+                          </m:r>
+                          <m:r>
+                            <m:rPr>
+                              <m:sty m:val="p"/>
+                            </m:rPr>
+                            <a:rPr lang="en-US" sz="1800" b="0">
+                              <a:effectLst/>
+                              <a:latin typeface="Cambria Math" panose="02040503050406030204" pitchFamily="18" charset="0"/>
+                              <a:ea typeface="Calibri" panose="020F0502020204030204" pitchFamily="34" charset="0"/>
+                              <a:cs typeface="Times New Roman" panose="02020603050405020304" pitchFamily="18" charset="0"/>
+                            </a:rPr>
+                            <m:t>A</m:t>
+                          </m:r>
+                        </m:den>
+                      </m:f>
+                      <m:r>
+                        <a:rPr lang="en-US" sz="1800" b="0">
+                          <a:effectLst/>
+                          <a:latin typeface="Cambria Math" panose="02040503050406030204" pitchFamily="18" charset="0"/>
+                          <a:ea typeface="Calibri" panose="020F0502020204030204" pitchFamily="34" charset="0"/>
+                          <a:cs typeface="Times New Roman" panose="02020603050405020304" pitchFamily="18" charset="0"/>
+                        </a:rPr>
+                        <m:t>+</m:t>
+                      </m:r>
+                      <m:f>
+                        <m:fPr>
+                          <m:ctrlPr>
+                            <a:rPr lang="en-US" sz="1800" i="1">
+                              <a:effectLst/>
+                              <a:latin typeface="Cambria Math" panose="02040503050406030204" pitchFamily="18" charset="0"/>
+                              <a:ea typeface="Calibri" panose="020F0502020204030204" pitchFamily="34" charset="0"/>
+                              <a:cs typeface="Times New Roman" panose="02020603050405020304" pitchFamily="18" charset="0"/>
+                            </a:rPr>
+                          </m:ctrlPr>
+                        </m:fPr>
+                        <m:num>
+                          <m:sSub>
+                            <m:sSubPr>
+                              <m:ctrlPr>
+                                <a:rPr lang="en-US" sz="1800" i="1">
+                                  <a:effectLst/>
+                                  <a:latin typeface="Cambria Math" panose="02040503050406030204" pitchFamily="18" charset="0"/>
+                                  <a:ea typeface="Calibri" panose="020F0502020204030204" pitchFamily="34" charset="0"/>
+                                  <a:cs typeface="Times New Roman" panose="02020603050405020304" pitchFamily="18" charset="0"/>
+                                </a:rPr>
+                              </m:ctrlPr>
+                            </m:sSubPr>
+                            <m:e>
+                              <m:r>
+                                <m:rPr>
+                                  <m:sty m:val="p"/>
+                                </m:rPr>
+                                <a:rPr lang="en-US" sz="1800" b="0">
+                                  <a:effectLst/>
+                                  <a:latin typeface="Cambria Math" panose="02040503050406030204" pitchFamily="18" charset="0"/>
+                                  <a:ea typeface="Calibri" panose="020F0502020204030204" pitchFamily="34" charset="0"/>
+                                  <a:cs typeface="Times New Roman" panose="02020603050405020304" pitchFamily="18" charset="0"/>
+                                </a:rPr>
+                                <m:t>L</m:t>
+                              </m:r>
+                            </m:e>
+                            <m:sub>
+                              <m:r>
+                                <m:rPr>
+                                  <m:sty m:val="p"/>
+                                </m:rPr>
+                                <a:rPr lang="en-US" sz="1800" b="0">
+                                  <a:effectLst/>
+                                  <a:latin typeface="Cambria Math" panose="02040503050406030204" pitchFamily="18" charset="0"/>
+                                  <a:ea typeface="Calibri" panose="020F0502020204030204" pitchFamily="34" charset="0"/>
+                                  <a:cs typeface="Times New Roman" panose="02020603050405020304" pitchFamily="18" charset="0"/>
+                                </a:rPr>
+                                <m:t>fiberglass</m:t>
+                              </m:r>
+                            </m:sub>
+                          </m:sSub>
+                        </m:num>
+                        <m:den>
+                          <m:sSub>
+                            <m:sSubPr>
+                              <m:ctrlPr>
+                                <a:rPr lang="en-US" sz="1800" i="1">
+                                  <a:effectLst/>
+                                  <a:latin typeface="Cambria Math" panose="02040503050406030204" pitchFamily="18" charset="0"/>
+                                  <a:ea typeface="Calibri" panose="020F0502020204030204" pitchFamily="34" charset="0"/>
+                                  <a:cs typeface="Times New Roman" panose="02020603050405020304" pitchFamily="18" charset="0"/>
+                                </a:rPr>
+                              </m:ctrlPr>
+                            </m:sSubPr>
+                            <m:e>
+                              <m:r>
+                                <m:rPr>
+                                  <m:sty m:val="p"/>
+                                </m:rPr>
+                                <a:rPr lang="en-US" sz="1800" b="0">
+                                  <a:effectLst/>
+                                  <a:latin typeface="Cambria Math" panose="02040503050406030204" pitchFamily="18" charset="0"/>
+                                  <a:ea typeface="Calibri" panose="020F0502020204030204" pitchFamily="34" charset="0"/>
+                                  <a:cs typeface="Times New Roman" panose="02020603050405020304" pitchFamily="18" charset="0"/>
+                                </a:rPr>
+                                <m:t>K</m:t>
+                              </m:r>
+                            </m:e>
+                            <m:sub>
+                              <m:r>
+                                <m:rPr>
+                                  <m:sty m:val="p"/>
+                                </m:rPr>
+                                <a:rPr lang="en-US" sz="1800" b="0">
+                                  <a:effectLst/>
+                                  <a:latin typeface="Cambria Math" panose="02040503050406030204" pitchFamily="18" charset="0"/>
+                                  <a:ea typeface="Calibri" panose="020F0502020204030204" pitchFamily="34" charset="0"/>
+                                  <a:cs typeface="Times New Roman" panose="02020603050405020304" pitchFamily="18" charset="0"/>
+                                </a:rPr>
+                                <m:t>fiberglass</m:t>
+                              </m:r>
+                            </m:sub>
+                          </m:sSub>
+                          <m:r>
+                            <a:rPr lang="en-US" sz="1800" b="0" i="1">
+                              <a:effectLst/>
+                              <a:latin typeface="Cambria Math" panose="02040503050406030204" pitchFamily="18" charset="0"/>
+                              <a:ea typeface="Calibri" panose="020F0502020204030204" pitchFamily="34" charset="0"/>
+                              <a:cs typeface="Times New Roman" panose="02020603050405020304" pitchFamily="18" charset="0"/>
+                            </a:rPr>
+                            <m:t>∗</m:t>
+                          </m:r>
+                          <m:r>
+                            <m:rPr>
+                              <m:sty m:val="p"/>
+                            </m:rPr>
+                            <a:rPr lang="en-US" sz="1800" b="0">
+                              <a:effectLst/>
+                              <a:latin typeface="Cambria Math" panose="02040503050406030204" pitchFamily="18" charset="0"/>
+                              <a:ea typeface="Calibri" panose="020F0502020204030204" pitchFamily="34" charset="0"/>
+                              <a:cs typeface="Times New Roman" panose="02020603050405020304" pitchFamily="18" charset="0"/>
+                            </a:rPr>
+                            <m:t>A</m:t>
+                          </m:r>
+                        </m:den>
+                      </m:f>
+                      <m:r>
+                        <a:rPr lang="en-US" sz="1800" b="0">
+                          <a:effectLst/>
+                          <a:latin typeface="Cambria Math" panose="02040503050406030204" pitchFamily="18" charset="0"/>
+                          <a:ea typeface="Calibri" panose="020F0502020204030204" pitchFamily="34" charset="0"/>
+                          <a:cs typeface="Times New Roman" panose="02020603050405020304" pitchFamily="18" charset="0"/>
+                        </a:rPr>
+                        <m:t>+</m:t>
+                      </m:r>
+                      <m:f>
+                        <m:fPr>
+                          <m:ctrlPr>
+                            <a:rPr lang="en-US" sz="1800" i="1">
+                              <a:effectLst/>
+                              <a:latin typeface="Cambria Math" panose="02040503050406030204" pitchFamily="18" charset="0"/>
+                              <a:ea typeface="Calibri" panose="020F0502020204030204" pitchFamily="34" charset="0"/>
+                              <a:cs typeface="Times New Roman" panose="02020603050405020304" pitchFamily="18" charset="0"/>
+                            </a:rPr>
+                          </m:ctrlPr>
+                        </m:fPr>
+                        <m:num>
+                          <m:sSub>
+                            <m:sSubPr>
+                              <m:ctrlPr>
+                                <a:rPr lang="en-US" sz="1800" i="1">
+                                  <a:effectLst/>
+                                  <a:latin typeface="Cambria Math" panose="02040503050406030204" pitchFamily="18" charset="0"/>
+                                  <a:ea typeface="Calibri" panose="020F0502020204030204" pitchFamily="34" charset="0"/>
+                                  <a:cs typeface="Times New Roman" panose="02020603050405020304" pitchFamily="18" charset="0"/>
+                                </a:rPr>
+                              </m:ctrlPr>
+                            </m:sSubPr>
+                            <m:e>
+                              <m:r>
+                                <m:rPr>
+                                  <m:sty m:val="p"/>
+                                </m:rPr>
+                                <a:rPr lang="en-US" sz="1800" b="0">
+                                  <a:effectLst/>
+                                  <a:latin typeface="Cambria Math" panose="02040503050406030204" pitchFamily="18" charset="0"/>
+                                  <a:ea typeface="Calibri" panose="020F0502020204030204" pitchFamily="34" charset="0"/>
+                                  <a:cs typeface="Times New Roman" panose="02020603050405020304" pitchFamily="18" charset="0"/>
+                                </a:rPr>
+                                <m:t>L</m:t>
+                              </m:r>
+                            </m:e>
+                            <m:sub>
+                              <m:r>
+                                <m:rPr>
+                                  <m:sty m:val="p"/>
+                                </m:rPr>
+                                <a:rPr lang="en-US" sz="1800" b="0">
+                                  <a:effectLst/>
+                                  <a:latin typeface="Cambria Math" panose="02040503050406030204" pitchFamily="18" charset="0"/>
+                                  <a:ea typeface="Calibri" panose="020F0502020204030204" pitchFamily="34" charset="0"/>
+                                  <a:cs typeface="Times New Roman" panose="02020603050405020304" pitchFamily="18" charset="0"/>
+                                </a:rPr>
+                                <m:t>wood</m:t>
+                              </m:r>
+                            </m:sub>
+                          </m:sSub>
+                        </m:num>
+                        <m:den>
+                          <m:sSub>
+                            <m:sSubPr>
+                              <m:ctrlPr>
+                                <a:rPr lang="en-US" sz="1800" i="1">
+                                  <a:effectLst/>
+                                  <a:latin typeface="Cambria Math" panose="02040503050406030204" pitchFamily="18" charset="0"/>
+                                  <a:ea typeface="Calibri" panose="020F0502020204030204" pitchFamily="34" charset="0"/>
+                                  <a:cs typeface="Times New Roman" panose="02020603050405020304" pitchFamily="18" charset="0"/>
+                                </a:rPr>
+                              </m:ctrlPr>
+                            </m:sSubPr>
+                            <m:e>
+                              <m:r>
+                                <m:rPr>
+                                  <m:sty m:val="p"/>
+                                </m:rPr>
+                                <a:rPr lang="en-US" sz="1800" b="0">
+                                  <a:effectLst/>
+                                  <a:latin typeface="Cambria Math" panose="02040503050406030204" pitchFamily="18" charset="0"/>
+                                  <a:ea typeface="Calibri" panose="020F0502020204030204" pitchFamily="34" charset="0"/>
+                                  <a:cs typeface="Times New Roman" panose="02020603050405020304" pitchFamily="18" charset="0"/>
+                                </a:rPr>
+                                <m:t>K</m:t>
+                              </m:r>
+                            </m:e>
+                            <m:sub>
+                              <m:r>
+                                <m:rPr>
+                                  <m:sty m:val="p"/>
+                                </m:rPr>
+                                <a:rPr lang="en-US" sz="1800" b="0">
+                                  <a:effectLst/>
+                                  <a:latin typeface="Cambria Math" panose="02040503050406030204" pitchFamily="18" charset="0"/>
+                                  <a:ea typeface="Calibri" panose="020F0502020204030204" pitchFamily="34" charset="0"/>
+                                  <a:cs typeface="Times New Roman" panose="02020603050405020304" pitchFamily="18" charset="0"/>
+                                </a:rPr>
+                                <m:t>wood</m:t>
+                              </m:r>
+                            </m:sub>
+                          </m:sSub>
+                          <m:r>
+                            <a:rPr lang="en-US" sz="1800" b="0" i="1">
+                              <a:effectLst/>
+                              <a:latin typeface="Cambria Math" panose="02040503050406030204" pitchFamily="18" charset="0"/>
+                              <a:ea typeface="Calibri" panose="020F0502020204030204" pitchFamily="34" charset="0"/>
+                              <a:cs typeface="Times New Roman" panose="02020603050405020304" pitchFamily="18" charset="0"/>
+                            </a:rPr>
+                            <m:t>∗</m:t>
+                          </m:r>
+                          <m:r>
+                            <m:rPr>
+                              <m:sty m:val="p"/>
+                            </m:rPr>
+                            <a:rPr lang="en-US" sz="1800" b="0">
+                              <a:effectLst/>
+                              <a:latin typeface="Cambria Math" panose="02040503050406030204" pitchFamily="18" charset="0"/>
+                              <a:ea typeface="Calibri" panose="020F0502020204030204" pitchFamily="34" charset="0"/>
+                              <a:cs typeface="Times New Roman" panose="02020603050405020304" pitchFamily="18" charset="0"/>
+                            </a:rPr>
+                            <m:t>A</m:t>
+                          </m:r>
+                        </m:den>
+                      </m:f>
+                      <m:r>
+                        <a:rPr lang="en-US" sz="1800" b="0">
+                          <a:effectLst/>
+                          <a:latin typeface="Cambria Math" panose="02040503050406030204" pitchFamily="18" charset="0"/>
+                          <a:ea typeface="Calibri" panose="020F0502020204030204" pitchFamily="34" charset="0"/>
+                          <a:cs typeface="Times New Roman" panose="02020603050405020304" pitchFamily="18" charset="0"/>
+                        </a:rPr>
+                        <m:t>+</m:t>
+                      </m:r>
+                      <m:f>
+                        <m:fPr>
+                          <m:ctrlPr>
+                            <a:rPr lang="en-US" sz="1800" i="1">
+                              <a:effectLst/>
+                              <a:latin typeface="Cambria Math" panose="02040503050406030204" pitchFamily="18" charset="0"/>
+                              <a:ea typeface="Calibri" panose="020F0502020204030204" pitchFamily="34" charset="0"/>
+                              <a:cs typeface="Times New Roman" panose="02020603050405020304" pitchFamily="18" charset="0"/>
+                            </a:rPr>
+                          </m:ctrlPr>
+                        </m:fPr>
+                        <m:num>
+                          <m:r>
+                            <a:rPr lang="en-US" sz="1800" b="0">
+                              <a:effectLst/>
+                              <a:latin typeface="Cambria Math" panose="02040503050406030204" pitchFamily="18" charset="0"/>
+                              <a:ea typeface="Calibri" panose="020F0502020204030204" pitchFamily="34" charset="0"/>
+                              <a:cs typeface="Times New Roman" panose="02020603050405020304" pitchFamily="18" charset="0"/>
+                            </a:rPr>
+                            <m:t>1</m:t>
+                          </m:r>
+                        </m:num>
+                        <m:den>
+                          <m:sSub>
+                            <m:sSubPr>
+                              <m:ctrlPr>
+                                <a:rPr lang="en-US" sz="1800" i="1">
+                                  <a:effectLst/>
+                                  <a:latin typeface="Cambria Math" panose="02040503050406030204" pitchFamily="18" charset="0"/>
+                                  <a:ea typeface="Calibri" panose="020F0502020204030204" pitchFamily="34" charset="0"/>
+                                  <a:cs typeface="Times New Roman" panose="02020603050405020304" pitchFamily="18" charset="0"/>
+                                </a:rPr>
+                              </m:ctrlPr>
+                            </m:sSubPr>
+                            <m:e>
+                              <m:r>
+                                <m:rPr>
+                                  <m:sty m:val="p"/>
+                                </m:rPr>
+                                <a:rPr lang="en-US" sz="1800" b="0">
+                                  <a:effectLst/>
+                                  <a:latin typeface="Cambria Math" panose="02040503050406030204" pitchFamily="18" charset="0"/>
+                                  <a:ea typeface="Calibri" panose="020F0502020204030204" pitchFamily="34" charset="0"/>
+                                  <a:cs typeface="Times New Roman" panose="02020603050405020304" pitchFamily="18" charset="0"/>
+                                </a:rPr>
+                                <m:t>h</m:t>
+                              </m:r>
+                            </m:e>
+                            <m:sub>
+                              <m:r>
+                                <m:rPr>
+                                  <m:sty m:val="p"/>
+                                </m:rPr>
+                                <a:rPr lang="en-US" sz="1800" b="0">
+                                  <a:effectLst/>
+                                  <a:latin typeface="Cambria Math" panose="02040503050406030204" pitchFamily="18" charset="0"/>
+                                  <a:ea typeface="Calibri" panose="020F0502020204030204" pitchFamily="34" charset="0"/>
+                                  <a:cs typeface="Times New Roman" panose="02020603050405020304" pitchFamily="18" charset="0"/>
+                                </a:rPr>
+                                <m:t>o</m:t>
+                              </m:r>
+                            </m:sub>
+                          </m:sSub>
+                          <m:r>
+                            <a:rPr lang="en-US" sz="1800" b="0" i="1">
+                              <a:effectLst/>
+                              <a:latin typeface="Cambria Math" panose="02040503050406030204" pitchFamily="18" charset="0"/>
+                              <a:ea typeface="Calibri" panose="020F0502020204030204" pitchFamily="34" charset="0"/>
+                              <a:cs typeface="Times New Roman" panose="02020603050405020304" pitchFamily="18" charset="0"/>
+                            </a:rPr>
+                            <m:t>∗</m:t>
+                          </m:r>
+                          <m:r>
+                            <m:rPr>
+                              <m:sty m:val="p"/>
+                            </m:rPr>
+                            <a:rPr lang="en-US" sz="1800" b="0">
+                              <a:effectLst/>
+                              <a:latin typeface="Cambria Math" panose="02040503050406030204" pitchFamily="18" charset="0"/>
+                              <a:ea typeface="Calibri" panose="020F0502020204030204" pitchFamily="34" charset="0"/>
+                              <a:cs typeface="Times New Roman" panose="02020603050405020304" pitchFamily="18" charset="0"/>
+                            </a:rPr>
+                            <m:t>A</m:t>
+                          </m:r>
+                        </m:den>
+                      </m:f>
+                      <m:r>
+                        <a:rPr lang="en-US" sz="1800" b="0" i="1">
+                          <a:effectLst/>
+                          <a:latin typeface="Cambria Math" panose="02040503050406030204" pitchFamily="18" charset="0"/>
+                          <a:ea typeface="Calibri" panose="020F0502020204030204" pitchFamily="34" charset="0"/>
+                          <a:cs typeface="Times New Roman" panose="02020603050405020304" pitchFamily="18" charset="0"/>
+                        </a:rPr>
+                        <m:t>=65.17</m:t>
+                      </m:r>
+                    </m:oMath>
+                  </m:oMathPara>
+                </a14:m>
+                <a:endParaRPr lang="en-US" sz="1800" dirty="0">
+                  <a:effectLst/>
+                  <a:latin typeface="Calibri" panose="020F0502020204030204" pitchFamily="34" charset="0"/>
+                  <a:ea typeface="Calibri" panose="020F0502020204030204" pitchFamily="34" charset="0"/>
+                  <a:cs typeface="Times New Roman" panose="02020603050405020304" pitchFamily="18" charset="0"/>
+                </a:endParaRPr>
+              </a:p>
+              <a:p>
+                <a:pPr/>
+                <a:endParaRPr lang="en-US" dirty="0"/>
+              </a:p>
+            </p:txBody>
+          </p:sp>
+        </mc:Choice>
+        <mc:Fallback>
+          <p:sp>
+            <p:nvSpPr>
+              <p:cNvPr id="9" name="TextBox 8">
+                <a:extLst>
+                  <a:ext uri="{FF2B5EF4-FFF2-40B4-BE49-F238E27FC236}">
+                    <a16:creationId xmlns:a16="http://schemas.microsoft.com/office/drawing/2014/main" id="{D63E50A4-99B0-4A63-A558-4C28867D4F7B}"/>
+                  </a:ext>
+                </a:extLst>
+              </p:cNvPr>
+              <p:cNvSpPr txBox="1">
+                <a:spLocks noRot="1" noChangeAspect="1" noMove="1" noResize="1" noEditPoints="1" noAdjustHandles="1" noChangeArrowheads="1" noChangeShapeType="1" noTextEdit="1"/>
+              </p:cNvSpPr>
+              <p:nvPr/>
+            </p:nvSpPr>
+            <p:spPr>
+              <a:xfrm>
+                <a:off x="1164684" y="4272314"/>
+                <a:ext cx="10002768" cy="1548886"/>
+              </a:xfrm>
+              <a:prstGeom prst="rect">
+                <a:avLst/>
+              </a:prstGeom>
+              <a:blipFill>
+                <a:blip r:embed="rId5"/>
+                <a:stretch>
+                  <a:fillRect/>
+                </a:stretch>
+              </a:blipFill>
+            </p:spPr>
+            <p:txBody>
+              <a:bodyPr/>
+              <a:lstStyle/>
+              <a:p>
+                <a:r>
+                  <a:rPr lang="en-US">
+                    <a:noFill/>
+                  </a:rPr>
+                  <a:t> </a:t>
+                </a:r>
+              </a:p>
+            </p:txBody>
+          </p:sp>
+        </mc:Fallback>
+      </mc:AlternateContent>
+      <p:graphicFrame>
+        <p:nvGraphicFramePr>
+          <p:cNvPr id="14" name="Table 13">
+            <a:extLst>
+              <a:ext uri="{FF2B5EF4-FFF2-40B4-BE49-F238E27FC236}">
+                <a16:creationId xmlns:a16="http://schemas.microsoft.com/office/drawing/2014/main" id="{98B0B756-25C1-438C-83DE-8C45447E9681}"/>
+              </a:ext>
+            </a:extLst>
+          </p:cNvPr>
+          <p:cNvGraphicFramePr>
+            <a:graphicFrameLocks noGrp="1"/>
+          </p:cNvGraphicFramePr>
+          <p:nvPr>
+            <p:extLst>
+              <p:ext uri="{D42A27DB-BD31-4B8C-83A1-F6EECF244321}">
+                <p14:modId xmlns:p14="http://schemas.microsoft.com/office/powerpoint/2010/main" val="3749175772"/>
+              </p:ext>
+            </p:extLst>
+          </p:nvPr>
+        </p:nvGraphicFramePr>
+        <p:xfrm>
+          <a:off x="158750" y="1224486"/>
+          <a:ext cx="5937250" cy="2571750"/>
+        </p:xfrm>
+        <a:graphic>
+          <a:graphicData uri="http://schemas.openxmlformats.org/drawingml/2006/table">
+            <a:tbl>
+              <a:tblPr firstRow="1" firstCol="1" bandRow="1">
+                <a:tableStyleId>{5C22544A-7EE6-4342-B048-85BDC9FD1C3A}</a:tableStyleId>
+              </a:tblPr>
+              <a:tblGrid>
+                <a:gridCol w="1483995">
+                  <a:extLst>
+                    <a:ext uri="{9D8B030D-6E8A-4147-A177-3AD203B41FA5}">
+                      <a16:colId xmlns:a16="http://schemas.microsoft.com/office/drawing/2014/main" val="4198769938"/>
+                    </a:ext>
+                  </a:extLst>
+                </a:gridCol>
+                <a:gridCol w="1027430">
+                  <a:extLst>
+                    <a:ext uri="{9D8B030D-6E8A-4147-A177-3AD203B41FA5}">
+                      <a16:colId xmlns:a16="http://schemas.microsoft.com/office/drawing/2014/main" val="3599870019"/>
+                    </a:ext>
+                  </a:extLst>
+                </a:gridCol>
+                <a:gridCol w="914400">
+                  <a:extLst>
+                    <a:ext uri="{9D8B030D-6E8A-4147-A177-3AD203B41FA5}">
+                      <a16:colId xmlns:a16="http://schemas.microsoft.com/office/drawing/2014/main" val="2564953585"/>
+                    </a:ext>
+                  </a:extLst>
+                </a:gridCol>
+                <a:gridCol w="2511425">
+                  <a:extLst>
+                    <a:ext uri="{9D8B030D-6E8A-4147-A177-3AD203B41FA5}">
+                      <a16:colId xmlns:a16="http://schemas.microsoft.com/office/drawing/2014/main" val="3703327552"/>
+                    </a:ext>
+                  </a:extLst>
+                </a:gridCol>
+              </a:tblGrid>
+              <a:tr h="0">
+                <a:tc>
+                  <a:txBody>
+                    <a:bodyPr/>
+                    <a:lstStyle/>
+                    <a:p>
+                      <a:pPr marL="0" marR="0">
+                        <a:lnSpc>
+                          <a:spcPct val="107000"/>
+                        </a:lnSpc>
+                        <a:spcBef>
+                          <a:spcPts val="0"/>
+                        </a:spcBef>
+                        <a:spcAft>
+                          <a:spcPts val="0"/>
+                        </a:spcAft>
+                      </a:pPr>
+                      <a:r>
+                        <a:rPr lang="en-US" sz="1100">
+                          <a:effectLst/>
+                        </a:rPr>
+                        <a:t>Variable</a:t>
+                      </a:r>
+                      <a:endParaRPr lang="en-US" sz="1100">
+                        <a:effectLst/>
+                        <a:latin typeface="Calibri" panose="020F0502020204030204" pitchFamily="34" charset="0"/>
+                        <a:ea typeface="Calibri" panose="020F0502020204030204" pitchFamily="34" charset="0"/>
+                        <a:cs typeface="Times New Roman" panose="02020603050405020304" pitchFamily="18" charset="0"/>
+                      </a:endParaRPr>
+                    </a:p>
+                  </a:txBody>
+                  <a:tcPr marL="68580" marR="68580" marT="0" marB="0"/>
+                </a:tc>
+                <a:tc>
+                  <a:txBody>
+                    <a:bodyPr/>
+                    <a:lstStyle/>
+                    <a:p>
+                      <a:pPr marL="0" marR="0">
+                        <a:lnSpc>
+                          <a:spcPct val="107000"/>
+                        </a:lnSpc>
+                        <a:spcBef>
+                          <a:spcPts val="0"/>
+                        </a:spcBef>
+                        <a:spcAft>
+                          <a:spcPts val="0"/>
+                        </a:spcAft>
+                      </a:pPr>
+                      <a:r>
+                        <a:rPr lang="en-US" sz="1100">
+                          <a:effectLst/>
+                        </a:rPr>
+                        <a:t>Value</a:t>
+                      </a:r>
+                      <a:endParaRPr lang="en-US" sz="1100">
+                        <a:effectLst/>
+                        <a:latin typeface="Calibri" panose="020F0502020204030204" pitchFamily="34" charset="0"/>
+                        <a:ea typeface="Calibri" panose="020F0502020204030204" pitchFamily="34" charset="0"/>
+                        <a:cs typeface="Times New Roman" panose="02020603050405020304" pitchFamily="18" charset="0"/>
+                      </a:endParaRPr>
+                    </a:p>
+                  </a:txBody>
+                  <a:tcPr marL="68580" marR="68580" marT="0" marB="0"/>
+                </a:tc>
+                <a:tc>
+                  <a:txBody>
+                    <a:bodyPr/>
+                    <a:lstStyle/>
+                    <a:p>
+                      <a:pPr marL="0" marR="0">
+                        <a:lnSpc>
+                          <a:spcPct val="107000"/>
+                        </a:lnSpc>
+                        <a:spcBef>
+                          <a:spcPts val="0"/>
+                        </a:spcBef>
+                        <a:spcAft>
+                          <a:spcPts val="0"/>
+                        </a:spcAft>
+                      </a:pPr>
+                      <a:r>
+                        <a:rPr lang="en-US" sz="1100">
+                          <a:effectLst/>
+                        </a:rPr>
+                        <a:t>Units</a:t>
+                      </a:r>
+                      <a:endParaRPr lang="en-US" sz="1100">
+                        <a:effectLst/>
+                        <a:latin typeface="Calibri" panose="020F0502020204030204" pitchFamily="34" charset="0"/>
+                        <a:ea typeface="Calibri" panose="020F0502020204030204" pitchFamily="34" charset="0"/>
+                        <a:cs typeface="Times New Roman" panose="02020603050405020304" pitchFamily="18" charset="0"/>
+                      </a:endParaRPr>
+                    </a:p>
+                  </a:txBody>
+                  <a:tcPr marL="68580" marR="68580" marT="0" marB="0"/>
+                </a:tc>
+                <a:tc>
+                  <a:txBody>
+                    <a:bodyPr/>
+                    <a:lstStyle/>
+                    <a:p>
+                      <a:pPr marL="0" marR="0">
+                        <a:lnSpc>
+                          <a:spcPct val="107000"/>
+                        </a:lnSpc>
+                        <a:spcBef>
+                          <a:spcPts val="0"/>
+                        </a:spcBef>
+                        <a:spcAft>
+                          <a:spcPts val="0"/>
+                        </a:spcAft>
+                      </a:pPr>
+                      <a:r>
+                        <a:rPr lang="en-US" sz="1100">
+                          <a:effectLst/>
+                        </a:rPr>
+                        <a:t>Name</a:t>
+                      </a:r>
+                      <a:endParaRPr lang="en-US" sz="1100">
+                        <a:effectLst/>
+                        <a:latin typeface="Calibri" panose="020F0502020204030204" pitchFamily="34" charset="0"/>
+                        <a:ea typeface="Calibri" panose="020F0502020204030204" pitchFamily="34" charset="0"/>
+                        <a:cs typeface="Times New Roman" panose="02020603050405020304" pitchFamily="18" charset="0"/>
+                      </a:endParaRPr>
+                    </a:p>
+                  </a:txBody>
+                  <a:tcPr marL="68580" marR="68580" marT="0" marB="0"/>
+                </a:tc>
+                <a:extLst>
+                  <a:ext uri="{0D108BD9-81ED-4DB2-BD59-A6C34878D82A}">
+                    <a16:rowId xmlns:a16="http://schemas.microsoft.com/office/drawing/2014/main" val="2158045402"/>
+                  </a:ext>
+                </a:extLst>
+              </a:tr>
+              <a:tr h="0">
+                <a:tc>
+                  <a:txBody>
+                    <a:bodyPr/>
+                    <a:lstStyle/>
+                    <a:p>
+                      <a:pPr marL="0" marR="0">
+                        <a:lnSpc>
+                          <a:spcPct val="107000"/>
+                        </a:lnSpc>
+                        <a:spcBef>
+                          <a:spcPts val="0"/>
+                        </a:spcBef>
+                        <a:spcAft>
+                          <a:spcPts val="0"/>
+                        </a:spcAft>
+                      </a:pPr>
+                      <a:r>
+                        <a:rPr lang="en-US" sz="1100">
+                          <a:effectLst/>
+                        </a:rPr>
+                        <a:t>T­</a:t>
+                      </a:r>
+                      <a:r>
+                        <a:rPr lang="en-US" sz="1100" baseline="-25000">
+                          <a:effectLst/>
+                        </a:rPr>
+                        <a:t>i</a:t>
+                      </a:r>
+                      <a:endParaRPr lang="en-US" sz="1100">
+                        <a:effectLst/>
+                        <a:latin typeface="Calibri" panose="020F0502020204030204" pitchFamily="34" charset="0"/>
+                        <a:ea typeface="Calibri" panose="020F0502020204030204" pitchFamily="34" charset="0"/>
+                        <a:cs typeface="Times New Roman" panose="02020603050405020304" pitchFamily="18" charset="0"/>
+                      </a:endParaRPr>
+                    </a:p>
+                  </a:txBody>
+                  <a:tcPr marL="68580" marR="68580" marT="0" marB="0"/>
+                </a:tc>
+                <a:tc>
+                  <a:txBody>
+                    <a:bodyPr/>
+                    <a:lstStyle/>
+                    <a:p>
+                      <a:pPr marL="0" marR="0">
+                        <a:lnSpc>
+                          <a:spcPct val="107000"/>
+                        </a:lnSpc>
+                        <a:spcBef>
+                          <a:spcPts val="0"/>
+                        </a:spcBef>
+                        <a:spcAft>
+                          <a:spcPts val="0"/>
+                        </a:spcAft>
+                      </a:pPr>
+                      <a:r>
+                        <a:rPr lang="en-US" sz="1100">
+                          <a:effectLst/>
+                        </a:rPr>
+                        <a:t>80</a:t>
+                      </a:r>
+                      <a:endParaRPr lang="en-US" sz="1100">
+                        <a:effectLst/>
+                        <a:latin typeface="Calibri" panose="020F0502020204030204" pitchFamily="34" charset="0"/>
+                        <a:ea typeface="Calibri" panose="020F0502020204030204" pitchFamily="34" charset="0"/>
+                        <a:cs typeface="Times New Roman" panose="02020603050405020304" pitchFamily="18" charset="0"/>
+                      </a:endParaRPr>
+                    </a:p>
+                  </a:txBody>
+                  <a:tcPr marL="68580" marR="68580" marT="0" marB="0"/>
+                </a:tc>
+                <a:tc>
+                  <a:txBody>
+                    <a:bodyPr/>
+                    <a:lstStyle/>
+                    <a:p>
+                      <a:pPr marL="0" marR="0">
+                        <a:lnSpc>
+                          <a:spcPct val="107000"/>
+                        </a:lnSpc>
+                        <a:spcBef>
+                          <a:spcPts val="0"/>
+                        </a:spcBef>
+                        <a:spcAft>
+                          <a:spcPts val="0"/>
+                        </a:spcAft>
+                      </a:pPr>
+                      <a:r>
+                        <a:rPr lang="en-US" sz="1100">
+                          <a:effectLst/>
+                        </a:rPr>
+                        <a:t>C</a:t>
+                      </a:r>
+                      <a:endParaRPr lang="en-US" sz="1100">
+                        <a:effectLst/>
+                        <a:latin typeface="Calibri" panose="020F0502020204030204" pitchFamily="34" charset="0"/>
+                        <a:ea typeface="Calibri" panose="020F0502020204030204" pitchFamily="34" charset="0"/>
+                        <a:cs typeface="Times New Roman" panose="02020603050405020304" pitchFamily="18" charset="0"/>
+                      </a:endParaRPr>
+                    </a:p>
+                  </a:txBody>
+                  <a:tcPr marL="68580" marR="68580" marT="0" marB="0"/>
+                </a:tc>
+                <a:tc>
+                  <a:txBody>
+                    <a:bodyPr/>
+                    <a:lstStyle/>
+                    <a:p>
+                      <a:pPr marL="0" marR="0">
+                        <a:lnSpc>
+                          <a:spcPct val="107000"/>
+                        </a:lnSpc>
+                        <a:spcBef>
+                          <a:spcPts val="0"/>
+                        </a:spcBef>
+                        <a:spcAft>
+                          <a:spcPts val="0"/>
+                        </a:spcAft>
+                      </a:pPr>
+                      <a:r>
+                        <a:rPr lang="en-US" sz="1100">
+                          <a:effectLst/>
+                        </a:rPr>
+                        <a:t>Temperature inside</a:t>
+                      </a:r>
+                      <a:endParaRPr lang="en-US" sz="1100">
+                        <a:effectLst/>
+                        <a:latin typeface="Calibri" panose="020F0502020204030204" pitchFamily="34" charset="0"/>
+                        <a:ea typeface="Calibri" panose="020F0502020204030204" pitchFamily="34" charset="0"/>
+                        <a:cs typeface="Times New Roman" panose="02020603050405020304" pitchFamily="18" charset="0"/>
+                      </a:endParaRPr>
+                    </a:p>
+                  </a:txBody>
+                  <a:tcPr marL="68580" marR="68580" marT="0" marB="0"/>
+                </a:tc>
+                <a:extLst>
+                  <a:ext uri="{0D108BD9-81ED-4DB2-BD59-A6C34878D82A}">
+                    <a16:rowId xmlns:a16="http://schemas.microsoft.com/office/drawing/2014/main" val="3281257022"/>
+                  </a:ext>
+                </a:extLst>
+              </a:tr>
+              <a:tr h="0">
+                <a:tc>
+                  <a:txBody>
+                    <a:bodyPr/>
+                    <a:lstStyle/>
+                    <a:p>
+                      <a:pPr marL="0" marR="0">
+                        <a:lnSpc>
+                          <a:spcPct val="107000"/>
+                        </a:lnSpc>
+                        <a:spcBef>
+                          <a:spcPts val="0"/>
+                        </a:spcBef>
+                        <a:spcAft>
+                          <a:spcPts val="0"/>
+                        </a:spcAft>
+                      </a:pPr>
+                      <a:r>
+                        <a:rPr lang="en-US" sz="1100">
+                          <a:effectLst/>
+                        </a:rPr>
+                        <a:t>T</a:t>
+                      </a:r>
+                      <a:r>
+                        <a:rPr lang="en-US" sz="1100" baseline="-25000">
+                          <a:effectLst/>
+                        </a:rPr>
+                        <a:t>­o</a:t>
+                      </a:r>
+                      <a:endParaRPr lang="en-US" sz="1100">
+                        <a:effectLst/>
+                        <a:latin typeface="Calibri" panose="020F0502020204030204" pitchFamily="34" charset="0"/>
+                        <a:ea typeface="Calibri" panose="020F0502020204030204" pitchFamily="34" charset="0"/>
+                        <a:cs typeface="Times New Roman" panose="02020603050405020304" pitchFamily="18" charset="0"/>
+                      </a:endParaRPr>
+                    </a:p>
+                  </a:txBody>
+                  <a:tcPr marL="68580" marR="68580" marT="0" marB="0"/>
+                </a:tc>
+                <a:tc>
+                  <a:txBody>
+                    <a:bodyPr/>
+                    <a:lstStyle/>
+                    <a:p>
+                      <a:pPr marL="0" marR="0">
+                        <a:lnSpc>
+                          <a:spcPct val="107000"/>
+                        </a:lnSpc>
+                        <a:spcBef>
+                          <a:spcPts val="0"/>
+                        </a:spcBef>
+                        <a:spcAft>
+                          <a:spcPts val="0"/>
+                        </a:spcAft>
+                      </a:pPr>
+                      <a:r>
+                        <a:rPr lang="en-US" sz="1100">
+                          <a:effectLst/>
+                        </a:rPr>
+                        <a:t>22.2</a:t>
+                      </a:r>
+                      <a:endParaRPr lang="en-US" sz="1100">
+                        <a:effectLst/>
+                        <a:latin typeface="Calibri" panose="020F0502020204030204" pitchFamily="34" charset="0"/>
+                        <a:ea typeface="Calibri" panose="020F0502020204030204" pitchFamily="34" charset="0"/>
+                        <a:cs typeface="Times New Roman" panose="02020603050405020304" pitchFamily="18" charset="0"/>
+                      </a:endParaRPr>
+                    </a:p>
+                  </a:txBody>
+                  <a:tcPr marL="68580" marR="68580" marT="0" marB="0"/>
+                </a:tc>
+                <a:tc>
+                  <a:txBody>
+                    <a:bodyPr/>
+                    <a:lstStyle/>
+                    <a:p>
+                      <a:pPr marL="0" marR="0">
+                        <a:lnSpc>
+                          <a:spcPct val="107000"/>
+                        </a:lnSpc>
+                        <a:spcBef>
+                          <a:spcPts val="0"/>
+                        </a:spcBef>
+                        <a:spcAft>
+                          <a:spcPts val="0"/>
+                        </a:spcAft>
+                      </a:pPr>
+                      <a:r>
+                        <a:rPr lang="en-US" sz="1100">
+                          <a:effectLst/>
+                        </a:rPr>
+                        <a:t>C</a:t>
+                      </a:r>
+                      <a:endParaRPr lang="en-US" sz="1100">
+                        <a:effectLst/>
+                        <a:latin typeface="Calibri" panose="020F0502020204030204" pitchFamily="34" charset="0"/>
+                        <a:ea typeface="Calibri" panose="020F0502020204030204" pitchFamily="34" charset="0"/>
+                        <a:cs typeface="Times New Roman" panose="02020603050405020304" pitchFamily="18" charset="0"/>
+                      </a:endParaRPr>
+                    </a:p>
+                  </a:txBody>
+                  <a:tcPr marL="68580" marR="68580" marT="0" marB="0"/>
+                </a:tc>
+                <a:tc>
+                  <a:txBody>
+                    <a:bodyPr/>
+                    <a:lstStyle/>
+                    <a:p>
+                      <a:pPr marL="0" marR="0">
+                        <a:lnSpc>
+                          <a:spcPct val="107000"/>
+                        </a:lnSpc>
+                        <a:spcBef>
+                          <a:spcPts val="0"/>
+                        </a:spcBef>
+                        <a:spcAft>
+                          <a:spcPts val="0"/>
+                        </a:spcAft>
+                      </a:pPr>
+                      <a:r>
+                        <a:rPr lang="en-US" sz="1100">
+                          <a:effectLst/>
+                        </a:rPr>
+                        <a:t>Temperature outside</a:t>
+                      </a:r>
+                      <a:endParaRPr lang="en-US" sz="1100">
+                        <a:effectLst/>
+                        <a:latin typeface="Calibri" panose="020F0502020204030204" pitchFamily="34" charset="0"/>
+                        <a:ea typeface="Calibri" panose="020F0502020204030204" pitchFamily="34" charset="0"/>
+                        <a:cs typeface="Times New Roman" panose="02020603050405020304" pitchFamily="18" charset="0"/>
+                      </a:endParaRPr>
+                    </a:p>
+                  </a:txBody>
+                  <a:tcPr marL="68580" marR="68580" marT="0" marB="0"/>
+                </a:tc>
+                <a:extLst>
+                  <a:ext uri="{0D108BD9-81ED-4DB2-BD59-A6C34878D82A}">
+                    <a16:rowId xmlns:a16="http://schemas.microsoft.com/office/drawing/2014/main" val="42050068"/>
+                  </a:ext>
+                </a:extLst>
+              </a:tr>
+              <a:tr h="0">
+                <a:tc>
+                  <a:txBody>
+                    <a:bodyPr/>
+                    <a:lstStyle/>
+                    <a:p>
+                      <a:pPr marL="0" marR="0">
+                        <a:lnSpc>
+                          <a:spcPct val="107000"/>
+                        </a:lnSpc>
+                        <a:spcBef>
+                          <a:spcPts val="0"/>
+                        </a:spcBef>
+                        <a:spcAft>
+                          <a:spcPts val="0"/>
+                        </a:spcAft>
+                      </a:pPr>
+                      <a:r>
+                        <a:rPr lang="en-US" sz="1100">
+                          <a:effectLst/>
+                        </a:rPr>
+                        <a:t>C</a:t>
+                      </a:r>
+                      <a:r>
+                        <a:rPr lang="en-US" sz="1100" baseline="-25000">
+                          <a:effectLst/>
+                        </a:rPr>
+                        <a:t>height</a:t>
+                      </a:r>
+                      <a:endParaRPr lang="en-US" sz="1100">
+                        <a:effectLst/>
+                        <a:latin typeface="Calibri" panose="020F0502020204030204" pitchFamily="34" charset="0"/>
+                        <a:ea typeface="Calibri" panose="020F0502020204030204" pitchFamily="34" charset="0"/>
+                        <a:cs typeface="Times New Roman" panose="02020603050405020304" pitchFamily="18" charset="0"/>
+                      </a:endParaRPr>
+                    </a:p>
+                  </a:txBody>
+                  <a:tcPr marL="68580" marR="68580" marT="0" marB="0"/>
+                </a:tc>
+                <a:tc>
+                  <a:txBody>
+                    <a:bodyPr/>
+                    <a:lstStyle/>
+                    <a:p>
+                      <a:pPr marL="0" marR="0">
+                        <a:lnSpc>
+                          <a:spcPct val="107000"/>
+                        </a:lnSpc>
+                        <a:spcBef>
+                          <a:spcPts val="0"/>
+                        </a:spcBef>
+                        <a:spcAft>
+                          <a:spcPts val="0"/>
+                        </a:spcAft>
+                      </a:pPr>
+                      <a:r>
+                        <a:rPr lang="en-US" sz="1100">
+                          <a:effectLst/>
+                        </a:rPr>
+                        <a:t>1.651</a:t>
+                      </a:r>
+                      <a:endParaRPr lang="en-US" sz="1100">
+                        <a:effectLst/>
+                        <a:latin typeface="Calibri" panose="020F0502020204030204" pitchFamily="34" charset="0"/>
+                        <a:ea typeface="Calibri" panose="020F0502020204030204" pitchFamily="34" charset="0"/>
+                        <a:cs typeface="Times New Roman" panose="02020603050405020304" pitchFamily="18" charset="0"/>
+                      </a:endParaRPr>
+                    </a:p>
+                  </a:txBody>
+                  <a:tcPr marL="68580" marR="68580" marT="0" marB="0"/>
+                </a:tc>
+                <a:tc>
+                  <a:txBody>
+                    <a:bodyPr/>
+                    <a:lstStyle/>
+                    <a:p>
+                      <a:pPr marL="0" marR="0">
+                        <a:lnSpc>
+                          <a:spcPct val="107000"/>
+                        </a:lnSpc>
+                        <a:spcBef>
+                          <a:spcPts val="0"/>
+                        </a:spcBef>
+                        <a:spcAft>
+                          <a:spcPts val="0"/>
+                        </a:spcAft>
+                      </a:pPr>
+                      <a:r>
+                        <a:rPr lang="en-US" sz="1100">
+                          <a:effectLst/>
+                        </a:rPr>
+                        <a:t>m</a:t>
+                      </a:r>
+                      <a:endParaRPr lang="en-US" sz="1100">
+                        <a:effectLst/>
+                        <a:latin typeface="Calibri" panose="020F0502020204030204" pitchFamily="34" charset="0"/>
+                        <a:ea typeface="Calibri" panose="020F0502020204030204" pitchFamily="34" charset="0"/>
+                        <a:cs typeface="Times New Roman" panose="02020603050405020304" pitchFamily="18" charset="0"/>
+                      </a:endParaRPr>
+                    </a:p>
+                  </a:txBody>
+                  <a:tcPr marL="68580" marR="68580" marT="0" marB="0"/>
+                </a:tc>
+                <a:tc>
+                  <a:txBody>
+                    <a:bodyPr/>
+                    <a:lstStyle/>
+                    <a:p>
+                      <a:pPr marL="0" marR="0">
+                        <a:lnSpc>
+                          <a:spcPct val="107000"/>
+                        </a:lnSpc>
+                        <a:spcBef>
+                          <a:spcPts val="0"/>
+                        </a:spcBef>
+                        <a:spcAft>
+                          <a:spcPts val="0"/>
+                        </a:spcAft>
+                      </a:pPr>
+                      <a:r>
+                        <a:rPr lang="en-US" sz="1100">
+                          <a:effectLst/>
+                        </a:rPr>
+                        <a:t>Chamber height</a:t>
+                      </a:r>
+                      <a:endParaRPr lang="en-US" sz="1100">
+                        <a:effectLst/>
+                        <a:latin typeface="Calibri" panose="020F0502020204030204" pitchFamily="34" charset="0"/>
+                        <a:ea typeface="Calibri" panose="020F0502020204030204" pitchFamily="34" charset="0"/>
+                        <a:cs typeface="Times New Roman" panose="02020603050405020304" pitchFamily="18" charset="0"/>
+                      </a:endParaRPr>
+                    </a:p>
+                  </a:txBody>
+                  <a:tcPr marL="68580" marR="68580" marT="0" marB="0"/>
+                </a:tc>
+                <a:extLst>
+                  <a:ext uri="{0D108BD9-81ED-4DB2-BD59-A6C34878D82A}">
+                    <a16:rowId xmlns:a16="http://schemas.microsoft.com/office/drawing/2014/main" val="2410832927"/>
+                  </a:ext>
+                </a:extLst>
+              </a:tr>
+              <a:tr h="0">
+                <a:tc>
+                  <a:txBody>
+                    <a:bodyPr/>
+                    <a:lstStyle/>
+                    <a:p>
+                      <a:pPr marL="0" marR="0">
+                        <a:lnSpc>
+                          <a:spcPct val="107000"/>
+                        </a:lnSpc>
+                        <a:spcBef>
+                          <a:spcPts val="0"/>
+                        </a:spcBef>
+                        <a:spcAft>
+                          <a:spcPts val="0"/>
+                        </a:spcAft>
+                      </a:pPr>
+                      <a:r>
+                        <a:rPr lang="en-US" sz="1100">
+                          <a:effectLst/>
+                        </a:rPr>
+                        <a:t>C</a:t>
+                      </a:r>
+                      <a:r>
+                        <a:rPr lang="en-US" sz="1100" baseline="-25000">
+                          <a:effectLst/>
+                        </a:rPr>
+                        <a:t>width</a:t>
+                      </a:r>
+                      <a:endParaRPr lang="en-US" sz="1100">
+                        <a:effectLst/>
+                        <a:latin typeface="Calibri" panose="020F0502020204030204" pitchFamily="34" charset="0"/>
+                        <a:ea typeface="Calibri" panose="020F0502020204030204" pitchFamily="34" charset="0"/>
+                        <a:cs typeface="Times New Roman" panose="02020603050405020304" pitchFamily="18" charset="0"/>
+                      </a:endParaRPr>
+                    </a:p>
+                  </a:txBody>
+                  <a:tcPr marL="68580" marR="68580" marT="0" marB="0"/>
+                </a:tc>
+                <a:tc>
+                  <a:txBody>
+                    <a:bodyPr/>
+                    <a:lstStyle/>
+                    <a:p>
+                      <a:pPr marL="0" marR="0">
+                        <a:lnSpc>
+                          <a:spcPct val="107000"/>
+                        </a:lnSpc>
+                        <a:spcBef>
+                          <a:spcPts val="0"/>
+                        </a:spcBef>
+                        <a:spcAft>
+                          <a:spcPts val="0"/>
+                        </a:spcAft>
+                      </a:pPr>
+                      <a:r>
+                        <a:rPr lang="en-US" sz="1100">
+                          <a:effectLst/>
+                        </a:rPr>
+                        <a:t>0.535</a:t>
+                      </a:r>
+                      <a:endParaRPr lang="en-US" sz="1100">
+                        <a:effectLst/>
+                        <a:latin typeface="Calibri" panose="020F0502020204030204" pitchFamily="34" charset="0"/>
+                        <a:ea typeface="Calibri" panose="020F0502020204030204" pitchFamily="34" charset="0"/>
+                        <a:cs typeface="Times New Roman" panose="02020603050405020304" pitchFamily="18" charset="0"/>
+                      </a:endParaRPr>
+                    </a:p>
+                  </a:txBody>
+                  <a:tcPr marL="68580" marR="68580" marT="0" marB="0"/>
+                </a:tc>
+                <a:tc>
+                  <a:txBody>
+                    <a:bodyPr/>
+                    <a:lstStyle/>
+                    <a:p>
+                      <a:pPr marL="0" marR="0">
+                        <a:lnSpc>
+                          <a:spcPct val="107000"/>
+                        </a:lnSpc>
+                        <a:spcBef>
+                          <a:spcPts val="0"/>
+                        </a:spcBef>
+                        <a:spcAft>
+                          <a:spcPts val="0"/>
+                        </a:spcAft>
+                      </a:pPr>
+                      <a:r>
+                        <a:rPr lang="en-US" sz="1100">
+                          <a:effectLst/>
+                        </a:rPr>
+                        <a:t>m</a:t>
+                      </a:r>
+                      <a:endParaRPr lang="en-US" sz="1100">
+                        <a:effectLst/>
+                        <a:latin typeface="Calibri" panose="020F0502020204030204" pitchFamily="34" charset="0"/>
+                        <a:ea typeface="Calibri" panose="020F0502020204030204" pitchFamily="34" charset="0"/>
+                        <a:cs typeface="Times New Roman" panose="02020603050405020304" pitchFamily="18" charset="0"/>
+                      </a:endParaRPr>
+                    </a:p>
+                  </a:txBody>
+                  <a:tcPr marL="68580" marR="68580" marT="0" marB="0"/>
+                </a:tc>
+                <a:tc>
+                  <a:txBody>
+                    <a:bodyPr/>
+                    <a:lstStyle/>
+                    <a:p>
+                      <a:pPr marL="0" marR="0">
+                        <a:lnSpc>
+                          <a:spcPct val="107000"/>
+                        </a:lnSpc>
+                        <a:spcBef>
+                          <a:spcPts val="0"/>
+                        </a:spcBef>
+                        <a:spcAft>
+                          <a:spcPts val="0"/>
+                        </a:spcAft>
+                      </a:pPr>
+                      <a:r>
+                        <a:rPr lang="en-US" sz="1100" dirty="0">
+                          <a:effectLst/>
+                        </a:rPr>
+                        <a:t>Chamber width</a:t>
+                      </a:r>
+                      <a:endParaRPr lang="en-US" sz="1100" dirty="0">
+                        <a:effectLst/>
+                        <a:latin typeface="Calibri" panose="020F0502020204030204" pitchFamily="34" charset="0"/>
+                        <a:ea typeface="Calibri" panose="020F0502020204030204" pitchFamily="34" charset="0"/>
+                        <a:cs typeface="Times New Roman" panose="02020603050405020304" pitchFamily="18" charset="0"/>
+                      </a:endParaRPr>
+                    </a:p>
+                  </a:txBody>
+                  <a:tcPr marL="68580" marR="68580" marT="0" marB="0"/>
+                </a:tc>
+                <a:extLst>
+                  <a:ext uri="{0D108BD9-81ED-4DB2-BD59-A6C34878D82A}">
+                    <a16:rowId xmlns:a16="http://schemas.microsoft.com/office/drawing/2014/main" val="3215055062"/>
+                  </a:ext>
+                </a:extLst>
+              </a:tr>
+              <a:tr h="0">
+                <a:tc>
+                  <a:txBody>
+                    <a:bodyPr/>
+                    <a:lstStyle/>
+                    <a:p>
+                      <a:pPr marL="0" marR="0">
+                        <a:lnSpc>
+                          <a:spcPct val="107000"/>
+                        </a:lnSpc>
+                        <a:spcBef>
+                          <a:spcPts val="0"/>
+                        </a:spcBef>
+                        <a:spcAft>
+                          <a:spcPts val="0"/>
+                        </a:spcAft>
+                      </a:pPr>
+                      <a:r>
+                        <a:rPr lang="en-US" sz="1100">
+                          <a:effectLst/>
+                        </a:rPr>
+                        <a:t>C</a:t>
+                      </a:r>
+                      <a:r>
+                        <a:rPr lang="en-US" sz="1100" baseline="-25000">
+                          <a:effectLst/>
+                        </a:rPr>
+                        <a:t>length</a:t>
+                      </a:r>
+                      <a:endParaRPr lang="en-US" sz="1100">
+                        <a:effectLst/>
+                        <a:latin typeface="Calibri" panose="020F0502020204030204" pitchFamily="34" charset="0"/>
+                        <a:ea typeface="Calibri" panose="020F0502020204030204" pitchFamily="34" charset="0"/>
+                        <a:cs typeface="Times New Roman" panose="02020603050405020304" pitchFamily="18" charset="0"/>
+                      </a:endParaRPr>
+                    </a:p>
+                  </a:txBody>
+                  <a:tcPr marL="68580" marR="68580" marT="0" marB="0"/>
+                </a:tc>
+                <a:tc>
+                  <a:txBody>
+                    <a:bodyPr/>
+                    <a:lstStyle/>
+                    <a:p>
+                      <a:pPr marL="0" marR="0">
+                        <a:lnSpc>
+                          <a:spcPct val="107000"/>
+                        </a:lnSpc>
+                        <a:spcBef>
+                          <a:spcPts val="0"/>
+                        </a:spcBef>
+                        <a:spcAft>
+                          <a:spcPts val="0"/>
+                        </a:spcAft>
+                      </a:pPr>
+                      <a:r>
+                        <a:rPr lang="en-US" sz="1100">
+                          <a:effectLst/>
+                        </a:rPr>
+                        <a:t>0.648</a:t>
+                      </a:r>
+                      <a:endParaRPr lang="en-US" sz="1100">
+                        <a:effectLst/>
+                        <a:latin typeface="Calibri" panose="020F0502020204030204" pitchFamily="34" charset="0"/>
+                        <a:ea typeface="Calibri" panose="020F0502020204030204" pitchFamily="34" charset="0"/>
+                        <a:cs typeface="Times New Roman" panose="02020603050405020304" pitchFamily="18" charset="0"/>
+                      </a:endParaRPr>
+                    </a:p>
+                  </a:txBody>
+                  <a:tcPr marL="68580" marR="68580" marT="0" marB="0"/>
+                </a:tc>
+                <a:tc>
+                  <a:txBody>
+                    <a:bodyPr/>
+                    <a:lstStyle/>
+                    <a:p>
+                      <a:pPr marL="0" marR="0">
+                        <a:lnSpc>
+                          <a:spcPct val="107000"/>
+                        </a:lnSpc>
+                        <a:spcBef>
+                          <a:spcPts val="0"/>
+                        </a:spcBef>
+                        <a:spcAft>
+                          <a:spcPts val="0"/>
+                        </a:spcAft>
+                      </a:pPr>
+                      <a:r>
+                        <a:rPr lang="en-US" sz="1100">
+                          <a:effectLst/>
+                        </a:rPr>
+                        <a:t>m</a:t>
+                      </a:r>
+                      <a:endParaRPr lang="en-US" sz="1100">
+                        <a:effectLst/>
+                        <a:latin typeface="Calibri" panose="020F0502020204030204" pitchFamily="34" charset="0"/>
+                        <a:ea typeface="Calibri" panose="020F0502020204030204" pitchFamily="34" charset="0"/>
+                        <a:cs typeface="Times New Roman" panose="02020603050405020304" pitchFamily="18" charset="0"/>
+                      </a:endParaRPr>
+                    </a:p>
+                  </a:txBody>
+                  <a:tcPr marL="68580" marR="68580" marT="0" marB="0"/>
+                </a:tc>
+                <a:tc>
+                  <a:txBody>
+                    <a:bodyPr/>
+                    <a:lstStyle/>
+                    <a:p>
+                      <a:pPr marL="0" marR="0">
+                        <a:lnSpc>
+                          <a:spcPct val="107000"/>
+                        </a:lnSpc>
+                        <a:spcBef>
+                          <a:spcPts val="0"/>
+                        </a:spcBef>
+                        <a:spcAft>
+                          <a:spcPts val="0"/>
+                        </a:spcAft>
+                      </a:pPr>
+                      <a:r>
+                        <a:rPr lang="en-US" sz="1100">
+                          <a:effectLst/>
+                        </a:rPr>
+                        <a:t>Chamber length</a:t>
+                      </a:r>
+                      <a:endParaRPr lang="en-US" sz="1100">
+                        <a:effectLst/>
+                        <a:latin typeface="Calibri" panose="020F0502020204030204" pitchFamily="34" charset="0"/>
+                        <a:ea typeface="Calibri" panose="020F0502020204030204" pitchFamily="34" charset="0"/>
+                        <a:cs typeface="Times New Roman" panose="02020603050405020304" pitchFamily="18" charset="0"/>
+                      </a:endParaRPr>
+                    </a:p>
+                  </a:txBody>
+                  <a:tcPr marL="68580" marR="68580" marT="0" marB="0"/>
+                </a:tc>
+                <a:extLst>
+                  <a:ext uri="{0D108BD9-81ED-4DB2-BD59-A6C34878D82A}">
+                    <a16:rowId xmlns:a16="http://schemas.microsoft.com/office/drawing/2014/main" val="1568171720"/>
+                  </a:ext>
+                </a:extLst>
+              </a:tr>
+              <a:tr h="0">
+                <a:tc>
+                  <a:txBody>
+                    <a:bodyPr/>
+                    <a:lstStyle/>
+                    <a:p>
+                      <a:pPr marL="0" marR="0">
+                        <a:lnSpc>
+                          <a:spcPct val="107000"/>
+                        </a:lnSpc>
+                        <a:spcBef>
+                          <a:spcPts val="0"/>
+                        </a:spcBef>
+                        <a:spcAft>
+                          <a:spcPts val="0"/>
+                        </a:spcAft>
+                      </a:pPr>
+                      <a:r>
+                        <a:rPr lang="en-US" sz="1100">
+                          <a:effectLst/>
+                        </a:rPr>
+                        <a:t>A</a:t>
+                      </a:r>
+                      <a:endParaRPr lang="en-US" sz="1100">
+                        <a:effectLst/>
+                        <a:latin typeface="Calibri" panose="020F0502020204030204" pitchFamily="34" charset="0"/>
+                        <a:ea typeface="Calibri" panose="020F0502020204030204" pitchFamily="34" charset="0"/>
+                        <a:cs typeface="Times New Roman" panose="02020603050405020304" pitchFamily="18" charset="0"/>
+                      </a:endParaRPr>
+                    </a:p>
+                  </a:txBody>
+                  <a:tcPr marL="68580" marR="68580" marT="0" marB="0"/>
+                </a:tc>
+                <a:tc>
+                  <a:txBody>
+                    <a:bodyPr/>
+                    <a:lstStyle/>
+                    <a:p>
+                      <a:pPr marL="0" marR="0">
+                        <a:lnSpc>
+                          <a:spcPct val="107000"/>
+                        </a:lnSpc>
+                        <a:spcBef>
+                          <a:spcPts val="0"/>
+                        </a:spcBef>
+                        <a:spcAft>
+                          <a:spcPts val="0"/>
+                        </a:spcAft>
+                      </a:pPr>
+                      <a:r>
+                        <a:rPr lang="en-US" sz="1100">
+                          <a:effectLst/>
+                        </a:rPr>
+                        <a:t>1.069</a:t>
+                      </a:r>
+                      <a:endParaRPr lang="en-US" sz="1100">
+                        <a:effectLst/>
+                        <a:latin typeface="Calibri" panose="020F0502020204030204" pitchFamily="34" charset="0"/>
+                        <a:ea typeface="Calibri" panose="020F0502020204030204" pitchFamily="34" charset="0"/>
+                        <a:cs typeface="Times New Roman" panose="02020603050405020304" pitchFamily="18" charset="0"/>
+                      </a:endParaRPr>
+                    </a:p>
+                  </a:txBody>
+                  <a:tcPr marL="68580" marR="68580" marT="0" marB="0"/>
+                </a:tc>
+                <a:tc>
+                  <a:txBody>
+                    <a:bodyPr/>
+                    <a:lstStyle/>
+                    <a:p>
+                      <a:pPr marL="0" marR="0">
+                        <a:lnSpc>
+                          <a:spcPct val="107000"/>
+                        </a:lnSpc>
+                        <a:spcBef>
+                          <a:spcPts val="0"/>
+                        </a:spcBef>
+                        <a:spcAft>
+                          <a:spcPts val="0"/>
+                        </a:spcAft>
+                      </a:pPr>
+                      <a:r>
+                        <a:rPr lang="en-US" sz="1100">
+                          <a:effectLst/>
+                        </a:rPr>
+                        <a:t>m­­</a:t>
+                      </a:r>
+                      <a:r>
+                        <a:rPr lang="en-US" sz="1100" baseline="30000">
+                          <a:effectLst/>
+                        </a:rPr>
+                        <a:t>2</a:t>
+                      </a:r>
+                      <a:endParaRPr lang="en-US" sz="1100">
+                        <a:effectLst/>
+                        <a:latin typeface="Calibri" panose="020F0502020204030204" pitchFamily="34" charset="0"/>
+                        <a:ea typeface="Calibri" panose="020F0502020204030204" pitchFamily="34" charset="0"/>
+                        <a:cs typeface="Times New Roman" panose="02020603050405020304" pitchFamily="18" charset="0"/>
+                      </a:endParaRPr>
+                    </a:p>
+                  </a:txBody>
+                  <a:tcPr marL="68580" marR="68580" marT="0" marB="0"/>
+                </a:tc>
+                <a:tc>
+                  <a:txBody>
+                    <a:bodyPr/>
+                    <a:lstStyle/>
+                    <a:p>
+                      <a:pPr marL="0" marR="0">
+                        <a:lnSpc>
+                          <a:spcPct val="107000"/>
+                        </a:lnSpc>
+                        <a:spcBef>
+                          <a:spcPts val="0"/>
+                        </a:spcBef>
+                        <a:spcAft>
+                          <a:spcPts val="0"/>
+                        </a:spcAft>
+                      </a:pPr>
+                      <a:r>
+                        <a:rPr lang="en-US" sz="1100">
+                          <a:effectLst/>
+                        </a:rPr>
+                        <a:t>Cross-sectional area</a:t>
+                      </a:r>
+                      <a:endParaRPr lang="en-US" sz="1100">
+                        <a:effectLst/>
+                        <a:latin typeface="Calibri" panose="020F0502020204030204" pitchFamily="34" charset="0"/>
+                        <a:ea typeface="Calibri" panose="020F0502020204030204" pitchFamily="34" charset="0"/>
+                        <a:cs typeface="Times New Roman" panose="02020603050405020304" pitchFamily="18" charset="0"/>
+                      </a:endParaRPr>
+                    </a:p>
+                  </a:txBody>
+                  <a:tcPr marL="68580" marR="68580" marT="0" marB="0"/>
+                </a:tc>
+                <a:extLst>
+                  <a:ext uri="{0D108BD9-81ED-4DB2-BD59-A6C34878D82A}">
+                    <a16:rowId xmlns:a16="http://schemas.microsoft.com/office/drawing/2014/main" val="2347309970"/>
+                  </a:ext>
+                </a:extLst>
+              </a:tr>
+              <a:tr h="0">
+                <a:tc>
+                  <a:txBody>
+                    <a:bodyPr/>
+                    <a:lstStyle/>
+                    <a:p>
+                      <a:pPr marL="0" marR="0">
+                        <a:lnSpc>
+                          <a:spcPct val="107000"/>
+                        </a:lnSpc>
+                        <a:spcBef>
+                          <a:spcPts val="0"/>
+                        </a:spcBef>
+                        <a:spcAft>
+                          <a:spcPts val="0"/>
+                        </a:spcAft>
+                      </a:pPr>
+                      <a:r>
+                        <a:rPr lang="en-US" sz="1100">
+                          <a:effectLst/>
+                        </a:rPr>
+                        <a:t>L</a:t>
+                      </a:r>
+                      <a:r>
+                        <a:rPr lang="en-US" sz="1100" baseline="-25000">
+                          <a:effectLst/>
+                        </a:rPr>
+                        <a:t>foam</a:t>
+                      </a:r>
+                      <a:endParaRPr lang="en-US" sz="1100">
+                        <a:effectLst/>
+                        <a:latin typeface="Calibri" panose="020F0502020204030204" pitchFamily="34" charset="0"/>
+                        <a:ea typeface="Calibri" panose="020F0502020204030204" pitchFamily="34" charset="0"/>
+                        <a:cs typeface="Times New Roman" panose="02020603050405020304" pitchFamily="18" charset="0"/>
+                      </a:endParaRPr>
+                    </a:p>
+                  </a:txBody>
+                  <a:tcPr marL="68580" marR="68580" marT="0" marB="0"/>
+                </a:tc>
+                <a:tc>
+                  <a:txBody>
+                    <a:bodyPr/>
+                    <a:lstStyle/>
+                    <a:p>
+                      <a:pPr marL="0" marR="0">
+                        <a:lnSpc>
+                          <a:spcPct val="107000"/>
+                        </a:lnSpc>
+                        <a:spcBef>
+                          <a:spcPts val="0"/>
+                        </a:spcBef>
+                        <a:spcAft>
+                          <a:spcPts val="0"/>
+                        </a:spcAft>
+                      </a:pPr>
+                      <a:r>
+                        <a:rPr lang="en-US" sz="1100">
+                          <a:effectLst/>
+                        </a:rPr>
+                        <a:t>0.1524</a:t>
+                      </a:r>
+                      <a:endParaRPr lang="en-US" sz="1100">
+                        <a:effectLst/>
+                        <a:latin typeface="Calibri" panose="020F0502020204030204" pitchFamily="34" charset="0"/>
+                        <a:ea typeface="Calibri" panose="020F0502020204030204" pitchFamily="34" charset="0"/>
+                        <a:cs typeface="Times New Roman" panose="02020603050405020304" pitchFamily="18" charset="0"/>
+                      </a:endParaRPr>
+                    </a:p>
+                  </a:txBody>
+                  <a:tcPr marL="68580" marR="68580" marT="0" marB="0"/>
+                </a:tc>
+                <a:tc>
+                  <a:txBody>
+                    <a:bodyPr/>
+                    <a:lstStyle/>
+                    <a:p>
+                      <a:pPr marL="0" marR="0">
+                        <a:lnSpc>
+                          <a:spcPct val="107000"/>
+                        </a:lnSpc>
+                        <a:spcBef>
+                          <a:spcPts val="0"/>
+                        </a:spcBef>
+                        <a:spcAft>
+                          <a:spcPts val="0"/>
+                        </a:spcAft>
+                      </a:pPr>
+                      <a:r>
+                        <a:rPr lang="en-US" sz="1100">
+                          <a:effectLst/>
+                        </a:rPr>
+                        <a:t>m</a:t>
+                      </a:r>
+                      <a:endParaRPr lang="en-US" sz="1100">
+                        <a:effectLst/>
+                        <a:latin typeface="Calibri" panose="020F0502020204030204" pitchFamily="34" charset="0"/>
+                        <a:ea typeface="Calibri" panose="020F0502020204030204" pitchFamily="34" charset="0"/>
+                        <a:cs typeface="Times New Roman" panose="02020603050405020304" pitchFamily="18" charset="0"/>
+                      </a:endParaRPr>
+                    </a:p>
+                  </a:txBody>
+                  <a:tcPr marL="68580" marR="68580" marT="0" marB="0"/>
+                </a:tc>
+                <a:tc>
+                  <a:txBody>
+                    <a:bodyPr/>
+                    <a:lstStyle/>
+                    <a:p>
+                      <a:pPr marL="0" marR="0">
+                        <a:lnSpc>
+                          <a:spcPct val="107000"/>
+                        </a:lnSpc>
+                        <a:spcBef>
+                          <a:spcPts val="0"/>
+                        </a:spcBef>
+                        <a:spcAft>
+                          <a:spcPts val="0"/>
+                        </a:spcAft>
+                      </a:pPr>
+                      <a:r>
+                        <a:rPr lang="en-US" sz="1100">
+                          <a:effectLst/>
+                        </a:rPr>
+                        <a:t>Foam depth</a:t>
+                      </a:r>
+                      <a:endParaRPr lang="en-US" sz="1100">
+                        <a:effectLst/>
+                        <a:latin typeface="Calibri" panose="020F0502020204030204" pitchFamily="34" charset="0"/>
+                        <a:ea typeface="Calibri" panose="020F0502020204030204" pitchFamily="34" charset="0"/>
+                        <a:cs typeface="Times New Roman" panose="02020603050405020304" pitchFamily="18" charset="0"/>
+                      </a:endParaRPr>
+                    </a:p>
+                  </a:txBody>
+                  <a:tcPr marL="68580" marR="68580" marT="0" marB="0"/>
+                </a:tc>
+                <a:extLst>
+                  <a:ext uri="{0D108BD9-81ED-4DB2-BD59-A6C34878D82A}">
+                    <a16:rowId xmlns:a16="http://schemas.microsoft.com/office/drawing/2014/main" val="2590807901"/>
+                  </a:ext>
+                </a:extLst>
+              </a:tr>
+              <a:tr h="0">
+                <a:tc>
+                  <a:txBody>
+                    <a:bodyPr/>
+                    <a:lstStyle/>
+                    <a:p>
+                      <a:pPr marL="0" marR="0">
+                        <a:lnSpc>
+                          <a:spcPct val="107000"/>
+                        </a:lnSpc>
+                        <a:spcBef>
+                          <a:spcPts val="0"/>
+                        </a:spcBef>
+                        <a:spcAft>
+                          <a:spcPts val="0"/>
+                        </a:spcAft>
+                      </a:pPr>
+                      <a:r>
+                        <a:rPr lang="en-US" sz="1100">
+                          <a:effectLst/>
+                        </a:rPr>
+                        <a:t>L</a:t>
+                      </a:r>
+                      <a:r>
+                        <a:rPr lang="en-US" sz="1100" baseline="-25000">
+                          <a:effectLst/>
+                        </a:rPr>
+                        <a:t>fiberglass</a:t>
+                      </a:r>
+                      <a:endParaRPr lang="en-US" sz="1100">
+                        <a:effectLst/>
+                        <a:latin typeface="Calibri" panose="020F0502020204030204" pitchFamily="34" charset="0"/>
+                        <a:ea typeface="Calibri" panose="020F0502020204030204" pitchFamily="34" charset="0"/>
+                        <a:cs typeface="Times New Roman" panose="02020603050405020304" pitchFamily="18" charset="0"/>
+                      </a:endParaRPr>
+                    </a:p>
+                  </a:txBody>
+                  <a:tcPr marL="68580" marR="68580" marT="0" marB="0"/>
+                </a:tc>
+                <a:tc>
+                  <a:txBody>
+                    <a:bodyPr/>
+                    <a:lstStyle/>
+                    <a:p>
+                      <a:pPr marL="0" marR="0">
+                        <a:lnSpc>
+                          <a:spcPct val="107000"/>
+                        </a:lnSpc>
+                        <a:spcBef>
+                          <a:spcPts val="0"/>
+                        </a:spcBef>
+                        <a:spcAft>
+                          <a:spcPts val="0"/>
+                        </a:spcAft>
+                      </a:pPr>
+                      <a:r>
+                        <a:rPr lang="en-US" sz="1100">
+                          <a:effectLst/>
+                        </a:rPr>
+                        <a:t>0.0254</a:t>
+                      </a:r>
+                      <a:endParaRPr lang="en-US" sz="1100">
+                        <a:effectLst/>
+                        <a:latin typeface="Calibri" panose="020F0502020204030204" pitchFamily="34" charset="0"/>
+                        <a:ea typeface="Calibri" panose="020F0502020204030204" pitchFamily="34" charset="0"/>
+                        <a:cs typeface="Times New Roman" panose="02020603050405020304" pitchFamily="18" charset="0"/>
+                      </a:endParaRPr>
+                    </a:p>
+                  </a:txBody>
+                  <a:tcPr marL="68580" marR="68580" marT="0" marB="0"/>
+                </a:tc>
+                <a:tc>
+                  <a:txBody>
+                    <a:bodyPr/>
+                    <a:lstStyle/>
+                    <a:p>
+                      <a:pPr marL="0" marR="0">
+                        <a:lnSpc>
+                          <a:spcPct val="107000"/>
+                        </a:lnSpc>
+                        <a:spcBef>
+                          <a:spcPts val="0"/>
+                        </a:spcBef>
+                        <a:spcAft>
+                          <a:spcPts val="0"/>
+                        </a:spcAft>
+                      </a:pPr>
+                      <a:r>
+                        <a:rPr lang="en-US" sz="1100">
+                          <a:effectLst/>
+                        </a:rPr>
+                        <a:t>m</a:t>
+                      </a:r>
+                      <a:endParaRPr lang="en-US" sz="1100">
+                        <a:effectLst/>
+                        <a:latin typeface="Calibri" panose="020F0502020204030204" pitchFamily="34" charset="0"/>
+                        <a:ea typeface="Calibri" panose="020F0502020204030204" pitchFamily="34" charset="0"/>
+                        <a:cs typeface="Times New Roman" panose="02020603050405020304" pitchFamily="18" charset="0"/>
+                      </a:endParaRPr>
+                    </a:p>
+                  </a:txBody>
+                  <a:tcPr marL="68580" marR="68580" marT="0" marB="0"/>
+                </a:tc>
+                <a:tc>
+                  <a:txBody>
+                    <a:bodyPr/>
+                    <a:lstStyle/>
+                    <a:p>
+                      <a:pPr marL="0" marR="0">
+                        <a:lnSpc>
+                          <a:spcPct val="107000"/>
+                        </a:lnSpc>
+                        <a:spcBef>
+                          <a:spcPts val="0"/>
+                        </a:spcBef>
+                        <a:spcAft>
+                          <a:spcPts val="0"/>
+                        </a:spcAft>
+                      </a:pPr>
+                      <a:r>
+                        <a:rPr lang="en-US" sz="1100">
+                          <a:effectLst/>
+                        </a:rPr>
+                        <a:t>Fiberglass depth</a:t>
+                      </a:r>
+                      <a:endParaRPr lang="en-US" sz="1100">
+                        <a:effectLst/>
+                        <a:latin typeface="Calibri" panose="020F0502020204030204" pitchFamily="34" charset="0"/>
+                        <a:ea typeface="Calibri" panose="020F0502020204030204" pitchFamily="34" charset="0"/>
+                        <a:cs typeface="Times New Roman" panose="02020603050405020304" pitchFamily="18" charset="0"/>
+                      </a:endParaRPr>
+                    </a:p>
+                  </a:txBody>
+                  <a:tcPr marL="68580" marR="68580" marT="0" marB="0"/>
+                </a:tc>
+                <a:extLst>
+                  <a:ext uri="{0D108BD9-81ED-4DB2-BD59-A6C34878D82A}">
+                    <a16:rowId xmlns:a16="http://schemas.microsoft.com/office/drawing/2014/main" val="2829365419"/>
+                  </a:ext>
+                </a:extLst>
+              </a:tr>
+              <a:tr h="0">
+                <a:tc>
+                  <a:txBody>
+                    <a:bodyPr/>
+                    <a:lstStyle/>
+                    <a:p>
+                      <a:pPr marL="0" marR="0">
+                        <a:lnSpc>
+                          <a:spcPct val="107000"/>
+                        </a:lnSpc>
+                        <a:spcBef>
+                          <a:spcPts val="0"/>
+                        </a:spcBef>
+                        <a:spcAft>
+                          <a:spcPts val="0"/>
+                        </a:spcAft>
+                      </a:pPr>
+                      <a:r>
+                        <a:rPr lang="en-US" sz="1100">
+                          <a:effectLst/>
+                        </a:rPr>
+                        <a:t>L</a:t>
+                      </a:r>
+                      <a:r>
+                        <a:rPr lang="en-US" sz="1100" baseline="-25000">
+                          <a:effectLst/>
+                        </a:rPr>
+                        <a:t>wood</a:t>
+                      </a:r>
+                      <a:endParaRPr lang="en-US" sz="1100">
+                        <a:effectLst/>
+                        <a:latin typeface="Calibri" panose="020F0502020204030204" pitchFamily="34" charset="0"/>
+                        <a:ea typeface="Calibri" panose="020F0502020204030204" pitchFamily="34" charset="0"/>
+                        <a:cs typeface="Times New Roman" panose="02020603050405020304" pitchFamily="18" charset="0"/>
+                      </a:endParaRPr>
+                    </a:p>
+                  </a:txBody>
+                  <a:tcPr marL="68580" marR="68580" marT="0" marB="0"/>
+                </a:tc>
+                <a:tc>
+                  <a:txBody>
+                    <a:bodyPr/>
+                    <a:lstStyle/>
+                    <a:p>
+                      <a:pPr marL="0" marR="0">
+                        <a:lnSpc>
+                          <a:spcPct val="107000"/>
+                        </a:lnSpc>
+                        <a:spcBef>
+                          <a:spcPts val="0"/>
+                        </a:spcBef>
+                        <a:spcAft>
+                          <a:spcPts val="0"/>
+                        </a:spcAft>
+                      </a:pPr>
+                      <a:r>
+                        <a:rPr lang="en-US" sz="1100">
+                          <a:effectLst/>
+                        </a:rPr>
+                        <a:t>0.00635</a:t>
+                      </a:r>
+                      <a:endParaRPr lang="en-US" sz="1100">
+                        <a:effectLst/>
+                        <a:latin typeface="Calibri" panose="020F0502020204030204" pitchFamily="34" charset="0"/>
+                        <a:ea typeface="Calibri" panose="020F0502020204030204" pitchFamily="34" charset="0"/>
+                        <a:cs typeface="Times New Roman" panose="02020603050405020304" pitchFamily="18" charset="0"/>
+                      </a:endParaRPr>
+                    </a:p>
+                  </a:txBody>
+                  <a:tcPr marL="68580" marR="68580" marT="0" marB="0"/>
+                </a:tc>
+                <a:tc>
+                  <a:txBody>
+                    <a:bodyPr/>
+                    <a:lstStyle/>
+                    <a:p>
+                      <a:pPr marL="0" marR="0">
+                        <a:lnSpc>
+                          <a:spcPct val="107000"/>
+                        </a:lnSpc>
+                        <a:spcBef>
+                          <a:spcPts val="0"/>
+                        </a:spcBef>
+                        <a:spcAft>
+                          <a:spcPts val="0"/>
+                        </a:spcAft>
+                      </a:pPr>
+                      <a:r>
+                        <a:rPr lang="en-US" sz="1100">
+                          <a:effectLst/>
+                        </a:rPr>
+                        <a:t>m</a:t>
+                      </a:r>
+                      <a:endParaRPr lang="en-US" sz="1100">
+                        <a:effectLst/>
+                        <a:latin typeface="Calibri" panose="020F0502020204030204" pitchFamily="34" charset="0"/>
+                        <a:ea typeface="Calibri" panose="020F0502020204030204" pitchFamily="34" charset="0"/>
+                        <a:cs typeface="Times New Roman" panose="02020603050405020304" pitchFamily="18" charset="0"/>
+                      </a:endParaRPr>
+                    </a:p>
+                  </a:txBody>
+                  <a:tcPr marL="68580" marR="68580" marT="0" marB="0"/>
+                </a:tc>
+                <a:tc>
+                  <a:txBody>
+                    <a:bodyPr/>
+                    <a:lstStyle/>
+                    <a:p>
+                      <a:pPr marL="0" marR="0">
+                        <a:lnSpc>
+                          <a:spcPct val="107000"/>
+                        </a:lnSpc>
+                        <a:spcBef>
+                          <a:spcPts val="0"/>
+                        </a:spcBef>
+                        <a:spcAft>
+                          <a:spcPts val="0"/>
+                        </a:spcAft>
+                      </a:pPr>
+                      <a:r>
+                        <a:rPr lang="en-US" sz="1100">
+                          <a:effectLst/>
+                        </a:rPr>
+                        <a:t>Wood depth</a:t>
+                      </a:r>
+                      <a:endParaRPr lang="en-US" sz="1100">
+                        <a:effectLst/>
+                        <a:latin typeface="Calibri" panose="020F0502020204030204" pitchFamily="34" charset="0"/>
+                        <a:ea typeface="Calibri" panose="020F0502020204030204" pitchFamily="34" charset="0"/>
+                        <a:cs typeface="Times New Roman" panose="02020603050405020304" pitchFamily="18" charset="0"/>
+                      </a:endParaRPr>
+                    </a:p>
+                  </a:txBody>
+                  <a:tcPr marL="68580" marR="68580" marT="0" marB="0"/>
+                </a:tc>
+                <a:extLst>
+                  <a:ext uri="{0D108BD9-81ED-4DB2-BD59-A6C34878D82A}">
+                    <a16:rowId xmlns:a16="http://schemas.microsoft.com/office/drawing/2014/main" val="916829029"/>
+                  </a:ext>
+                </a:extLst>
+              </a:tr>
+              <a:tr h="0">
+                <a:tc>
+                  <a:txBody>
+                    <a:bodyPr/>
+                    <a:lstStyle/>
+                    <a:p>
+                      <a:pPr marL="0" marR="0">
+                        <a:lnSpc>
+                          <a:spcPct val="107000"/>
+                        </a:lnSpc>
+                        <a:spcBef>
+                          <a:spcPts val="0"/>
+                        </a:spcBef>
+                        <a:spcAft>
+                          <a:spcPts val="0"/>
+                        </a:spcAft>
+                      </a:pPr>
+                      <a:r>
+                        <a:rPr lang="en-US" sz="1100">
+                          <a:effectLst/>
+                        </a:rPr>
+                        <a:t>h</a:t>
+                      </a:r>
+                      <a:r>
+                        <a:rPr lang="en-US" sz="1100" baseline="-25000">
+                          <a:effectLst/>
+                        </a:rPr>
+                        <a:t>o</a:t>
+                      </a:r>
+                      <a:endParaRPr lang="en-US" sz="1100">
+                        <a:effectLst/>
+                        <a:latin typeface="Calibri" panose="020F0502020204030204" pitchFamily="34" charset="0"/>
+                        <a:ea typeface="Calibri" panose="020F0502020204030204" pitchFamily="34" charset="0"/>
+                        <a:cs typeface="Times New Roman" panose="02020603050405020304" pitchFamily="18" charset="0"/>
+                      </a:endParaRPr>
+                    </a:p>
+                  </a:txBody>
+                  <a:tcPr marL="68580" marR="68580" marT="0" marB="0"/>
+                </a:tc>
+                <a:tc>
+                  <a:txBody>
+                    <a:bodyPr/>
+                    <a:lstStyle/>
+                    <a:p>
+                      <a:pPr marL="0" marR="0">
+                        <a:lnSpc>
+                          <a:spcPct val="107000"/>
+                        </a:lnSpc>
+                        <a:spcBef>
+                          <a:spcPts val="0"/>
+                        </a:spcBef>
+                        <a:spcAft>
+                          <a:spcPts val="0"/>
+                        </a:spcAft>
+                      </a:pPr>
+                      <a:r>
+                        <a:rPr lang="en-US" sz="1100">
+                          <a:effectLst/>
+                        </a:rPr>
+                        <a:t>12 [9]</a:t>
+                      </a:r>
+                      <a:endParaRPr lang="en-US" sz="1100">
+                        <a:effectLst/>
+                        <a:latin typeface="Calibri" panose="020F0502020204030204" pitchFamily="34" charset="0"/>
+                        <a:ea typeface="Calibri" panose="020F0502020204030204" pitchFamily="34" charset="0"/>
+                        <a:cs typeface="Times New Roman" panose="02020603050405020304" pitchFamily="18" charset="0"/>
+                      </a:endParaRPr>
+                    </a:p>
+                  </a:txBody>
+                  <a:tcPr marL="68580" marR="68580" marT="0" marB="0"/>
+                </a:tc>
+                <a:tc>
+                  <a:txBody>
+                    <a:bodyPr/>
+                    <a:lstStyle/>
+                    <a:p>
+                      <a:pPr marL="0" marR="0">
+                        <a:lnSpc>
+                          <a:spcPct val="107000"/>
+                        </a:lnSpc>
+                        <a:spcBef>
+                          <a:spcPts val="0"/>
+                        </a:spcBef>
+                        <a:spcAft>
+                          <a:spcPts val="0"/>
+                        </a:spcAft>
+                      </a:pPr>
+                      <a:r>
+                        <a:rPr lang="en-US" sz="1100">
+                          <a:effectLst/>
+                        </a:rPr>
+                        <a:t>W/m</a:t>
+                      </a:r>
+                      <a:r>
+                        <a:rPr lang="en-US" sz="1100" baseline="30000">
+                          <a:effectLst/>
+                        </a:rPr>
+                        <a:t>2</a:t>
+                      </a:r>
+                      <a:r>
+                        <a:rPr lang="en-US" sz="1100">
+                          <a:effectLst/>
+                        </a:rPr>
+                        <a:t>⋅K</a:t>
+                      </a:r>
+                      <a:endParaRPr lang="en-US" sz="1100">
+                        <a:effectLst/>
+                        <a:latin typeface="Calibri" panose="020F0502020204030204" pitchFamily="34" charset="0"/>
+                        <a:ea typeface="Calibri" panose="020F0502020204030204" pitchFamily="34" charset="0"/>
+                        <a:cs typeface="Times New Roman" panose="02020603050405020304" pitchFamily="18" charset="0"/>
+                      </a:endParaRPr>
+                    </a:p>
+                  </a:txBody>
+                  <a:tcPr marL="68580" marR="68580" marT="0" marB="0"/>
+                </a:tc>
+                <a:tc>
+                  <a:txBody>
+                    <a:bodyPr/>
+                    <a:lstStyle/>
+                    <a:p>
+                      <a:pPr marL="0" marR="0">
+                        <a:lnSpc>
+                          <a:spcPct val="107000"/>
+                        </a:lnSpc>
+                        <a:spcBef>
+                          <a:spcPts val="0"/>
+                        </a:spcBef>
+                        <a:spcAft>
+                          <a:spcPts val="0"/>
+                        </a:spcAft>
+                      </a:pPr>
+                      <a:r>
+                        <a:rPr lang="en-US" sz="1100">
+                          <a:effectLst/>
+                        </a:rPr>
+                        <a:t>Heat transfer coefficient outside</a:t>
+                      </a:r>
+                      <a:endParaRPr lang="en-US" sz="1100">
+                        <a:effectLst/>
+                        <a:latin typeface="Calibri" panose="020F0502020204030204" pitchFamily="34" charset="0"/>
+                        <a:ea typeface="Calibri" panose="020F0502020204030204" pitchFamily="34" charset="0"/>
+                        <a:cs typeface="Times New Roman" panose="02020603050405020304" pitchFamily="18" charset="0"/>
+                      </a:endParaRPr>
+                    </a:p>
+                  </a:txBody>
+                  <a:tcPr marL="68580" marR="68580" marT="0" marB="0"/>
+                </a:tc>
+                <a:extLst>
+                  <a:ext uri="{0D108BD9-81ED-4DB2-BD59-A6C34878D82A}">
+                    <a16:rowId xmlns:a16="http://schemas.microsoft.com/office/drawing/2014/main" val="330164532"/>
+                  </a:ext>
+                </a:extLst>
+              </a:tr>
+              <a:tr h="0">
+                <a:tc>
+                  <a:txBody>
+                    <a:bodyPr/>
+                    <a:lstStyle/>
+                    <a:p>
+                      <a:pPr marL="0" marR="0">
+                        <a:lnSpc>
+                          <a:spcPct val="107000"/>
+                        </a:lnSpc>
+                        <a:spcBef>
+                          <a:spcPts val="0"/>
+                        </a:spcBef>
+                        <a:spcAft>
+                          <a:spcPts val="0"/>
+                        </a:spcAft>
+                      </a:pPr>
+                      <a:r>
+                        <a:rPr lang="en-US" sz="1100">
+                          <a:effectLst/>
+                        </a:rPr>
+                        <a:t>h</a:t>
+                      </a:r>
+                      <a:r>
+                        <a:rPr lang="en-US" sz="1100" baseline="-25000">
+                          <a:effectLst/>
+                        </a:rPr>
+                        <a:t>i</a:t>
+                      </a:r>
+                      <a:endParaRPr lang="en-US" sz="1100">
+                        <a:effectLst/>
+                        <a:latin typeface="Calibri" panose="020F0502020204030204" pitchFamily="34" charset="0"/>
+                        <a:ea typeface="Calibri" panose="020F0502020204030204" pitchFamily="34" charset="0"/>
+                        <a:cs typeface="Times New Roman" panose="02020603050405020304" pitchFamily="18" charset="0"/>
+                      </a:endParaRPr>
+                    </a:p>
+                  </a:txBody>
+                  <a:tcPr marL="68580" marR="68580" marT="0" marB="0"/>
+                </a:tc>
+                <a:tc>
+                  <a:txBody>
+                    <a:bodyPr/>
+                    <a:lstStyle/>
+                    <a:p>
+                      <a:pPr marL="0" marR="0">
+                        <a:lnSpc>
+                          <a:spcPct val="107000"/>
+                        </a:lnSpc>
+                        <a:spcBef>
+                          <a:spcPts val="0"/>
+                        </a:spcBef>
+                        <a:spcAft>
+                          <a:spcPts val="0"/>
+                        </a:spcAft>
+                      </a:pPr>
+                      <a:r>
+                        <a:rPr lang="en-US" sz="1100">
+                          <a:effectLst/>
+                        </a:rPr>
+                        <a:t>120 [10]</a:t>
+                      </a:r>
+                      <a:endParaRPr lang="en-US" sz="1100">
+                        <a:effectLst/>
+                        <a:latin typeface="Calibri" panose="020F0502020204030204" pitchFamily="34" charset="0"/>
+                        <a:ea typeface="Calibri" panose="020F0502020204030204" pitchFamily="34" charset="0"/>
+                        <a:cs typeface="Times New Roman" panose="02020603050405020304" pitchFamily="18" charset="0"/>
+                      </a:endParaRPr>
+                    </a:p>
+                  </a:txBody>
+                  <a:tcPr marL="68580" marR="68580" marT="0" marB="0"/>
+                </a:tc>
+                <a:tc>
+                  <a:txBody>
+                    <a:bodyPr/>
+                    <a:lstStyle/>
+                    <a:p>
+                      <a:pPr marL="0" marR="0">
+                        <a:lnSpc>
+                          <a:spcPct val="107000"/>
+                        </a:lnSpc>
+                        <a:spcBef>
+                          <a:spcPts val="0"/>
+                        </a:spcBef>
+                        <a:spcAft>
+                          <a:spcPts val="0"/>
+                        </a:spcAft>
+                      </a:pPr>
+                      <a:r>
+                        <a:rPr lang="en-US" sz="1100">
+                          <a:effectLst/>
+                        </a:rPr>
+                        <a:t>W/m</a:t>
+                      </a:r>
+                      <a:r>
+                        <a:rPr lang="en-US" sz="1100" baseline="30000">
+                          <a:effectLst/>
+                        </a:rPr>
+                        <a:t>2</a:t>
+                      </a:r>
+                      <a:r>
+                        <a:rPr lang="en-US" sz="1100">
+                          <a:effectLst/>
+                        </a:rPr>
+                        <a:t>⋅K</a:t>
+                      </a:r>
+                      <a:endParaRPr lang="en-US" sz="1100">
+                        <a:effectLst/>
+                        <a:latin typeface="Calibri" panose="020F0502020204030204" pitchFamily="34" charset="0"/>
+                        <a:ea typeface="Calibri" panose="020F0502020204030204" pitchFamily="34" charset="0"/>
+                        <a:cs typeface="Times New Roman" panose="02020603050405020304" pitchFamily="18" charset="0"/>
+                      </a:endParaRPr>
+                    </a:p>
+                  </a:txBody>
+                  <a:tcPr marL="68580" marR="68580" marT="0" marB="0"/>
+                </a:tc>
+                <a:tc>
+                  <a:txBody>
+                    <a:bodyPr/>
+                    <a:lstStyle/>
+                    <a:p>
+                      <a:pPr marL="0" marR="0">
+                        <a:lnSpc>
+                          <a:spcPct val="107000"/>
+                        </a:lnSpc>
+                        <a:spcBef>
+                          <a:spcPts val="0"/>
+                        </a:spcBef>
+                        <a:spcAft>
+                          <a:spcPts val="0"/>
+                        </a:spcAft>
+                      </a:pPr>
+                      <a:r>
+                        <a:rPr lang="en-US" sz="1100">
+                          <a:effectLst/>
+                        </a:rPr>
+                        <a:t>Heat transfer coefficient inside</a:t>
+                      </a:r>
+                      <a:endParaRPr lang="en-US" sz="1100">
+                        <a:effectLst/>
+                        <a:latin typeface="Calibri" panose="020F0502020204030204" pitchFamily="34" charset="0"/>
+                        <a:ea typeface="Calibri" panose="020F0502020204030204" pitchFamily="34" charset="0"/>
+                        <a:cs typeface="Times New Roman" panose="02020603050405020304" pitchFamily="18" charset="0"/>
+                      </a:endParaRPr>
+                    </a:p>
+                  </a:txBody>
+                  <a:tcPr marL="68580" marR="68580" marT="0" marB="0"/>
+                </a:tc>
+                <a:extLst>
+                  <a:ext uri="{0D108BD9-81ED-4DB2-BD59-A6C34878D82A}">
+                    <a16:rowId xmlns:a16="http://schemas.microsoft.com/office/drawing/2014/main" val="3877305008"/>
+                  </a:ext>
+                </a:extLst>
+              </a:tr>
+              <a:tr h="0">
+                <a:tc>
+                  <a:txBody>
+                    <a:bodyPr/>
+                    <a:lstStyle/>
+                    <a:p>
+                      <a:pPr marL="0" marR="0">
+                        <a:lnSpc>
+                          <a:spcPct val="107000"/>
+                        </a:lnSpc>
+                        <a:spcBef>
+                          <a:spcPts val="0"/>
+                        </a:spcBef>
+                        <a:spcAft>
+                          <a:spcPts val="0"/>
+                        </a:spcAft>
+                      </a:pPr>
+                      <a:r>
+                        <a:rPr lang="en-US" sz="1100">
+                          <a:effectLst/>
+                        </a:rPr>
+                        <a:t>K</a:t>
+                      </a:r>
+                      <a:r>
+                        <a:rPr lang="en-US" sz="1100" baseline="-25000">
+                          <a:effectLst/>
+                        </a:rPr>
+                        <a:t>foam</a:t>
+                      </a:r>
+                      <a:endParaRPr lang="en-US" sz="1100">
+                        <a:effectLst/>
+                        <a:latin typeface="Calibri" panose="020F0502020204030204" pitchFamily="34" charset="0"/>
+                        <a:ea typeface="Calibri" panose="020F0502020204030204" pitchFamily="34" charset="0"/>
+                        <a:cs typeface="Times New Roman" panose="02020603050405020304" pitchFamily="18" charset="0"/>
+                      </a:endParaRPr>
+                    </a:p>
+                  </a:txBody>
+                  <a:tcPr marL="68580" marR="68580" marT="0" marB="0"/>
+                </a:tc>
+                <a:tc>
+                  <a:txBody>
+                    <a:bodyPr/>
+                    <a:lstStyle/>
+                    <a:p>
+                      <a:pPr marL="0" marR="0">
+                        <a:lnSpc>
+                          <a:spcPct val="107000"/>
+                        </a:lnSpc>
+                        <a:spcBef>
+                          <a:spcPts val="0"/>
+                        </a:spcBef>
+                        <a:spcAft>
+                          <a:spcPts val="0"/>
+                        </a:spcAft>
+                      </a:pPr>
+                      <a:r>
+                        <a:rPr lang="en-US" sz="1100">
+                          <a:effectLst/>
+                        </a:rPr>
+                        <a:t>0.026 [11]</a:t>
+                      </a:r>
+                      <a:endParaRPr lang="en-US" sz="1100">
+                        <a:effectLst/>
+                        <a:latin typeface="Calibri" panose="020F0502020204030204" pitchFamily="34" charset="0"/>
+                        <a:ea typeface="Calibri" panose="020F0502020204030204" pitchFamily="34" charset="0"/>
+                        <a:cs typeface="Times New Roman" panose="02020603050405020304" pitchFamily="18" charset="0"/>
+                      </a:endParaRPr>
+                    </a:p>
+                  </a:txBody>
+                  <a:tcPr marL="68580" marR="68580" marT="0" marB="0"/>
+                </a:tc>
+                <a:tc>
+                  <a:txBody>
+                    <a:bodyPr/>
+                    <a:lstStyle/>
+                    <a:p>
+                      <a:pPr marL="0" marR="0">
+                        <a:lnSpc>
+                          <a:spcPct val="107000"/>
+                        </a:lnSpc>
+                        <a:spcBef>
+                          <a:spcPts val="0"/>
+                        </a:spcBef>
+                        <a:spcAft>
+                          <a:spcPts val="0"/>
+                        </a:spcAft>
+                      </a:pPr>
+                      <a:r>
+                        <a:rPr lang="en-US" sz="1100">
+                          <a:effectLst/>
+                        </a:rPr>
+                        <a:t>W/m⋅K</a:t>
+                      </a:r>
+                      <a:endParaRPr lang="en-US" sz="1100">
+                        <a:effectLst/>
+                        <a:latin typeface="Calibri" panose="020F0502020204030204" pitchFamily="34" charset="0"/>
+                        <a:ea typeface="Calibri" panose="020F0502020204030204" pitchFamily="34" charset="0"/>
+                        <a:cs typeface="Times New Roman" panose="02020603050405020304" pitchFamily="18" charset="0"/>
+                      </a:endParaRPr>
+                    </a:p>
+                  </a:txBody>
+                  <a:tcPr marL="68580" marR="68580" marT="0" marB="0"/>
+                </a:tc>
+                <a:tc>
+                  <a:txBody>
+                    <a:bodyPr/>
+                    <a:lstStyle/>
+                    <a:p>
+                      <a:pPr marL="0" marR="0">
+                        <a:lnSpc>
+                          <a:spcPct val="107000"/>
+                        </a:lnSpc>
+                        <a:spcBef>
+                          <a:spcPts val="0"/>
+                        </a:spcBef>
+                        <a:spcAft>
+                          <a:spcPts val="0"/>
+                        </a:spcAft>
+                      </a:pPr>
+                      <a:r>
+                        <a:rPr lang="en-US" sz="1100">
+                          <a:effectLst/>
+                        </a:rPr>
+                        <a:t>Foam thermal conductivity</a:t>
+                      </a:r>
+                      <a:endParaRPr lang="en-US" sz="1100">
+                        <a:effectLst/>
+                        <a:latin typeface="Calibri" panose="020F0502020204030204" pitchFamily="34" charset="0"/>
+                        <a:ea typeface="Calibri" panose="020F0502020204030204" pitchFamily="34" charset="0"/>
+                        <a:cs typeface="Times New Roman" panose="02020603050405020304" pitchFamily="18" charset="0"/>
+                      </a:endParaRPr>
+                    </a:p>
+                  </a:txBody>
+                  <a:tcPr marL="68580" marR="68580" marT="0" marB="0"/>
+                </a:tc>
+                <a:extLst>
+                  <a:ext uri="{0D108BD9-81ED-4DB2-BD59-A6C34878D82A}">
+                    <a16:rowId xmlns:a16="http://schemas.microsoft.com/office/drawing/2014/main" val="4170315945"/>
+                  </a:ext>
+                </a:extLst>
+              </a:tr>
+              <a:tr h="0">
+                <a:tc>
+                  <a:txBody>
+                    <a:bodyPr/>
+                    <a:lstStyle/>
+                    <a:p>
+                      <a:pPr marL="0" marR="0">
+                        <a:lnSpc>
+                          <a:spcPct val="107000"/>
+                        </a:lnSpc>
+                        <a:spcBef>
+                          <a:spcPts val="0"/>
+                        </a:spcBef>
+                        <a:spcAft>
+                          <a:spcPts val="0"/>
+                        </a:spcAft>
+                      </a:pPr>
+                      <a:r>
+                        <a:rPr lang="en-US" sz="1100">
+                          <a:effectLst/>
+                        </a:rPr>
+                        <a:t>K</a:t>
+                      </a:r>
+                      <a:r>
+                        <a:rPr lang="en-US" sz="1100" baseline="-25000">
+                          <a:effectLst/>
+                        </a:rPr>
+                        <a:t>fiberglass</a:t>
+                      </a:r>
+                      <a:endParaRPr lang="en-US" sz="1100">
+                        <a:effectLst/>
+                        <a:latin typeface="Calibri" panose="020F0502020204030204" pitchFamily="34" charset="0"/>
+                        <a:ea typeface="Calibri" panose="020F0502020204030204" pitchFamily="34" charset="0"/>
+                        <a:cs typeface="Times New Roman" panose="02020603050405020304" pitchFamily="18" charset="0"/>
+                      </a:endParaRPr>
+                    </a:p>
+                  </a:txBody>
+                  <a:tcPr marL="68580" marR="68580" marT="0" marB="0"/>
+                </a:tc>
+                <a:tc>
+                  <a:txBody>
+                    <a:bodyPr/>
+                    <a:lstStyle/>
+                    <a:p>
+                      <a:pPr marL="0" marR="0">
+                        <a:lnSpc>
+                          <a:spcPct val="107000"/>
+                        </a:lnSpc>
+                        <a:spcBef>
+                          <a:spcPts val="0"/>
+                        </a:spcBef>
+                        <a:spcAft>
+                          <a:spcPts val="0"/>
+                        </a:spcAft>
+                      </a:pPr>
+                      <a:r>
+                        <a:rPr lang="en-US" sz="1100">
+                          <a:effectLst/>
+                        </a:rPr>
+                        <a:t>0.0316  [12]</a:t>
+                      </a:r>
+                      <a:endParaRPr lang="en-US" sz="1100">
+                        <a:effectLst/>
+                        <a:latin typeface="Calibri" panose="020F0502020204030204" pitchFamily="34" charset="0"/>
+                        <a:ea typeface="Calibri" panose="020F0502020204030204" pitchFamily="34" charset="0"/>
+                        <a:cs typeface="Times New Roman" panose="02020603050405020304" pitchFamily="18" charset="0"/>
+                      </a:endParaRPr>
+                    </a:p>
+                  </a:txBody>
+                  <a:tcPr marL="68580" marR="68580" marT="0" marB="0"/>
+                </a:tc>
+                <a:tc>
+                  <a:txBody>
+                    <a:bodyPr/>
+                    <a:lstStyle/>
+                    <a:p>
+                      <a:pPr marL="0" marR="0">
+                        <a:lnSpc>
+                          <a:spcPct val="107000"/>
+                        </a:lnSpc>
+                        <a:spcBef>
+                          <a:spcPts val="0"/>
+                        </a:spcBef>
+                        <a:spcAft>
+                          <a:spcPts val="0"/>
+                        </a:spcAft>
+                      </a:pPr>
+                      <a:r>
+                        <a:rPr lang="en-US" sz="1100">
+                          <a:effectLst/>
+                        </a:rPr>
+                        <a:t>W/m⋅K</a:t>
+                      </a:r>
+                      <a:endParaRPr lang="en-US" sz="1100">
+                        <a:effectLst/>
+                        <a:latin typeface="Calibri" panose="020F0502020204030204" pitchFamily="34" charset="0"/>
+                        <a:ea typeface="Calibri" panose="020F0502020204030204" pitchFamily="34" charset="0"/>
+                        <a:cs typeface="Times New Roman" panose="02020603050405020304" pitchFamily="18" charset="0"/>
+                      </a:endParaRPr>
+                    </a:p>
+                  </a:txBody>
+                  <a:tcPr marL="68580" marR="68580" marT="0" marB="0"/>
+                </a:tc>
+                <a:tc>
+                  <a:txBody>
+                    <a:bodyPr/>
+                    <a:lstStyle/>
+                    <a:p>
+                      <a:pPr marL="0" marR="0">
+                        <a:lnSpc>
+                          <a:spcPct val="107000"/>
+                        </a:lnSpc>
+                        <a:spcBef>
+                          <a:spcPts val="0"/>
+                        </a:spcBef>
+                        <a:spcAft>
+                          <a:spcPts val="0"/>
+                        </a:spcAft>
+                      </a:pPr>
+                      <a:r>
+                        <a:rPr lang="en-US" sz="1100">
+                          <a:effectLst/>
+                        </a:rPr>
+                        <a:t>Fiberglass thermal conductivity</a:t>
+                      </a:r>
+                      <a:endParaRPr lang="en-US" sz="1100">
+                        <a:effectLst/>
+                        <a:latin typeface="Calibri" panose="020F0502020204030204" pitchFamily="34" charset="0"/>
+                        <a:ea typeface="Calibri" panose="020F0502020204030204" pitchFamily="34" charset="0"/>
+                        <a:cs typeface="Times New Roman" panose="02020603050405020304" pitchFamily="18" charset="0"/>
+                      </a:endParaRPr>
+                    </a:p>
+                  </a:txBody>
+                  <a:tcPr marL="68580" marR="68580" marT="0" marB="0"/>
+                </a:tc>
+                <a:extLst>
+                  <a:ext uri="{0D108BD9-81ED-4DB2-BD59-A6C34878D82A}">
+                    <a16:rowId xmlns:a16="http://schemas.microsoft.com/office/drawing/2014/main" val="3012478673"/>
+                  </a:ext>
+                </a:extLst>
+              </a:tr>
+              <a:tr h="0">
+                <a:tc>
+                  <a:txBody>
+                    <a:bodyPr/>
+                    <a:lstStyle/>
+                    <a:p>
+                      <a:pPr marL="0" marR="0">
+                        <a:lnSpc>
+                          <a:spcPct val="107000"/>
+                        </a:lnSpc>
+                        <a:spcBef>
+                          <a:spcPts val="0"/>
+                        </a:spcBef>
+                        <a:spcAft>
+                          <a:spcPts val="0"/>
+                        </a:spcAft>
+                      </a:pPr>
+                      <a:r>
+                        <a:rPr lang="en-US" sz="1100">
+                          <a:effectLst/>
+                        </a:rPr>
+                        <a:t>K</a:t>
+                      </a:r>
+                      <a:r>
+                        <a:rPr lang="en-US" sz="1100" baseline="-25000">
+                          <a:effectLst/>
+                        </a:rPr>
+                        <a:t>wood</a:t>
+                      </a:r>
+                      <a:endParaRPr lang="en-US" sz="1100">
+                        <a:effectLst/>
+                        <a:latin typeface="Calibri" panose="020F0502020204030204" pitchFamily="34" charset="0"/>
+                        <a:ea typeface="Calibri" panose="020F0502020204030204" pitchFamily="34" charset="0"/>
+                        <a:cs typeface="Times New Roman" panose="02020603050405020304" pitchFamily="18" charset="0"/>
+                      </a:endParaRPr>
+                    </a:p>
+                  </a:txBody>
+                  <a:tcPr marL="68580" marR="68580" marT="0" marB="0"/>
+                </a:tc>
+                <a:tc>
+                  <a:txBody>
+                    <a:bodyPr/>
+                    <a:lstStyle/>
+                    <a:p>
+                      <a:pPr marL="0" marR="0">
+                        <a:lnSpc>
+                          <a:spcPct val="107000"/>
+                        </a:lnSpc>
+                        <a:spcBef>
+                          <a:spcPts val="0"/>
+                        </a:spcBef>
+                        <a:spcAft>
+                          <a:spcPts val="0"/>
+                        </a:spcAft>
+                      </a:pPr>
+                      <a:r>
+                        <a:rPr lang="en-US" sz="1100">
+                          <a:effectLst/>
+                        </a:rPr>
+                        <a:t>0.12  [13]</a:t>
+                      </a:r>
+                      <a:endParaRPr lang="en-US" sz="1100">
+                        <a:effectLst/>
+                        <a:latin typeface="Calibri" panose="020F0502020204030204" pitchFamily="34" charset="0"/>
+                        <a:ea typeface="Calibri" panose="020F0502020204030204" pitchFamily="34" charset="0"/>
+                        <a:cs typeface="Times New Roman" panose="02020603050405020304" pitchFamily="18" charset="0"/>
+                      </a:endParaRPr>
+                    </a:p>
+                  </a:txBody>
+                  <a:tcPr marL="68580" marR="68580" marT="0" marB="0"/>
+                </a:tc>
+                <a:tc>
+                  <a:txBody>
+                    <a:bodyPr/>
+                    <a:lstStyle/>
+                    <a:p>
+                      <a:pPr marL="0" marR="0">
+                        <a:lnSpc>
+                          <a:spcPct val="107000"/>
+                        </a:lnSpc>
+                        <a:spcBef>
+                          <a:spcPts val="0"/>
+                        </a:spcBef>
+                        <a:spcAft>
+                          <a:spcPts val="0"/>
+                        </a:spcAft>
+                      </a:pPr>
+                      <a:r>
+                        <a:rPr lang="en-US" sz="1100">
+                          <a:effectLst/>
+                        </a:rPr>
+                        <a:t>W/m⋅K</a:t>
+                      </a:r>
+                      <a:endParaRPr lang="en-US" sz="1100">
+                        <a:effectLst/>
+                        <a:latin typeface="Calibri" panose="020F0502020204030204" pitchFamily="34" charset="0"/>
+                        <a:ea typeface="Calibri" panose="020F0502020204030204" pitchFamily="34" charset="0"/>
+                        <a:cs typeface="Times New Roman" panose="02020603050405020304" pitchFamily="18" charset="0"/>
+                      </a:endParaRPr>
+                    </a:p>
+                  </a:txBody>
+                  <a:tcPr marL="68580" marR="68580" marT="0" marB="0"/>
+                </a:tc>
+                <a:tc>
+                  <a:txBody>
+                    <a:bodyPr/>
+                    <a:lstStyle/>
+                    <a:p>
+                      <a:pPr marL="0" marR="0">
+                        <a:lnSpc>
+                          <a:spcPct val="107000"/>
+                        </a:lnSpc>
+                        <a:spcBef>
+                          <a:spcPts val="0"/>
+                        </a:spcBef>
+                        <a:spcAft>
+                          <a:spcPts val="0"/>
+                        </a:spcAft>
+                      </a:pPr>
+                      <a:r>
+                        <a:rPr lang="en-US" sz="1100" dirty="0">
+                          <a:effectLst/>
+                        </a:rPr>
+                        <a:t>Wood thermal conductivity</a:t>
+                      </a:r>
+                      <a:endParaRPr lang="en-US" sz="1100" dirty="0">
+                        <a:effectLst/>
+                        <a:latin typeface="Calibri" panose="020F0502020204030204" pitchFamily="34" charset="0"/>
+                        <a:ea typeface="Calibri" panose="020F0502020204030204" pitchFamily="34" charset="0"/>
+                        <a:cs typeface="Times New Roman" panose="02020603050405020304" pitchFamily="18" charset="0"/>
+                      </a:endParaRPr>
+                    </a:p>
+                  </a:txBody>
+                  <a:tcPr marL="68580" marR="68580" marT="0" marB="0"/>
+                </a:tc>
+                <a:extLst>
+                  <a:ext uri="{0D108BD9-81ED-4DB2-BD59-A6C34878D82A}">
+                    <a16:rowId xmlns:a16="http://schemas.microsoft.com/office/drawing/2014/main" val="2910247426"/>
+                  </a:ext>
+                </a:extLst>
+              </a:tr>
+            </a:tbl>
+          </a:graphicData>
+        </a:graphic>
+      </p:graphicFrame>
+      <p:sp>
+        <p:nvSpPr>
+          <p:cNvPr id="15" name="Date Placeholder 14">
+            <a:extLst>
+              <a:ext uri="{FF2B5EF4-FFF2-40B4-BE49-F238E27FC236}">
+                <a16:creationId xmlns:a16="http://schemas.microsoft.com/office/drawing/2014/main" id="{D9A907C6-6F93-45F8-BE9B-E89AA6E2D603}"/>
+              </a:ext>
+            </a:extLst>
+          </p:cNvPr>
+          <p:cNvSpPr>
+            <a:spLocks noGrp="1"/>
+          </p:cNvSpPr>
+          <p:nvPr>
+            <p:ph type="dt" sz="half" idx="10"/>
+          </p:nvPr>
+        </p:nvSpPr>
         <p:spPr/>
         <p:txBody>
           <a:bodyPr/>
           <a:lstStyle/>
           <a:p>
-            <a:r>
-              <a:rPr lang="en-US"/>
-              <a:t>Preliminary Thermal Analysis</a:t>
-            </a:r>
-            <a:endParaRPr lang="en-US" dirty="0"/>
-          </a:p>
-        </p:txBody>
-      </p:sp>
-      <p:sp>
-        <p:nvSpPr>
-          <p:cNvPr id="3" name="Content Placeholder 2">
+            <a:fld id="{0AC823FB-7DC3-4F03-9545-1E28C3250400}" type="datetime1">
+              <a:rPr lang="en-US" smtClean="0"/>
+              <a:t>2/15/2022</a:t>
+            </a:fld>
+            <a:endParaRPr lang="en-US"/>
+          </a:p>
+        </p:txBody>
+      </p:sp>
+      <p:sp>
+        <p:nvSpPr>
+          <p:cNvPr id="16" name="Slide Number Placeholder 15">
             <a:extLst>
               <a:ext uri="{FF2B5EF4-FFF2-40B4-BE49-F238E27FC236}">
-                <a16:creationId xmlns:a16="http://schemas.microsoft.com/office/drawing/2014/main" id="{EAB6B731-351C-4A43-84FE-A87F271C1159}"/>
+                <a16:creationId xmlns:a16="http://schemas.microsoft.com/office/drawing/2014/main" id="{A59A87AD-403D-4FFE-A72A-8B883F339645}"/>
               </a:ext>
             </a:extLst>
           </p:cNvPr>
@@ -5568,7 +10154,7 @@
             <a:spLocks noGrp="1"/>
           </p:cNvSpPr>
           <p:nvPr>
-            <p:ph idx="1"/>
+            <p:ph type="sldNum" sz="quarter" idx="12"/>
           </p:nvPr>
         </p:nvSpPr>
         <p:spPr/>
@@ -5576,7 +10162,14 @@
           <a:bodyPr/>
           <a:lstStyle/>
           <a:p>
-            <a:endParaRPr lang="en-US"/>
+            <a:fld id="{3D3065AE-6497-4D5A-BB02-EC962F7C9276}" type="slidenum">
+              <a:rPr lang="en-US" smtClean="0"/>
+              <a:t>6</a:t>
+            </a:fld>
+            <a:r>
+              <a:rPr lang="en-US" dirty="0"/>
+              <a:t>/7</a:t>
+            </a:r>
           </a:p>
         </p:txBody>
       </p:sp>
@@ -5626,21 +10219,94 @@
             <p:ph type="title"/>
           </p:nvPr>
         </p:nvSpPr>
-        <p:spPr/>
+        <p:spPr>
+          <a:xfrm>
+            <a:off x="838200" y="365125"/>
+            <a:ext cx="10515600" cy="419675"/>
+          </a:xfrm>
+        </p:spPr>
+        <p:txBody>
+          <a:bodyPr>
+            <a:normAutofit fontScale="90000"/>
+          </a:bodyPr>
+          <a:lstStyle/>
+          <a:p>
+            <a:r>
+              <a:rPr lang="en-US" sz="2800" dirty="0"/>
+              <a:t>Next steps</a:t>
+            </a:r>
+          </a:p>
+        </p:txBody>
+      </p:sp>
+      <p:sp>
+        <p:nvSpPr>
+          <p:cNvPr id="3" name="Content Placeholder 2">
+            <a:extLst>
+              <a:ext uri="{FF2B5EF4-FFF2-40B4-BE49-F238E27FC236}">
+                <a16:creationId xmlns:a16="http://schemas.microsoft.com/office/drawing/2014/main" id="{16020191-2DE1-4AC5-ADA7-F03D06EE637E}"/>
+              </a:ext>
+            </a:extLst>
+          </p:cNvPr>
+          <p:cNvSpPr>
+            <a:spLocks noGrp="1"/>
+          </p:cNvSpPr>
+          <p:nvPr>
+            <p:ph idx="1"/>
+          </p:nvPr>
+        </p:nvSpPr>
+        <p:spPr>
+          <a:xfrm>
+            <a:off x="838200" y="993600"/>
+            <a:ext cx="10515600" cy="5183363"/>
+          </a:xfrm>
+        </p:spPr>
         <p:txBody>
           <a:bodyPr/>
           <a:lstStyle/>
           <a:p>
-            <a:endParaRPr lang="en-US"/>
-          </a:p>
-        </p:txBody>
-      </p:sp>
-      <p:sp>
-        <p:nvSpPr>
-          <p:cNvPr id="3" name="Content Placeholder 2">
+            <a:pPr>
+              <a:lnSpc>
+                <a:spcPct val="200000"/>
+              </a:lnSpc>
+            </a:pPr>
+            <a:r>
+              <a:rPr lang="en-US" dirty="0"/>
+              <a:t>Assemble movement system in frame</a:t>
+            </a:r>
+          </a:p>
+          <a:p>
+            <a:pPr>
+              <a:lnSpc>
+                <a:spcPct val="200000"/>
+              </a:lnSpc>
+            </a:pPr>
+            <a:r>
+              <a:rPr lang="en-US" dirty="0"/>
+              <a:t>Get working 3D printer without build chamber</a:t>
+            </a:r>
+          </a:p>
+          <a:p>
+            <a:pPr>
+              <a:lnSpc>
+                <a:spcPct val="200000"/>
+              </a:lnSpc>
+            </a:pPr>
+            <a:r>
+              <a:rPr lang="en-US" dirty="0"/>
+              <a:t>Perform more complete thermal analysis on heating element</a:t>
+            </a:r>
+          </a:p>
+          <a:p>
+            <a:endParaRPr lang="en-US" dirty="0"/>
+          </a:p>
+        </p:txBody>
+      </p:sp>
+      <p:sp>
+        <p:nvSpPr>
+          <p:cNvPr id="4" name="Date Placeholder 3">
             <a:extLst>
               <a:ext uri="{FF2B5EF4-FFF2-40B4-BE49-F238E27FC236}">
-                <a16:creationId xmlns:a16="http://schemas.microsoft.com/office/drawing/2014/main" id="{16020191-2DE1-4AC5-ADA7-F03D06EE637E}"/>
+                <a16:creationId xmlns:a16="http://schemas.microsoft.com/office/drawing/2014/main" id="{3260E2CE-C5E1-43E1-B05B-504B197390C4}"/>
               </a:ext>
             </a:extLst>
           </p:cNvPr>
@@ -5648,7 +10314,7 @@
             <a:spLocks noGrp="1"/>
           </p:cNvSpPr>
           <p:nvPr>
-            <p:ph idx="1"/>
+            <p:ph type="dt" sz="half" idx="10"/>
           </p:nvPr>
         </p:nvSpPr>
         <p:spPr/>
@@ -5656,7 +10322,43 @@
           <a:bodyPr/>
           <a:lstStyle/>
           <a:p>
+            <a:fld id="{04E39E95-A722-4AA7-92EC-FBA2B3BAB5E7}" type="datetime1">
+              <a:rPr lang="en-US" smtClean="0"/>
+              <a:t>2/15/2022</a:t>
+            </a:fld>
             <a:endParaRPr lang="en-US"/>
+          </a:p>
+        </p:txBody>
+      </p:sp>
+      <p:sp>
+        <p:nvSpPr>
+          <p:cNvPr id="5" name="Slide Number Placeholder 4">
+            <a:extLst>
+              <a:ext uri="{FF2B5EF4-FFF2-40B4-BE49-F238E27FC236}">
+                <a16:creationId xmlns:a16="http://schemas.microsoft.com/office/drawing/2014/main" id="{0346DD9E-7BEB-477F-8CC3-A3FF669989FC}"/>
+              </a:ext>
+            </a:extLst>
+          </p:cNvPr>
+          <p:cNvSpPr>
+            <a:spLocks noGrp="1"/>
+          </p:cNvSpPr>
+          <p:nvPr>
+            <p:ph type="sldNum" sz="quarter" idx="12"/>
+          </p:nvPr>
+        </p:nvSpPr>
+        <p:spPr/>
+        <p:txBody>
+          <a:bodyPr/>
+          <a:lstStyle/>
+          <a:p>
+            <a:fld id="{3D3065AE-6497-4D5A-BB02-EC962F7C9276}" type="slidenum">
+              <a:rPr lang="en-US" smtClean="0"/>
+              <a:t>7</a:t>
+            </a:fld>
+            <a:r>
+              <a:rPr lang="en-US" dirty="0"/>
+              <a:t>/7</a:t>
+            </a:r>
           </a:p>
         </p:txBody>
       </p:sp>
